--- a/docs/images/rag.pptx
+++ b/docs/images/rag.pptx
@@ -105,6 +105,11 @@
       </a:defRPr>
     </a:lvl9pPr>
   </p:defaultTextStyle>
+  <p:extLst>
+    <p:ext uri="{EFAFB233-063F-42B5-8137-9DF3F51BA10A}">
+      <p15:sldGuideLst xmlns:p15="http://schemas.microsoft.com/office/powerpoint/2012/main"/>
+    </p:ext>
+  </p:extLst>
 </p:presentation>
 </file>
 
@@ -257,7 +262,7 @@
           <a:p>
             <a:fld id="{08D827C3-7CC9-4DFF-841F-1C6E70298E42}" type="datetimeFigureOut">
               <a:rPr lang="en-GB" smtClean="0"/>
-              <a:t>17/11/2024</a:t>
+              <a:t>21/11/2024</a:t>
             </a:fld>
             <a:endParaRPr lang="en-GB"/>
           </a:p>
@@ -457,7 +462,7 @@
           <a:p>
             <a:fld id="{08D827C3-7CC9-4DFF-841F-1C6E70298E42}" type="datetimeFigureOut">
               <a:rPr lang="en-GB" smtClean="0"/>
-              <a:t>17/11/2024</a:t>
+              <a:t>21/11/2024</a:t>
             </a:fld>
             <a:endParaRPr lang="en-GB"/>
           </a:p>
@@ -667,7 +672,7 @@
           <a:p>
             <a:fld id="{08D827C3-7CC9-4DFF-841F-1C6E70298E42}" type="datetimeFigureOut">
               <a:rPr lang="en-GB" smtClean="0"/>
-              <a:t>17/11/2024</a:t>
+              <a:t>21/11/2024</a:t>
             </a:fld>
             <a:endParaRPr lang="en-GB"/>
           </a:p>
@@ -867,7 +872,7 @@
           <a:p>
             <a:fld id="{08D827C3-7CC9-4DFF-841F-1C6E70298E42}" type="datetimeFigureOut">
               <a:rPr lang="en-GB" smtClean="0"/>
-              <a:t>17/11/2024</a:t>
+              <a:t>21/11/2024</a:t>
             </a:fld>
             <a:endParaRPr lang="en-GB"/>
           </a:p>
@@ -1143,7 +1148,7 @@
           <a:p>
             <a:fld id="{08D827C3-7CC9-4DFF-841F-1C6E70298E42}" type="datetimeFigureOut">
               <a:rPr lang="en-GB" smtClean="0"/>
-              <a:t>17/11/2024</a:t>
+              <a:t>21/11/2024</a:t>
             </a:fld>
             <a:endParaRPr lang="en-GB"/>
           </a:p>
@@ -1411,7 +1416,7 @@
           <a:p>
             <a:fld id="{08D827C3-7CC9-4DFF-841F-1C6E70298E42}" type="datetimeFigureOut">
               <a:rPr lang="en-GB" smtClean="0"/>
-              <a:t>17/11/2024</a:t>
+              <a:t>21/11/2024</a:t>
             </a:fld>
             <a:endParaRPr lang="en-GB"/>
           </a:p>
@@ -1826,7 +1831,7 @@
           <a:p>
             <a:fld id="{08D827C3-7CC9-4DFF-841F-1C6E70298E42}" type="datetimeFigureOut">
               <a:rPr lang="en-GB" smtClean="0"/>
-              <a:t>17/11/2024</a:t>
+              <a:t>21/11/2024</a:t>
             </a:fld>
             <a:endParaRPr lang="en-GB"/>
           </a:p>
@@ -1968,7 +1973,7 @@
           <a:p>
             <a:fld id="{08D827C3-7CC9-4DFF-841F-1C6E70298E42}" type="datetimeFigureOut">
               <a:rPr lang="en-GB" smtClean="0"/>
-              <a:t>17/11/2024</a:t>
+              <a:t>21/11/2024</a:t>
             </a:fld>
             <a:endParaRPr lang="en-GB"/>
           </a:p>
@@ -2081,7 +2086,7 @@
           <a:p>
             <a:fld id="{08D827C3-7CC9-4DFF-841F-1C6E70298E42}" type="datetimeFigureOut">
               <a:rPr lang="en-GB" smtClean="0"/>
-              <a:t>17/11/2024</a:t>
+              <a:t>21/11/2024</a:t>
             </a:fld>
             <a:endParaRPr lang="en-GB"/>
           </a:p>
@@ -2394,7 +2399,7 @@
           <a:p>
             <a:fld id="{08D827C3-7CC9-4DFF-841F-1C6E70298E42}" type="datetimeFigureOut">
               <a:rPr lang="en-GB" smtClean="0"/>
-              <a:t>17/11/2024</a:t>
+              <a:t>21/11/2024</a:t>
             </a:fld>
             <a:endParaRPr lang="en-GB"/>
           </a:p>
@@ -2683,7 +2688,7 @@
           <a:p>
             <a:fld id="{08D827C3-7CC9-4DFF-841F-1C6E70298E42}" type="datetimeFigureOut">
               <a:rPr lang="en-GB" smtClean="0"/>
-              <a:t>17/11/2024</a:t>
+              <a:t>21/11/2024</a:t>
             </a:fld>
             <a:endParaRPr lang="en-GB"/>
           </a:p>
@@ -2926,7 +2931,7 @@
           <a:p>
             <a:fld id="{08D827C3-7CC9-4DFF-841F-1C6E70298E42}" type="datetimeFigureOut">
               <a:rPr lang="en-GB" smtClean="0"/>
-              <a:t>17/11/2024</a:t>
+              <a:t>21/11/2024</a:t>
             </a:fld>
             <a:endParaRPr lang="en-GB"/>
           </a:p>
@@ -3495,7 +3500,7 @@
         </p:nvSpPr>
         <p:spPr>
           <a:xfrm>
-            <a:off x="2449830" y="534924"/>
+            <a:off x="1992630" y="526923"/>
             <a:ext cx="1472184" cy="1042416"/>
           </a:xfrm>
           <a:prstGeom prst="flowChartDecision">
@@ -3529,12 +3534,36 @@
           <a:p>
             <a:pPr algn="ctr"/>
             <a:r>
-              <a:rPr lang="en-GB" sz="1200" b="1" dirty="0">
+              <a:rPr lang="en-GB" dirty="0">
                 <a:solidFill>
                   <a:schemeClr val="tx1"/>
                 </a:solidFill>
               </a:rPr>
-              <a:t>IN CACHE?</a:t>
+              <a:t>IN</a:t>
+            </a:r>
+            <a:r>
+              <a:rPr lang="en-GB" b="1" dirty="0">
+                <a:solidFill>
+                  <a:schemeClr val="tx1"/>
+                </a:solidFill>
+              </a:rPr>
+              <a:t> </a:t>
+            </a:r>
+            <a:r>
+              <a:rPr lang="en-GB" dirty="0">
+                <a:solidFill>
+                  <a:schemeClr val="tx1"/>
+                </a:solidFill>
+              </a:rPr>
+              <a:t>DB</a:t>
+            </a:r>
+            <a:r>
+              <a:rPr lang="en-GB" b="1" dirty="0">
+                <a:solidFill>
+                  <a:schemeClr val="tx1"/>
+                </a:solidFill>
+              </a:rPr>
+              <a:t>?</a:t>
             </a:r>
           </a:p>
         </p:txBody>
@@ -3553,8 +3582,8 @@
         </p:nvSpPr>
         <p:spPr>
           <a:xfrm>
-            <a:off x="4705350" y="2253996"/>
-            <a:ext cx="1390650" cy="571500"/>
+            <a:off x="3839146" y="2394507"/>
+            <a:ext cx="2256854" cy="571500"/>
           </a:xfrm>
           <a:prstGeom prst="flowChartProcess">
             <a:avLst/>
@@ -3592,18 +3621,7 @@
                   <a:schemeClr val="tx1"/>
                 </a:solidFill>
               </a:rPr>
-              <a:t>GRADE</a:t>
-            </a:r>
-          </a:p>
-          <a:p>
-            <a:pPr algn="ctr"/>
-            <a:r>
-              <a:rPr lang="en-GB" dirty="0">
-                <a:solidFill>
-                  <a:schemeClr val="tx1"/>
-                </a:solidFill>
-              </a:rPr>
-              <a:t>SELECT</a:t>
+              <a:t>GRADE &amp; SELECT</a:t>
             </a:r>
           </a:p>
         </p:txBody>
@@ -3622,8 +3640,8 @@
         </p:nvSpPr>
         <p:spPr>
           <a:xfrm>
-            <a:off x="4705350" y="723900"/>
-            <a:ext cx="1390650" cy="571500"/>
+            <a:off x="3839146" y="754683"/>
+            <a:ext cx="2248473" cy="571500"/>
           </a:xfrm>
           <a:prstGeom prst="flowChartProcess">
             <a:avLst/>
@@ -3661,18 +3679,7 @@
                   <a:schemeClr val="tx1"/>
                 </a:solidFill>
               </a:rPr>
-              <a:t>Preprocess </a:t>
-            </a:r>
-          </a:p>
-          <a:p>
-            <a:pPr algn="ctr"/>
-            <a:r>
-              <a:rPr lang="en-GB" dirty="0">
-                <a:solidFill>
-                  <a:schemeClr val="tx1"/>
-                </a:solidFill>
-              </a:rPr>
-              <a:t>Query</a:t>
+              <a:t>REPROCESS QUERY</a:t>
             </a:r>
           </a:p>
         </p:txBody>
@@ -3691,8 +3698,8 @@
         </p:nvSpPr>
         <p:spPr>
           <a:xfrm>
-            <a:off x="4705350" y="1488186"/>
-            <a:ext cx="1390650" cy="571500"/>
+            <a:off x="3830763" y="1582977"/>
+            <a:ext cx="2256854" cy="571500"/>
           </a:xfrm>
           <a:prstGeom prst="flowChartProcess">
             <a:avLst/>
@@ -3749,8 +3756,8 @@
         </p:nvSpPr>
         <p:spPr>
           <a:xfrm>
-            <a:off x="4705350" y="3993643"/>
-            <a:ext cx="1390650" cy="571500"/>
+            <a:off x="3839145" y="4007839"/>
+            <a:ext cx="2248473" cy="571500"/>
           </a:xfrm>
           <a:prstGeom prst="flowChartProcess">
             <a:avLst/>
@@ -3788,7 +3795,18 @@
                   <a:schemeClr val="tx1"/>
                 </a:solidFill>
               </a:rPr>
-              <a:t>CHECK</a:t>
+              <a:t>CHECK FOR</a:t>
+            </a:r>
+          </a:p>
+          <a:p>
+            <a:pPr algn="ctr"/>
+            <a:r>
+              <a:rPr lang="en-GB" dirty="0">
+                <a:solidFill>
+                  <a:schemeClr val="tx1"/>
+                </a:solidFill>
+              </a:rPr>
+              <a:t>HALLUCINATIONS</a:t>
             </a:r>
           </a:p>
         </p:txBody>
@@ -3807,8 +3825,8 @@
         </p:nvSpPr>
         <p:spPr>
           <a:xfrm>
-            <a:off x="4705350" y="3143250"/>
-            <a:ext cx="1390650" cy="571500"/>
+            <a:off x="3839146" y="3201173"/>
+            <a:ext cx="2265236" cy="571500"/>
           </a:xfrm>
           <a:prstGeom prst="flowChartProcess">
             <a:avLst/>
@@ -3846,7 +3864,7 @@
                   <a:schemeClr val="tx1"/>
                 </a:solidFill>
               </a:rPr>
-              <a:t>GENERATE</a:t>
+              <a:t>GENERATE RESPONSE</a:t>
             </a:r>
           </a:p>
         </p:txBody>
@@ -3865,8 +3883,8 @@
         </p:nvSpPr>
         <p:spPr>
           <a:xfrm>
-            <a:off x="4729353" y="4844036"/>
-            <a:ext cx="1390650" cy="571500"/>
+            <a:off x="3839145" y="4836133"/>
+            <a:ext cx="2248472" cy="571500"/>
           </a:xfrm>
           <a:prstGeom prst="flowChartProcess">
             <a:avLst/>
@@ -3904,17 +3922,17 @@
                   <a:schemeClr val="tx1"/>
                 </a:solidFill>
               </a:rPr>
-              <a:t>SEND</a:t>
-            </a:r>
-          </a:p>
-        </p:txBody>
-      </p:sp>
-      <p:sp>
-        <p:nvSpPr>
-          <p:cNvPr id="11" name="Flowchart: Decision 10">
-            <a:extLst>
-              <a:ext uri="{FF2B5EF4-FFF2-40B4-BE49-F238E27FC236}">
-                <a16:creationId xmlns:a16="http://schemas.microsoft.com/office/drawing/2014/main" id="{C5A6BAAE-4294-734E-3D8C-19F05F10D59B}"/>
+              <a:t>SEND TO USER</a:t>
+            </a:r>
+          </a:p>
+        </p:txBody>
+      </p:sp>
+      <p:sp>
+        <p:nvSpPr>
+          <p:cNvPr id="12" name="Flowchart: Magnetic Disk 11">
+            <a:extLst>
+              <a:ext uri="{FF2B5EF4-FFF2-40B4-BE49-F238E27FC236}">
+                <a16:creationId xmlns:a16="http://schemas.microsoft.com/office/drawing/2014/main" id="{764CACB7-69E6-AAB9-9C7B-49AB360E2EC0}"/>
               </a:ext>
             </a:extLst>
           </p:cNvPr>
@@ -3923,65 +3941,7 @@
         </p:nvSpPr>
         <p:spPr>
           <a:xfrm>
-            <a:off x="2166747" y="4608578"/>
-            <a:ext cx="2038350" cy="1042416"/>
-          </a:xfrm>
-          <a:prstGeom prst="flowChartDecision">
-            <a:avLst/>
-          </a:prstGeom>
-          <a:solidFill>
-            <a:schemeClr val="bg1">
-              <a:lumMod val="85000"/>
-            </a:schemeClr>
-          </a:solidFill>
-        </p:spPr>
-        <p:style>
-          <a:lnRef idx="2">
-            <a:schemeClr val="accent1">
-              <a:shade val="15000"/>
-            </a:schemeClr>
-          </a:lnRef>
-          <a:fillRef idx="1">
-            <a:schemeClr val="accent1"/>
-          </a:fillRef>
-          <a:effectRef idx="0">
-            <a:schemeClr val="accent1"/>
-          </a:effectRef>
-          <a:fontRef idx="minor">
-            <a:schemeClr val="lt1"/>
-          </a:fontRef>
-        </p:style>
-        <p:txBody>
-          <a:bodyPr rtlCol="0" anchor="ctr"/>
-          <a:lstStyle/>
-          <a:p>
-            <a:pPr algn="ctr"/>
-            <a:r>
-              <a:rPr lang="en-GB" sz="1200" b="1" dirty="0">
-                <a:solidFill>
-                  <a:schemeClr val="tx1"/>
-                </a:solidFill>
-              </a:rPr>
-              <a:t>USER APPROVES</a:t>
-            </a:r>
-          </a:p>
-        </p:txBody>
-      </p:sp>
-      <p:sp>
-        <p:nvSpPr>
-          <p:cNvPr id="12" name="Flowchart: Magnetic Disk 11">
-            <a:extLst>
-              <a:ext uri="{FF2B5EF4-FFF2-40B4-BE49-F238E27FC236}">
-                <a16:creationId xmlns:a16="http://schemas.microsoft.com/office/drawing/2014/main" id="{764CACB7-69E6-AAB9-9C7B-49AB360E2EC0}"/>
-              </a:ext>
-            </a:extLst>
-          </p:cNvPr>
-          <p:cNvSpPr/>
-          <p:nvPr/>
-        </p:nvSpPr>
-        <p:spPr>
-          <a:xfrm>
-            <a:off x="2358390" y="2539746"/>
+            <a:off x="1850690" y="2185085"/>
             <a:ext cx="1655064" cy="889254"/>
           </a:xfrm>
           <a:prstGeom prst="flowChartMagneticDisk">
@@ -4014,7 +3974,715 @@
           <a:lstStyle/>
           <a:p>
             <a:pPr algn="ctr"/>
-            <a:endParaRPr lang="en-GB"/>
+            <a:r>
+              <a:rPr lang="en-GB" dirty="0">
+                <a:solidFill>
+                  <a:schemeClr val="tx1"/>
+                </a:solidFill>
+              </a:rPr>
+              <a:t>DATABASE</a:t>
+            </a:r>
+          </a:p>
+        </p:txBody>
+      </p:sp>
+      <p:sp>
+        <p:nvSpPr>
+          <p:cNvPr id="4" name="Flowchart: Decision 3">
+            <a:extLst>
+              <a:ext uri="{FF2B5EF4-FFF2-40B4-BE49-F238E27FC236}">
+                <a16:creationId xmlns:a16="http://schemas.microsoft.com/office/drawing/2014/main" id="{08D71CFF-564B-626E-121F-06AE9156D425}"/>
+              </a:ext>
+            </a:extLst>
+          </p:cNvPr>
+          <p:cNvSpPr/>
+          <p:nvPr/>
+        </p:nvSpPr>
+        <p:spPr>
+          <a:xfrm>
+            <a:off x="6737071" y="346710"/>
+            <a:ext cx="1808990" cy="1402842"/>
+          </a:xfrm>
+          <a:prstGeom prst="flowChartDecision">
+            <a:avLst/>
+          </a:prstGeom>
+          <a:solidFill>
+            <a:schemeClr val="bg1">
+              <a:lumMod val="85000"/>
+            </a:schemeClr>
+          </a:solidFill>
+        </p:spPr>
+        <p:style>
+          <a:lnRef idx="2">
+            <a:schemeClr val="accent1">
+              <a:shade val="15000"/>
+            </a:schemeClr>
+          </a:lnRef>
+          <a:fillRef idx="1">
+            <a:schemeClr val="accent1"/>
+          </a:fillRef>
+          <a:effectRef idx="0">
+            <a:schemeClr val="accent1"/>
+          </a:effectRef>
+          <a:fontRef idx="minor">
+            <a:schemeClr val="lt1"/>
+          </a:fontRef>
+        </p:style>
+        <p:txBody>
+          <a:bodyPr rtlCol="0" anchor="ctr"/>
+          <a:lstStyle/>
+          <a:p>
+            <a:pPr algn="ctr"/>
+            <a:r>
+              <a:rPr lang="en-GB" sz="1200" b="1" dirty="0">
+                <a:solidFill>
+                  <a:schemeClr val="tx1"/>
+                </a:solidFill>
+              </a:rPr>
+              <a:t>Can you rephrase question x 5</a:t>
+            </a:r>
+          </a:p>
+        </p:txBody>
+      </p:sp>
+      <p:cxnSp>
+        <p:nvCxnSpPr>
+          <p:cNvPr id="14" name="Straight Arrow Connector 13">
+            <a:extLst>
+              <a:ext uri="{FF2B5EF4-FFF2-40B4-BE49-F238E27FC236}">
+                <a16:creationId xmlns:a16="http://schemas.microsoft.com/office/drawing/2014/main" id="{718ABDF3-16C0-7869-4094-C0F3CAD90339}"/>
+              </a:ext>
+            </a:extLst>
+          </p:cNvPr>
+          <p:cNvCxnSpPr>
+            <a:cxnSpLocks/>
+          </p:cNvCxnSpPr>
+          <p:nvPr/>
+        </p:nvCxnSpPr>
+        <p:spPr>
+          <a:xfrm>
+            <a:off x="3005923" y="3123272"/>
+            <a:ext cx="833222" cy="1712861"/>
+          </a:xfrm>
+          <a:prstGeom prst="straightConnector1">
+            <a:avLst/>
+          </a:prstGeom>
+          <a:ln w="38100">
+            <a:solidFill>
+              <a:schemeClr val="accent6">
+                <a:lumMod val="75000"/>
+              </a:schemeClr>
+            </a:solidFill>
+            <a:tailEnd type="triangle"/>
+          </a:ln>
+        </p:spPr>
+        <p:style>
+          <a:lnRef idx="2">
+            <a:schemeClr val="accent1"/>
+          </a:lnRef>
+          <a:fillRef idx="0">
+            <a:schemeClr val="accent1"/>
+          </a:fillRef>
+          <a:effectRef idx="1">
+            <a:schemeClr val="accent1"/>
+          </a:effectRef>
+          <a:fontRef idx="minor">
+            <a:schemeClr val="tx1"/>
+          </a:fontRef>
+        </p:style>
+      </p:cxnSp>
+      <p:cxnSp>
+        <p:nvCxnSpPr>
+          <p:cNvPr id="19" name="Connector: Elbow 18">
+            <a:extLst>
+              <a:ext uri="{FF2B5EF4-FFF2-40B4-BE49-F238E27FC236}">
+                <a16:creationId xmlns:a16="http://schemas.microsoft.com/office/drawing/2014/main" id="{2CF36228-502A-EB9F-43A3-2CFAB0502142}"/>
+              </a:ext>
+            </a:extLst>
+          </p:cNvPr>
+          <p:cNvCxnSpPr>
+            <a:cxnSpLocks/>
+            <a:stCxn id="4" idx="2"/>
+            <a:endCxn id="7" idx="3"/>
+          </p:cNvCxnSpPr>
+          <p:nvPr/>
+        </p:nvCxnSpPr>
+        <p:spPr>
+          <a:xfrm rot="5400000">
+            <a:off x="6805005" y="1032165"/>
+            <a:ext cx="119175" cy="1553949"/>
+          </a:xfrm>
+          <a:prstGeom prst="bentConnector2">
+            <a:avLst/>
+          </a:prstGeom>
+          <a:ln w="38100">
+            <a:solidFill>
+              <a:schemeClr val="accent6">
+                <a:lumMod val="75000"/>
+              </a:schemeClr>
+            </a:solidFill>
+            <a:tailEnd type="triangle"/>
+          </a:ln>
+        </p:spPr>
+        <p:style>
+          <a:lnRef idx="2">
+            <a:schemeClr val="accent1"/>
+          </a:lnRef>
+          <a:fillRef idx="0">
+            <a:schemeClr val="accent1"/>
+          </a:fillRef>
+          <a:effectRef idx="1">
+            <a:schemeClr val="accent1"/>
+          </a:effectRef>
+          <a:fontRef idx="minor">
+            <a:schemeClr val="tx1"/>
+          </a:fontRef>
+        </p:style>
+      </p:cxnSp>
+      <p:sp>
+        <p:nvSpPr>
+          <p:cNvPr id="21" name="Rectangle: Rounded Corners 20">
+            <a:extLst>
+              <a:ext uri="{FF2B5EF4-FFF2-40B4-BE49-F238E27FC236}">
+                <a16:creationId xmlns:a16="http://schemas.microsoft.com/office/drawing/2014/main" id="{9A5D94C9-BE23-E0DD-D6AF-740251473E10}"/>
+              </a:ext>
+            </a:extLst>
+          </p:cNvPr>
+          <p:cNvSpPr/>
+          <p:nvPr/>
+        </p:nvSpPr>
+        <p:spPr>
+          <a:xfrm>
+            <a:off x="9018315" y="582459"/>
+            <a:ext cx="2693394" cy="947345"/>
+          </a:xfrm>
+          <a:prstGeom prst="roundRect">
+            <a:avLst/>
+          </a:prstGeom>
+          <a:solidFill>
+            <a:schemeClr val="bg1">
+              <a:lumMod val="85000"/>
+            </a:schemeClr>
+          </a:solidFill>
+        </p:spPr>
+        <p:style>
+          <a:lnRef idx="2">
+            <a:schemeClr val="accent1">
+              <a:shade val="15000"/>
+            </a:schemeClr>
+          </a:lnRef>
+          <a:fillRef idx="1">
+            <a:schemeClr val="accent1"/>
+          </a:fillRef>
+          <a:effectRef idx="0">
+            <a:schemeClr val="accent1"/>
+          </a:effectRef>
+          <a:fontRef idx="minor">
+            <a:schemeClr val="lt1"/>
+          </a:fontRef>
+        </p:style>
+        <p:txBody>
+          <a:bodyPr rtlCol="0" anchor="ctr"/>
+          <a:lstStyle/>
+          <a:p>
+            <a:pPr algn="ctr"/>
+            <a:r>
+              <a:rPr lang="en-GB" sz="1400" dirty="0">
+                <a:solidFill>
+                  <a:schemeClr val="tx1"/>
+                </a:solidFill>
+              </a:rPr>
+              <a:t>By getting different question we will match different documents that may be more relevant</a:t>
+            </a:r>
+          </a:p>
+        </p:txBody>
+      </p:sp>
+      <p:sp>
+        <p:nvSpPr>
+          <p:cNvPr id="22" name="Rectangle: Rounded Corners 21">
+            <a:extLst>
+              <a:ext uri="{FF2B5EF4-FFF2-40B4-BE49-F238E27FC236}">
+                <a16:creationId xmlns:a16="http://schemas.microsoft.com/office/drawing/2014/main" id="{FEB2FB37-2773-8449-6E4D-AED12A199A18}"/>
+              </a:ext>
+            </a:extLst>
+          </p:cNvPr>
+          <p:cNvSpPr/>
+          <p:nvPr/>
+        </p:nvSpPr>
+        <p:spPr>
+          <a:xfrm>
+            <a:off x="6265571" y="2394507"/>
+            <a:ext cx="5446138" cy="571500"/>
+          </a:xfrm>
+          <a:prstGeom prst="roundRect">
+            <a:avLst/>
+          </a:prstGeom>
+          <a:solidFill>
+            <a:schemeClr val="bg1">
+              <a:lumMod val="85000"/>
+            </a:schemeClr>
+          </a:solidFill>
+        </p:spPr>
+        <p:style>
+          <a:lnRef idx="2">
+            <a:schemeClr val="accent1">
+              <a:shade val="15000"/>
+            </a:schemeClr>
+          </a:lnRef>
+          <a:fillRef idx="1">
+            <a:schemeClr val="accent1"/>
+          </a:fillRef>
+          <a:effectRef idx="0">
+            <a:schemeClr val="accent1"/>
+          </a:effectRef>
+          <a:fontRef idx="minor">
+            <a:schemeClr val="lt1"/>
+          </a:fontRef>
+        </p:style>
+        <p:txBody>
+          <a:bodyPr rtlCol="0" anchor="ctr"/>
+          <a:lstStyle/>
+          <a:p>
+            <a:r>
+              <a:rPr lang="en-GB" sz="1400" dirty="0">
+                <a:solidFill>
+                  <a:schemeClr val="tx1"/>
+                </a:solidFill>
+              </a:rPr>
+              <a:t>We can use an LLM with prompt “You are an expert grader…”</a:t>
+            </a:r>
+          </a:p>
+        </p:txBody>
+      </p:sp>
+      <p:sp>
+        <p:nvSpPr>
+          <p:cNvPr id="23" name="Rectangle: Rounded Corners 22">
+            <a:extLst>
+              <a:ext uri="{FF2B5EF4-FFF2-40B4-BE49-F238E27FC236}">
+                <a16:creationId xmlns:a16="http://schemas.microsoft.com/office/drawing/2014/main" id="{360FFC4E-3CA3-791A-CD08-22663F5BE327}"/>
+              </a:ext>
+            </a:extLst>
+          </p:cNvPr>
+          <p:cNvSpPr/>
+          <p:nvPr/>
+        </p:nvSpPr>
+        <p:spPr>
+          <a:xfrm>
+            <a:off x="6295246" y="4007839"/>
+            <a:ext cx="5446138" cy="571500"/>
+          </a:xfrm>
+          <a:prstGeom prst="roundRect">
+            <a:avLst/>
+          </a:prstGeom>
+          <a:solidFill>
+            <a:schemeClr val="bg1">
+              <a:lumMod val="85000"/>
+            </a:schemeClr>
+          </a:solidFill>
+        </p:spPr>
+        <p:style>
+          <a:lnRef idx="2">
+            <a:schemeClr val="accent1">
+              <a:shade val="15000"/>
+            </a:schemeClr>
+          </a:lnRef>
+          <a:fillRef idx="1">
+            <a:schemeClr val="accent1"/>
+          </a:fillRef>
+          <a:effectRef idx="0">
+            <a:schemeClr val="accent1"/>
+          </a:effectRef>
+          <a:fontRef idx="minor">
+            <a:schemeClr val="lt1"/>
+          </a:fontRef>
+        </p:style>
+        <p:txBody>
+          <a:bodyPr rtlCol="0" anchor="ctr"/>
+          <a:lstStyle/>
+          <a:p>
+            <a:r>
+              <a:rPr lang="en-GB" sz="1400" dirty="0">
+                <a:solidFill>
+                  <a:schemeClr val="tx1"/>
+                </a:solidFill>
+              </a:rPr>
+              <a:t>We can use an LLM with prompt “You are very good at checking if the answer is faithful to question and contexts…</a:t>
+            </a:r>
+          </a:p>
+        </p:txBody>
+      </p:sp>
+      <p:sp>
+        <p:nvSpPr>
+          <p:cNvPr id="27" name="Rectangle: Single Corner Snipped 26">
+            <a:extLst>
+              <a:ext uri="{FF2B5EF4-FFF2-40B4-BE49-F238E27FC236}">
+                <a16:creationId xmlns:a16="http://schemas.microsoft.com/office/drawing/2014/main" id="{BF9AF67C-1136-A263-9A73-AB3C89D563E6}"/>
+              </a:ext>
+            </a:extLst>
+          </p:cNvPr>
+          <p:cNvSpPr/>
+          <p:nvPr/>
+        </p:nvSpPr>
+        <p:spPr>
+          <a:xfrm>
+            <a:off x="1274618" y="4579339"/>
+            <a:ext cx="2392472" cy="828294"/>
+          </a:xfrm>
+          <a:prstGeom prst="snip1Rect">
+            <a:avLst/>
+          </a:prstGeom>
+          <a:solidFill>
+            <a:schemeClr val="bg1">
+              <a:lumMod val="85000"/>
+            </a:schemeClr>
+          </a:solidFill>
+        </p:spPr>
+        <p:style>
+          <a:lnRef idx="2">
+            <a:schemeClr val="accent1">
+              <a:shade val="15000"/>
+            </a:schemeClr>
+          </a:lnRef>
+          <a:fillRef idx="1">
+            <a:schemeClr val="accent1"/>
+          </a:fillRef>
+          <a:effectRef idx="0">
+            <a:schemeClr val="accent1"/>
+          </a:effectRef>
+          <a:fontRef idx="minor">
+            <a:schemeClr val="lt1"/>
+          </a:fontRef>
+        </p:style>
+        <p:txBody>
+          <a:bodyPr rtlCol="0" anchor="ctr"/>
+          <a:lstStyle/>
+          <a:p>
+            <a:pPr algn="ctr"/>
+            <a:r>
+              <a:rPr lang="en-GB" sz="1800" dirty="0">
+                <a:solidFill>
+                  <a:schemeClr val="tx1"/>
+                </a:solidFill>
+              </a:rPr>
+              <a:t>USER GRADED </a:t>
+            </a:r>
+          </a:p>
+          <a:p>
+            <a:pPr algn="ctr"/>
+            <a:r>
+              <a:rPr lang="en-GB" sz="1800" dirty="0">
+                <a:solidFill>
+                  <a:schemeClr val="tx1"/>
+                </a:solidFill>
+              </a:rPr>
+              <a:t>AND RATES</a:t>
+            </a:r>
+          </a:p>
+          <a:p>
+            <a:pPr algn="ctr"/>
+            <a:endParaRPr lang="en-GB" dirty="0"/>
+          </a:p>
+        </p:txBody>
+      </p:sp>
+      <p:cxnSp>
+        <p:nvCxnSpPr>
+          <p:cNvPr id="28" name="Straight Arrow Connector 27">
+            <a:extLst>
+              <a:ext uri="{FF2B5EF4-FFF2-40B4-BE49-F238E27FC236}">
+                <a16:creationId xmlns:a16="http://schemas.microsoft.com/office/drawing/2014/main" id="{67C36A16-B7BF-9407-F864-6BEA95D070C3}"/>
+              </a:ext>
+            </a:extLst>
+          </p:cNvPr>
+          <p:cNvCxnSpPr>
+            <a:cxnSpLocks/>
+          </p:cNvCxnSpPr>
+          <p:nvPr/>
+        </p:nvCxnSpPr>
+        <p:spPr>
+          <a:xfrm flipH="1">
+            <a:off x="3323472" y="5135221"/>
+            <a:ext cx="687236" cy="0"/>
+          </a:xfrm>
+          <a:prstGeom prst="straightConnector1">
+            <a:avLst/>
+          </a:prstGeom>
+          <a:ln w="38100">
+            <a:solidFill>
+              <a:schemeClr val="accent6">
+                <a:lumMod val="75000"/>
+              </a:schemeClr>
+            </a:solidFill>
+            <a:tailEnd type="triangle"/>
+          </a:ln>
+        </p:spPr>
+        <p:style>
+          <a:lnRef idx="2">
+            <a:schemeClr val="accent1"/>
+          </a:lnRef>
+          <a:fillRef idx="0">
+            <a:schemeClr val="accent1"/>
+          </a:fillRef>
+          <a:effectRef idx="1">
+            <a:schemeClr val="accent1"/>
+          </a:effectRef>
+          <a:fontRef idx="minor">
+            <a:schemeClr val="tx1"/>
+          </a:fontRef>
+        </p:style>
+      </p:cxnSp>
+      <p:sp>
+        <p:nvSpPr>
+          <p:cNvPr id="30" name="Arrow: Up 29">
+            <a:extLst>
+              <a:ext uri="{FF2B5EF4-FFF2-40B4-BE49-F238E27FC236}">
+                <a16:creationId xmlns:a16="http://schemas.microsoft.com/office/drawing/2014/main" id="{B141FCCB-BDE0-8764-EECB-5F5392EF0547}"/>
+              </a:ext>
+            </a:extLst>
+          </p:cNvPr>
+          <p:cNvSpPr/>
+          <p:nvPr/>
+        </p:nvSpPr>
+        <p:spPr>
+          <a:xfrm>
+            <a:off x="2558149" y="3074339"/>
+            <a:ext cx="240146" cy="1505000"/>
+          </a:xfrm>
+          <a:prstGeom prst="upArrow">
+            <a:avLst/>
+          </a:prstGeom>
+          <a:solidFill>
+            <a:schemeClr val="tx2">
+              <a:lumMod val="50000"/>
+              <a:lumOff val="50000"/>
+            </a:schemeClr>
+          </a:solidFill>
+        </p:spPr>
+        <p:style>
+          <a:lnRef idx="2">
+            <a:schemeClr val="accent1">
+              <a:shade val="15000"/>
+            </a:schemeClr>
+          </a:lnRef>
+          <a:fillRef idx="1">
+            <a:schemeClr val="accent1"/>
+          </a:fillRef>
+          <a:effectRef idx="0">
+            <a:schemeClr val="accent1"/>
+          </a:effectRef>
+          <a:fontRef idx="minor">
+            <a:schemeClr val="lt1"/>
+          </a:fontRef>
+        </p:style>
+        <p:txBody>
+          <a:bodyPr rtlCol="0" anchor="ctr"/>
+          <a:lstStyle/>
+          <a:p>
+            <a:pPr algn="ctr"/>
+            <a:endParaRPr lang="en-GB"/>
+          </a:p>
+        </p:txBody>
+      </p:sp>
+      <p:cxnSp>
+        <p:nvCxnSpPr>
+          <p:cNvPr id="31" name="Straight Arrow Connector 30">
+            <a:extLst>
+              <a:ext uri="{FF2B5EF4-FFF2-40B4-BE49-F238E27FC236}">
+                <a16:creationId xmlns:a16="http://schemas.microsoft.com/office/drawing/2014/main" id="{2E4ED661-893D-C743-8400-5CB499CB390A}"/>
+              </a:ext>
+            </a:extLst>
+          </p:cNvPr>
+          <p:cNvCxnSpPr>
+            <a:cxnSpLocks/>
+          </p:cNvCxnSpPr>
+          <p:nvPr/>
+        </p:nvCxnSpPr>
+        <p:spPr>
+          <a:xfrm>
+            <a:off x="6087617" y="1083644"/>
+            <a:ext cx="632689" cy="0"/>
+          </a:xfrm>
+          <a:prstGeom prst="straightConnector1">
+            <a:avLst/>
+          </a:prstGeom>
+          <a:ln w="38100">
+            <a:solidFill>
+              <a:schemeClr val="accent6">
+                <a:lumMod val="75000"/>
+              </a:schemeClr>
+            </a:solidFill>
+            <a:tailEnd type="triangle"/>
+          </a:ln>
+        </p:spPr>
+        <p:style>
+          <a:lnRef idx="2">
+            <a:schemeClr val="accent1"/>
+          </a:lnRef>
+          <a:fillRef idx="0">
+            <a:schemeClr val="accent1"/>
+          </a:fillRef>
+          <a:effectRef idx="1">
+            <a:schemeClr val="accent1"/>
+          </a:effectRef>
+          <a:fontRef idx="minor">
+            <a:schemeClr val="tx1"/>
+          </a:fontRef>
+        </p:style>
+      </p:cxnSp>
+      <p:cxnSp>
+        <p:nvCxnSpPr>
+          <p:cNvPr id="34" name="Straight Arrow Connector 33">
+            <a:extLst>
+              <a:ext uri="{FF2B5EF4-FFF2-40B4-BE49-F238E27FC236}">
+                <a16:creationId xmlns:a16="http://schemas.microsoft.com/office/drawing/2014/main" id="{F3531B27-C0F4-5513-CB62-535431BD87BE}"/>
+              </a:ext>
+            </a:extLst>
+          </p:cNvPr>
+          <p:cNvCxnSpPr>
+            <a:cxnSpLocks/>
+          </p:cNvCxnSpPr>
+          <p:nvPr/>
+        </p:nvCxnSpPr>
+        <p:spPr>
+          <a:xfrm flipV="1">
+            <a:off x="3094182" y="1450367"/>
+            <a:ext cx="736580" cy="704110"/>
+          </a:xfrm>
+          <a:prstGeom prst="straightConnector1">
+            <a:avLst/>
+          </a:prstGeom>
+          <a:ln w="38100">
+            <a:solidFill>
+              <a:schemeClr val="accent6">
+                <a:lumMod val="75000"/>
+              </a:schemeClr>
+            </a:solidFill>
+            <a:tailEnd type="triangle"/>
+          </a:ln>
+        </p:spPr>
+        <p:style>
+          <a:lnRef idx="2">
+            <a:schemeClr val="accent1"/>
+          </a:lnRef>
+          <a:fillRef idx="0">
+            <a:schemeClr val="accent1"/>
+          </a:fillRef>
+          <a:effectRef idx="1">
+            <a:schemeClr val="accent1"/>
+          </a:effectRef>
+          <a:fontRef idx="minor">
+            <a:schemeClr val="tx1"/>
+          </a:fontRef>
+        </p:style>
+      </p:cxnSp>
+      <p:sp>
+        <p:nvSpPr>
+          <p:cNvPr id="37" name="Rectangle: Rounded Corners 36">
+            <a:extLst>
+              <a:ext uri="{FF2B5EF4-FFF2-40B4-BE49-F238E27FC236}">
+                <a16:creationId xmlns:a16="http://schemas.microsoft.com/office/drawing/2014/main" id="{88710BF1-A34F-EB0E-9B9F-653A9AAE91D6}"/>
+              </a:ext>
+            </a:extLst>
+          </p:cNvPr>
+          <p:cNvSpPr/>
+          <p:nvPr/>
+        </p:nvSpPr>
+        <p:spPr>
+          <a:xfrm>
+            <a:off x="185392" y="1771829"/>
+            <a:ext cx="1529870" cy="1675428"/>
+          </a:xfrm>
+          <a:prstGeom prst="roundRect">
+            <a:avLst/>
+          </a:prstGeom>
+          <a:solidFill>
+            <a:schemeClr val="bg1">
+              <a:lumMod val="85000"/>
+            </a:schemeClr>
+          </a:solidFill>
+        </p:spPr>
+        <p:style>
+          <a:lnRef idx="2">
+            <a:schemeClr val="accent1">
+              <a:shade val="15000"/>
+            </a:schemeClr>
+          </a:lnRef>
+          <a:fillRef idx="1">
+            <a:schemeClr val="accent1"/>
+          </a:fillRef>
+          <a:effectRef idx="0">
+            <a:schemeClr val="accent1"/>
+          </a:effectRef>
+          <a:fontRef idx="minor">
+            <a:schemeClr val="lt1"/>
+          </a:fontRef>
+        </p:style>
+        <p:txBody>
+          <a:bodyPr rtlCol="0" anchor="ctr"/>
+          <a:lstStyle/>
+          <a:p>
+            <a:r>
+              <a:rPr lang="en-GB" sz="1400" dirty="0">
+                <a:solidFill>
+                  <a:schemeClr val="tx1"/>
+                </a:solidFill>
+              </a:rPr>
+              <a:t>The user can opt for cache only or cache and new query…</a:t>
+            </a:r>
+          </a:p>
+        </p:txBody>
+      </p:sp>
+      <p:sp>
+        <p:nvSpPr>
+          <p:cNvPr id="38" name="Rectangle: Rounded Corners 37">
+            <a:extLst>
+              <a:ext uri="{FF2B5EF4-FFF2-40B4-BE49-F238E27FC236}">
+                <a16:creationId xmlns:a16="http://schemas.microsoft.com/office/drawing/2014/main" id="{1AE4DA8C-C1BE-A23E-EBA6-D80316706246}"/>
+              </a:ext>
+            </a:extLst>
+          </p:cNvPr>
+          <p:cNvSpPr/>
+          <p:nvPr/>
+        </p:nvSpPr>
+        <p:spPr>
+          <a:xfrm>
+            <a:off x="282853" y="5798588"/>
+            <a:ext cx="11428855" cy="828289"/>
+          </a:xfrm>
+          <a:prstGeom prst="roundRect">
+            <a:avLst/>
+          </a:prstGeom>
+          <a:solidFill>
+            <a:schemeClr val="bg1">
+              <a:lumMod val="85000"/>
+            </a:schemeClr>
+          </a:solidFill>
+        </p:spPr>
+        <p:style>
+          <a:lnRef idx="2">
+            <a:schemeClr val="accent1">
+              <a:shade val="15000"/>
+            </a:schemeClr>
+          </a:lnRef>
+          <a:fillRef idx="1">
+            <a:schemeClr val="accent1"/>
+          </a:fillRef>
+          <a:effectRef idx="0">
+            <a:schemeClr val="accent1"/>
+          </a:effectRef>
+          <a:fontRef idx="minor">
+            <a:schemeClr val="lt1"/>
+          </a:fontRef>
+        </p:style>
+        <p:txBody>
+          <a:bodyPr rtlCol="0" anchor="ctr"/>
+          <a:lstStyle/>
+          <a:p>
+            <a:r>
+              <a:rPr lang="en-GB" sz="1400" dirty="0">
+                <a:solidFill>
+                  <a:schemeClr val="tx1"/>
+                </a:solidFill>
+              </a:rPr>
+              <a:t>The pipeline is modular so each we can add/delete/edit modules as we see best. Each ‘strategy’ will have a CODE so that we can record this along with user rating. Other users can also add their rating and notes, giving rise to a collective consensus about the KB. This is a dataset in its own right that we can use for our own fine tuning of the LLM.</a:t>
+            </a:r>
           </a:p>
         </p:txBody>
       </p:sp>

--- a/docs/images/rag.pptx
+++ b/docs/images/rag.pptx
@@ -5,8 +5,7 @@
     <p:sldMasterId id="2147483648" r:id="rId1"/>
   </p:sldMasterIdLst>
   <p:sldIdLst>
-    <p:sldId id="256" r:id="rId2"/>
-    <p:sldId id="257" r:id="rId3"/>
+    <p:sldId id="257" r:id="rId2"/>
   </p:sldIdLst>
   <p:sldSz cx="12192000" cy="6858000"/>
   <p:notesSz cx="6858000" cy="9144000"/>
@@ -262,7 +261,7 @@
           <a:p>
             <a:fld id="{08D827C3-7CC9-4DFF-841F-1C6E70298E42}" type="datetimeFigureOut">
               <a:rPr lang="en-GB" smtClean="0"/>
-              <a:t>21/11/2024</a:t>
+              <a:t>02/12/2024</a:t>
             </a:fld>
             <a:endParaRPr lang="en-GB"/>
           </a:p>
@@ -462,7 +461,7 @@
           <a:p>
             <a:fld id="{08D827C3-7CC9-4DFF-841F-1C6E70298E42}" type="datetimeFigureOut">
               <a:rPr lang="en-GB" smtClean="0"/>
-              <a:t>21/11/2024</a:t>
+              <a:t>02/12/2024</a:t>
             </a:fld>
             <a:endParaRPr lang="en-GB"/>
           </a:p>
@@ -672,7 +671,7 @@
           <a:p>
             <a:fld id="{08D827C3-7CC9-4DFF-841F-1C6E70298E42}" type="datetimeFigureOut">
               <a:rPr lang="en-GB" smtClean="0"/>
-              <a:t>21/11/2024</a:t>
+              <a:t>02/12/2024</a:t>
             </a:fld>
             <a:endParaRPr lang="en-GB"/>
           </a:p>
@@ -872,7 +871,7 @@
           <a:p>
             <a:fld id="{08D827C3-7CC9-4DFF-841F-1C6E70298E42}" type="datetimeFigureOut">
               <a:rPr lang="en-GB" smtClean="0"/>
-              <a:t>21/11/2024</a:t>
+              <a:t>02/12/2024</a:t>
             </a:fld>
             <a:endParaRPr lang="en-GB"/>
           </a:p>
@@ -1148,7 +1147,7 @@
           <a:p>
             <a:fld id="{08D827C3-7CC9-4DFF-841F-1C6E70298E42}" type="datetimeFigureOut">
               <a:rPr lang="en-GB" smtClean="0"/>
-              <a:t>21/11/2024</a:t>
+              <a:t>02/12/2024</a:t>
             </a:fld>
             <a:endParaRPr lang="en-GB"/>
           </a:p>
@@ -1416,7 +1415,7 @@
           <a:p>
             <a:fld id="{08D827C3-7CC9-4DFF-841F-1C6E70298E42}" type="datetimeFigureOut">
               <a:rPr lang="en-GB" smtClean="0"/>
-              <a:t>21/11/2024</a:t>
+              <a:t>02/12/2024</a:t>
             </a:fld>
             <a:endParaRPr lang="en-GB"/>
           </a:p>
@@ -1831,7 +1830,7 @@
           <a:p>
             <a:fld id="{08D827C3-7CC9-4DFF-841F-1C6E70298E42}" type="datetimeFigureOut">
               <a:rPr lang="en-GB" smtClean="0"/>
-              <a:t>21/11/2024</a:t>
+              <a:t>02/12/2024</a:t>
             </a:fld>
             <a:endParaRPr lang="en-GB"/>
           </a:p>
@@ -1973,7 +1972,7 @@
           <a:p>
             <a:fld id="{08D827C3-7CC9-4DFF-841F-1C6E70298E42}" type="datetimeFigureOut">
               <a:rPr lang="en-GB" smtClean="0"/>
-              <a:t>21/11/2024</a:t>
+              <a:t>02/12/2024</a:t>
             </a:fld>
             <a:endParaRPr lang="en-GB"/>
           </a:p>
@@ -2086,7 +2085,7 @@
           <a:p>
             <a:fld id="{08D827C3-7CC9-4DFF-841F-1C6E70298E42}" type="datetimeFigureOut">
               <a:rPr lang="en-GB" smtClean="0"/>
-              <a:t>21/11/2024</a:t>
+              <a:t>02/12/2024</a:t>
             </a:fld>
             <a:endParaRPr lang="en-GB"/>
           </a:p>
@@ -2399,7 +2398,7 @@
           <a:p>
             <a:fld id="{08D827C3-7CC9-4DFF-841F-1C6E70298E42}" type="datetimeFigureOut">
               <a:rPr lang="en-GB" smtClean="0"/>
-              <a:t>21/11/2024</a:t>
+              <a:t>02/12/2024</a:t>
             </a:fld>
             <a:endParaRPr lang="en-GB"/>
           </a:p>
@@ -2688,7 +2687,7 @@
           <a:p>
             <a:fld id="{08D827C3-7CC9-4DFF-841F-1C6E70298E42}" type="datetimeFigureOut">
               <a:rPr lang="en-GB" smtClean="0"/>
-              <a:t>21/11/2024</a:t>
+              <a:t>02/12/2024</a:t>
             </a:fld>
             <a:endParaRPr lang="en-GB"/>
           </a:p>
@@ -2931,7 +2930,7 @@
           <a:p>
             <a:fld id="{08D827C3-7CC9-4DFF-841F-1C6E70298E42}" type="datetimeFigureOut">
               <a:rPr lang="en-GB" smtClean="0"/>
-              <a:t>21/11/2024</a:t>
+              <a:t>02/12/2024</a:t>
             </a:fld>
             <a:endParaRPr lang="en-GB"/>
           </a:p>
@@ -3350,86 +3349,6 @@
       </p:grpSpPr>
       <p:sp>
         <p:nvSpPr>
-          <p:cNvPr id="2" name="Title 1">
-            <a:extLst>
-              <a:ext uri="{FF2B5EF4-FFF2-40B4-BE49-F238E27FC236}">
-                <a16:creationId xmlns:a16="http://schemas.microsoft.com/office/drawing/2014/main" id="{B21A82A6-41D8-69E1-3BCE-2505F68A7E4A}"/>
-              </a:ext>
-            </a:extLst>
-          </p:cNvPr>
-          <p:cNvSpPr>
-            <a:spLocks noGrp="1"/>
-          </p:cNvSpPr>
-          <p:nvPr>
-            <p:ph type="ctrTitle"/>
-          </p:nvPr>
-        </p:nvSpPr>
-        <p:spPr/>
-        <p:txBody>
-          <a:bodyPr/>
-          <a:lstStyle/>
-          <a:p>
-            <a:endParaRPr lang="en-GB"/>
-          </a:p>
-        </p:txBody>
-      </p:sp>
-      <p:sp>
-        <p:nvSpPr>
-          <p:cNvPr id="3" name="Subtitle 2">
-            <a:extLst>
-              <a:ext uri="{FF2B5EF4-FFF2-40B4-BE49-F238E27FC236}">
-                <a16:creationId xmlns:a16="http://schemas.microsoft.com/office/drawing/2014/main" id="{11A876FF-E45E-5F81-A07E-0AC5F8C5AF22}"/>
-              </a:ext>
-            </a:extLst>
-          </p:cNvPr>
-          <p:cNvSpPr>
-            <a:spLocks noGrp="1"/>
-          </p:cNvSpPr>
-          <p:nvPr>
-            <p:ph type="subTitle" idx="1"/>
-          </p:nvPr>
-        </p:nvSpPr>
-        <p:spPr/>
-        <p:txBody>
-          <a:bodyPr/>
-          <a:lstStyle/>
-          <a:p>
-            <a:endParaRPr lang="en-GB"/>
-          </a:p>
-        </p:txBody>
-      </p:sp>
-    </p:spTree>
-    <p:extLst>
-      <p:ext uri="{BB962C8B-B14F-4D97-AF65-F5344CB8AC3E}">
-        <p14:creationId xmlns:p14="http://schemas.microsoft.com/office/powerpoint/2010/main" val="4034156708"/>
-      </p:ext>
-    </p:extLst>
-  </p:cSld>
-  <p:clrMapOvr>
-    <a:masterClrMapping/>
-  </p:clrMapOvr>
-</p:sld>
-</file>
-
-<file path=ppt/slides/slide2.xml><?xml version="1.0" encoding="utf-8"?>
-<p:sld xmlns:a="http://schemas.openxmlformats.org/drawingml/2006/main" xmlns:r="http://schemas.openxmlformats.org/officeDocument/2006/relationships" xmlns:p="http://schemas.openxmlformats.org/presentationml/2006/main">
-  <p:cSld>
-    <p:spTree>
-      <p:nvGrpSpPr>
-        <p:cNvPr id="1" name=""/>
-        <p:cNvGrpSpPr/>
-        <p:nvPr/>
-      </p:nvGrpSpPr>
-      <p:grpSpPr>
-        <a:xfrm>
-          <a:off x="0" y="0"/>
-          <a:ext cx="0" cy="0"/>
-          <a:chOff x="0" y="0"/>
-          <a:chExt cx="0" cy="0"/>
-        </a:xfrm>
-      </p:grpSpPr>
-      <p:sp>
-        <p:nvSpPr>
           <p:cNvPr id="2" name="Flowchart: Process 1">
             <a:extLst>
               <a:ext uri="{FF2B5EF4-FFF2-40B4-BE49-F238E27FC236}">
@@ -3500,7 +3419,7 @@
         </p:nvSpPr>
         <p:spPr>
           <a:xfrm>
-            <a:off x="1992630" y="526923"/>
+            <a:off x="1937098" y="534923"/>
             <a:ext cx="1472184" cy="1042416"/>
           </a:xfrm>
           <a:prstGeom prst="flowChartDecision">
@@ -3621,7 +3540,7 @@
                   <a:schemeClr val="tx1"/>
                 </a:solidFill>
               </a:rPr>
-              <a:t>GRADE &amp; SELECT</a:t>
+              <a:t>GRADE, RERANK &amp; FILTER</a:t>
             </a:r>
           </a:p>
         </p:txBody>
@@ -4038,7 +3957,18 @@
                   <a:schemeClr val="tx1"/>
                 </a:solidFill>
               </a:rPr>
-              <a:t>Can you rephrase question x 5</a:t>
+              <a:t>Can you rephrase question</a:t>
+            </a:r>
+          </a:p>
+          <a:p>
+            <a:pPr algn="ctr"/>
+            <a:r>
+              <a:rPr lang="en-GB" sz="1200" b="1" dirty="0">
+                <a:solidFill>
+                  <a:schemeClr val="tx1"/>
+                </a:solidFill>
+              </a:rPr>
+              <a:t> x 5</a:t>
             </a:r>
           </a:p>
         </p:txBody>
@@ -4059,16 +3989,17 @@
         </p:nvCxnSpPr>
         <p:spPr>
           <a:xfrm>
-            <a:off x="3005923" y="3123272"/>
-            <a:ext cx="833222" cy="1712861"/>
+            <a:off x="2998793" y="3082339"/>
+            <a:ext cx="840352" cy="1753794"/>
           </a:xfrm>
           <a:prstGeom prst="straightConnector1">
             <a:avLst/>
           </a:prstGeom>
           <a:ln w="38100">
             <a:solidFill>
-              <a:schemeClr val="accent6">
-                <a:lumMod val="75000"/>
+              <a:schemeClr val="accent5">
+                <a:lumMod val="60000"/>
+                <a:lumOff val="40000"/>
               </a:schemeClr>
             </a:solidFill>
             <a:tailEnd type="triangle"/>
@@ -4151,8 +4082,8 @@
         </p:nvSpPr>
         <p:spPr>
           <a:xfrm>
-            <a:off x="9018315" y="582459"/>
-            <a:ext cx="2693394" cy="947345"/>
+            <a:off x="8746836" y="582459"/>
+            <a:ext cx="2964873" cy="947345"/>
           </a:xfrm>
           <a:prstGeom prst="roundRect">
             <a:avLst/>
@@ -4267,7 +4198,7 @@
         <p:spPr>
           <a:xfrm>
             <a:off x="6295246" y="4007839"/>
-            <a:ext cx="5446138" cy="571500"/>
+            <a:ext cx="5446138" cy="828288"/>
           </a:xfrm>
           <a:prstGeom prst="roundRect">
             <a:avLst/>
@@ -4304,7 +4235,7 @@
                   <a:schemeClr val="tx1"/>
                 </a:solidFill>
               </a:rPr>
-              <a:t>We can use an LLM with prompt “You are very good at checking if the answer is faithful to question and contexts…</a:t>
+              <a:t>We can use an LLM with prompt “You are very good at checking if the answer is faithful to question and contexts…We check final response and if OK give to user otherwise go though loop again</a:t>
             </a:r>
           </a:p>
         </p:txBody>
@@ -4324,7 +4255,7 @@
         <p:spPr>
           <a:xfrm>
             <a:off x="1274618" y="4579339"/>
-            <a:ext cx="2392472" cy="828294"/>
+            <a:ext cx="2392472" cy="1154048"/>
           </a:xfrm>
           <a:prstGeom prst="snip1Rect">
             <a:avLst/>
@@ -4362,19 +4293,24 @@
                   <a:schemeClr val="tx1"/>
                 </a:solidFill>
               </a:rPr>
-              <a:t>USER GRADED </a:t>
+              <a:t>USER GRADES AND RATES</a:t>
             </a:r>
           </a:p>
           <a:p>
             <a:pPr algn="ctr"/>
             <a:r>
-              <a:rPr lang="en-GB" sz="1800" dirty="0">
+              <a:rPr lang="en-GB" dirty="0">
                 <a:solidFill>
                   <a:schemeClr val="tx1"/>
                 </a:solidFill>
               </a:rPr>
-              <a:t>AND RATES</a:t>
-            </a:r>
+              <a:t>“Crowd Sourcing”</a:t>
+            </a:r>
+            <a:endParaRPr lang="en-GB" sz="1800" dirty="0">
+              <a:solidFill>
+                <a:schemeClr val="tx1"/>
+              </a:solidFill>
+            </a:endParaRPr>
           </a:p>
           <a:p>
             <a:pPr algn="ctr"/>
@@ -4542,16 +4478,17 @@
         </p:nvCxnSpPr>
         <p:spPr>
           <a:xfrm flipV="1">
-            <a:off x="3094182" y="1450367"/>
-            <a:ext cx="736580" cy="704110"/>
+            <a:off x="3165612" y="1298690"/>
+            <a:ext cx="665150" cy="886395"/>
           </a:xfrm>
           <a:prstGeom prst="straightConnector1">
             <a:avLst/>
           </a:prstGeom>
           <a:ln w="38100">
             <a:solidFill>
-              <a:schemeClr val="accent6">
-                <a:lumMod val="75000"/>
+              <a:schemeClr val="accent5">
+                <a:lumMod val="60000"/>
+                <a:lumOff val="40000"/>
               </a:schemeClr>
             </a:solidFill>
             <a:tailEnd type="triangle"/>
@@ -4624,7 +4561,53 @@
                   <a:schemeClr val="tx1"/>
                 </a:solidFill>
               </a:rPr>
-              <a:t>The user can opt for cache only or cache and new query…</a:t>
+              <a:t>The user can opt for </a:t>
+            </a:r>
+          </a:p>
+          <a:p>
+            <a:r>
+              <a:rPr lang="en-GB" sz="1400" b="1" dirty="0">
+                <a:solidFill>
+                  <a:schemeClr val="tx1"/>
+                </a:solidFill>
+              </a:rPr>
+              <a:t>cache only</a:t>
+            </a:r>
+            <a:r>
+              <a:rPr lang="en-GB" sz="1400" dirty="0">
+                <a:solidFill>
+                  <a:schemeClr val="tx1"/>
+                </a:solidFill>
+              </a:rPr>
+              <a:t> </a:t>
+            </a:r>
+          </a:p>
+          <a:p>
+            <a:r>
+              <a:rPr lang="en-GB" sz="1400" dirty="0">
+                <a:solidFill>
+                  <a:schemeClr val="tx1"/>
+                </a:solidFill>
+              </a:rPr>
+              <a:t>or </a:t>
+            </a:r>
+          </a:p>
+          <a:p>
+            <a:r>
+              <a:rPr lang="en-GB" sz="1400" b="1" dirty="0">
+                <a:solidFill>
+                  <a:schemeClr val="tx1"/>
+                </a:solidFill>
+              </a:rPr>
+              <a:t>cache and new query</a:t>
+            </a:r>
+            <a:r>
+              <a:rPr lang="en-GB" sz="1400" dirty="0">
+                <a:solidFill>
+                  <a:schemeClr val="tx1"/>
+                </a:solidFill>
+              </a:rPr>
+              <a:t>…</a:t>
             </a:r>
           </a:p>
         </p:txBody>
@@ -4682,6 +4665,111 @@
                 </a:solidFill>
               </a:rPr>
               <a:t>The pipeline is modular so each we can add/delete/edit modules as we see best. Each ‘strategy’ will have a CODE so that we can record this along with user rating. Other users can also add their rating and notes, giving rise to a collective consensus about the KB. This is a dataset in its own right that we can use for our own fine tuning of the LLM.</a:t>
+            </a:r>
+          </a:p>
+        </p:txBody>
+      </p:sp>
+      <p:cxnSp>
+        <p:nvCxnSpPr>
+          <p:cNvPr id="11" name="Straight Arrow Connector 10">
+            <a:extLst>
+              <a:ext uri="{FF2B5EF4-FFF2-40B4-BE49-F238E27FC236}">
+                <a16:creationId xmlns:a16="http://schemas.microsoft.com/office/drawing/2014/main" id="{31099EAE-AC26-03B0-945C-43061703D20A}"/>
+              </a:ext>
+            </a:extLst>
+          </p:cNvPr>
+          <p:cNvCxnSpPr>
+            <a:cxnSpLocks/>
+            <a:stCxn id="3" idx="2"/>
+            <a:endCxn id="12" idx="0"/>
+          </p:cNvCxnSpPr>
+          <p:nvPr/>
+        </p:nvCxnSpPr>
+        <p:spPr>
+          <a:xfrm>
+            <a:off x="2673190" y="1577339"/>
+            <a:ext cx="5032" cy="904164"/>
+          </a:xfrm>
+          <a:prstGeom prst="straightConnector1">
+            <a:avLst/>
+          </a:prstGeom>
+          <a:ln w="38100">
+            <a:solidFill>
+              <a:schemeClr val="accent6">
+                <a:lumMod val="75000"/>
+              </a:schemeClr>
+            </a:solidFill>
+            <a:tailEnd type="triangle"/>
+          </a:ln>
+        </p:spPr>
+        <p:style>
+          <a:lnRef idx="2">
+            <a:schemeClr val="accent1"/>
+          </a:lnRef>
+          <a:fillRef idx="0">
+            <a:schemeClr val="accent1"/>
+          </a:fillRef>
+          <a:effectRef idx="1">
+            <a:schemeClr val="accent1"/>
+          </a:effectRef>
+          <a:fontRef idx="minor">
+            <a:schemeClr val="tx1"/>
+          </a:fontRef>
+        </p:style>
+      </p:cxnSp>
+      <p:sp>
+        <p:nvSpPr>
+          <p:cNvPr id="26" name="Rectangle: Rounded Corners 25">
+            <a:extLst>
+              <a:ext uri="{FF2B5EF4-FFF2-40B4-BE49-F238E27FC236}">
+                <a16:creationId xmlns:a16="http://schemas.microsoft.com/office/drawing/2014/main" id="{1E4EE883-CD03-66EE-024E-F12F13D7802A}"/>
+              </a:ext>
+            </a:extLst>
+          </p:cNvPr>
+          <p:cNvSpPr/>
+          <p:nvPr/>
+        </p:nvSpPr>
+        <p:spPr>
+          <a:xfrm>
+            <a:off x="6265571" y="3201173"/>
+            <a:ext cx="5446138" cy="571500"/>
+          </a:xfrm>
+          <a:prstGeom prst="roundRect">
+            <a:avLst/>
+          </a:prstGeom>
+          <a:solidFill>
+            <a:schemeClr val="bg1">
+              <a:lumMod val="85000"/>
+            </a:schemeClr>
+          </a:solidFill>
+        </p:spPr>
+        <p:style>
+          <a:lnRef idx="2">
+            <a:schemeClr val="accent1">
+              <a:shade val="15000"/>
+            </a:schemeClr>
+          </a:lnRef>
+          <a:fillRef idx="1">
+            <a:schemeClr val="accent1"/>
+          </a:fillRef>
+          <a:effectRef idx="0">
+            <a:schemeClr val="accent1"/>
+          </a:effectRef>
+          <a:fontRef idx="minor">
+            <a:schemeClr val="lt1"/>
+          </a:fontRef>
+        </p:style>
+        <p:txBody>
+          <a:bodyPr rtlCol="0" anchor="ctr"/>
+          <a:lstStyle/>
+          <a:p>
+            <a:r>
+              <a:rPr lang="en-GB" sz="1400" dirty="0">
+                <a:solidFill>
+                  <a:schemeClr val="tx1"/>
+                </a:solidFill>
+              </a:rPr>
+              <a:t>Use LLM to generate a formal response.</a:t>
             </a:r>
           </a:p>
         </p:txBody>

--- a/docs/images/rag.pptx
+++ b/docs/images/rag.pptx
@@ -6,6 +6,8 @@
   </p:sldMasterIdLst>
   <p:sldIdLst>
     <p:sldId id="257" r:id="rId2"/>
+    <p:sldId id="259" r:id="rId3"/>
+    <p:sldId id="260" r:id="rId4"/>
   </p:sldIdLst>
   <p:sldSz cx="12192000" cy="6858000"/>
   <p:notesSz cx="6858000" cy="9144000"/>
@@ -261,7 +263,7 @@
           <a:p>
             <a:fld id="{08D827C3-7CC9-4DFF-841F-1C6E70298E42}" type="datetimeFigureOut">
               <a:rPr lang="en-GB" smtClean="0"/>
-              <a:t>02/12/2024</a:t>
+              <a:t>03/12/2024</a:t>
             </a:fld>
             <a:endParaRPr lang="en-GB"/>
           </a:p>
@@ -461,7 +463,7 @@
           <a:p>
             <a:fld id="{08D827C3-7CC9-4DFF-841F-1C6E70298E42}" type="datetimeFigureOut">
               <a:rPr lang="en-GB" smtClean="0"/>
-              <a:t>02/12/2024</a:t>
+              <a:t>03/12/2024</a:t>
             </a:fld>
             <a:endParaRPr lang="en-GB"/>
           </a:p>
@@ -671,7 +673,7 @@
           <a:p>
             <a:fld id="{08D827C3-7CC9-4DFF-841F-1C6E70298E42}" type="datetimeFigureOut">
               <a:rPr lang="en-GB" smtClean="0"/>
-              <a:t>02/12/2024</a:t>
+              <a:t>03/12/2024</a:t>
             </a:fld>
             <a:endParaRPr lang="en-GB"/>
           </a:p>
@@ -871,7 +873,7 @@
           <a:p>
             <a:fld id="{08D827C3-7CC9-4DFF-841F-1C6E70298E42}" type="datetimeFigureOut">
               <a:rPr lang="en-GB" smtClean="0"/>
-              <a:t>02/12/2024</a:t>
+              <a:t>03/12/2024</a:t>
             </a:fld>
             <a:endParaRPr lang="en-GB"/>
           </a:p>
@@ -1147,7 +1149,7 @@
           <a:p>
             <a:fld id="{08D827C3-7CC9-4DFF-841F-1C6E70298E42}" type="datetimeFigureOut">
               <a:rPr lang="en-GB" smtClean="0"/>
-              <a:t>02/12/2024</a:t>
+              <a:t>03/12/2024</a:t>
             </a:fld>
             <a:endParaRPr lang="en-GB"/>
           </a:p>
@@ -1415,7 +1417,7 @@
           <a:p>
             <a:fld id="{08D827C3-7CC9-4DFF-841F-1C6E70298E42}" type="datetimeFigureOut">
               <a:rPr lang="en-GB" smtClean="0"/>
-              <a:t>02/12/2024</a:t>
+              <a:t>03/12/2024</a:t>
             </a:fld>
             <a:endParaRPr lang="en-GB"/>
           </a:p>
@@ -1830,7 +1832,7 @@
           <a:p>
             <a:fld id="{08D827C3-7CC9-4DFF-841F-1C6E70298E42}" type="datetimeFigureOut">
               <a:rPr lang="en-GB" smtClean="0"/>
-              <a:t>02/12/2024</a:t>
+              <a:t>03/12/2024</a:t>
             </a:fld>
             <a:endParaRPr lang="en-GB"/>
           </a:p>
@@ -1972,7 +1974,7 @@
           <a:p>
             <a:fld id="{08D827C3-7CC9-4DFF-841F-1C6E70298E42}" type="datetimeFigureOut">
               <a:rPr lang="en-GB" smtClean="0"/>
-              <a:t>02/12/2024</a:t>
+              <a:t>03/12/2024</a:t>
             </a:fld>
             <a:endParaRPr lang="en-GB"/>
           </a:p>
@@ -2085,7 +2087,7 @@
           <a:p>
             <a:fld id="{08D827C3-7CC9-4DFF-841F-1C6E70298E42}" type="datetimeFigureOut">
               <a:rPr lang="en-GB" smtClean="0"/>
-              <a:t>02/12/2024</a:t>
+              <a:t>03/12/2024</a:t>
             </a:fld>
             <a:endParaRPr lang="en-GB"/>
           </a:p>
@@ -2398,7 +2400,7 @@
           <a:p>
             <a:fld id="{08D827C3-7CC9-4DFF-841F-1C6E70298E42}" type="datetimeFigureOut">
               <a:rPr lang="en-GB" smtClean="0"/>
-              <a:t>02/12/2024</a:t>
+              <a:t>03/12/2024</a:t>
             </a:fld>
             <a:endParaRPr lang="en-GB"/>
           </a:p>
@@ -2687,7 +2689,7 @@
           <a:p>
             <a:fld id="{08D827C3-7CC9-4DFF-841F-1C6E70298E42}" type="datetimeFigureOut">
               <a:rPr lang="en-GB" smtClean="0"/>
-              <a:t>02/12/2024</a:t>
+              <a:t>03/12/2024</a:t>
             </a:fld>
             <a:endParaRPr lang="en-GB"/>
           </a:p>
@@ -2930,7 +2932,7 @@
           <a:p>
             <a:fld id="{08D827C3-7CC9-4DFF-841F-1C6E70298E42}" type="datetimeFigureOut">
               <a:rPr lang="en-GB" smtClean="0"/>
-              <a:t>02/12/2024</a:t>
+              <a:t>03/12/2024</a:t>
             </a:fld>
             <a:endParaRPr lang="en-GB"/>
           </a:p>
@@ -3399,6 +3401,7 @@
                 <a:solidFill>
                   <a:schemeClr val="tx1"/>
                 </a:solidFill>
+                <a:latin typeface="Avenir Next LT Pro" panose="020B0504020202020204" pitchFamily="34" charset="0"/>
               </a:rPr>
               <a:t>QUERY</a:t>
             </a:r>
@@ -3457,6 +3460,7 @@
                 <a:solidFill>
                   <a:schemeClr val="tx1"/>
                 </a:solidFill>
+                <a:latin typeface="Avenir Next LT Pro" panose="020B0504020202020204" pitchFamily="34" charset="0"/>
               </a:rPr>
               <a:t>IN</a:t>
             </a:r>
@@ -3465,6 +3469,7 @@
                 <a:solidFill>
                   <a:schemeClr val="tx1"/>
                 </a:solidFill>
+                <a:latin typeface="Avenir Next LT Pro" panose="020B0504020202020204" pitchFamily="34" charset="0"/>
               </a:rPr>
               <a:t> </a:t>
             </a:r>
@@ -3473,6 +3478,7 @@
                 <a:solidFill>
                   <a:schemeClr val="tx1"/>
                 </a:solidFill>
+                <a:latin typeface="Avenir Next LT Pro" panose="020B0504020202020204" pitchFamily="34" charset="0"/>
               </a:rPr>
               <a:t>DB</a:t>
             </a:r>
@@ -3481,6 +3487,7 @@
                 <a:solidFill>
                   <a:schemeClr val="tx1"/>
                 </a:solidFill>
+                <a:latin typeface="Avenir Next LT Pro" panose="020B0504020202020204" pitchFamily="34" charset="0"/>
               </a:rPr>
               <a:t>?</a:t>
             </a:r>
@@ -3539,6 +3546,7 @@
                 <a:solidFill>
                   <a:schemeClr val="tx1"/>
                 </a:solidFill>
+                <a:latin typeface="Avenir Next LT Pro" panose="020B0504020202020204" pitchFamily="34" charset="0"/>
               </a:rPr>
               <a:t>GRADE, RERANK &amp; FILTER</a:t>
             </a:r>
@@ -3597,6 +3605,7 @@
                 <a:solidFill>
                   <a:schemeClr val="tx1"/>
                 </a:solidFill>
+                <a:latin typeface="Avenir Next LT Pro" panose="020B0504020202020204" pitchFamily="34" charset="0"/>
               </a:rPr>
               <a:t>REPROCESS QUERY</a:t>
             </a:r>
@@ -3655,6 +3664,7 @@
                 <a:solidFill>
                   <a:schemeClr val="tx1"/>
                 </a:solidFill>
+                <a:latin typeface="Avenir Next LT Pro" panose="020B0504020202020204" pitchFamily="34" charset="0"/>
               </a:rPr>
               <a:t>RETREIVE</a:t>
             </a:r>
@@ -3713,6 +3723,7 @@
                 <a:solidFill>
                   <a:schemeClr val="tx1"/>
                 </a:solidFill>
+                <a:latin typeface="Avenir Next LT Pro" panose="020B0504020202020204" pitchFamily="34" charset="0"/>
               </a:rPr>
               <a:t>CHECK FOR</a:t>
             </a:r>
@@ -3724,6 +3735,7 @@
                 <a:solidFill>
                   <a:schemeClr val="tx1"/>
                 </a:solidFill>
+                <a:latin typeface="Avenir Next LT Pro" panose="020B0504020202020204" pitchFamily="34" charset="0"/>
               </a:rPr>
               <a:t>HALLUCINATIONS</a:t>
             </a:r>
@@ -3782,6 +3794,7 @@
                 <a:solidFill>
                   <a:schemeClr val="tx1"/>
                 </a:solidFill>
+                <a:latin typeface="Avenir Next LT Pro" panose="020B0504020202020204" pitchFamily="34" charset="0"/>
               </a:rPr>
               <a:t>GENERATE RESPONSE</a:t>
             </a:r>
@@ -3840,6 +3853,7 @@
                 <a:solidFill>
                   <a:schemeClr val="tx1"/>
                 </a:solidFill>
+                <a:latin typeface="Avenir Next LT Pro" panose="020B0504020202020204" pitchFamily="34" charset="0"/>
               </a:rPr>
               <a:t>SEND TO USER</a:t>
             </a:r>
@@ -3898,6 +3912,7 @@
                 <a:solidFill>
                   <a:schemeClr val="tx1"/>
                 </a:solidFill>
+                <a:latin typeface="Avenir Next LT Pro" panose="020B0504020202020204" pitchFamily="34" charset="0"/>
               </a:rPr>
               <a:t>DATABASE</a:t>
             </a:r>
@@ -3956,6 +3971,7 @@
                 <a:solidFill>
                   <a:schemeClr val="tx1"/>
                 </a:solidFill>
+                <a:latin typeface="Avenir Next LT Pro" panose="020B0504020202020204" pitchFamily="34" charset="0"/>
               </a:rPr>
               <a:t>Can you rephrase question</a:t>
             </a:r>
@@ -3967,6 +3983,7 @@
                 <a:solidFill>
                   <a:schemeClr val="tx1"/>
                 </a:solidFill>
+                <a:latin typeface="Avenir Next LT Pro" panose="020B0504020202020204" pitchFamily="34" charset="0"/>
               </a:rPr>
               <a:t> x 5</a:t>
             </a:r>
@@ -4120,6 +4137,7 @@
                 <a:solidFill>
                   <a:schemeClr val="tx1"/>
                 </a:solidFill>
+                <a:latin typeface="Avenir Next LT Pro" panose="020B0504020202020204" pitchFamily="34" charset="0"/>
               </a:rPr>
               <a:t>By getting different question we will match different documents that may be more relevant</a:t>
             </a:r>
@@ -4177,6 +4195,7 @@
                 <a:solidFill>
                   <a:schemeClr val="tx1"/>
                 </a:solidFill>
+                <a:latin typeface="Avenir Next LT Pro" panose="020B0504020202020204" pitchFamily="34" charset="0"/>
               </a:rPr>
               <a:t>We can use an LLM with prompt “You are an expert grader…”</a:t>
             </a:r>
@@ -4234,6 +4253,7 @@
                 <a:solidFill>
                   <a:schemeClr val="tx1"/>
                 </a:solidFill>
+                <a:latin typeface="Avenir Next LT Pro" panose="020B0504020202020204" pitchFamily="34" charset="0"/>
               </a:rPr>
               <a:t>We can use an LLM with prompt “You are very good at checking if the answer is faithful to question and contexts…We check final response and if OK give to user otherwise go though loop again</a:t>
             </a:r>
@@ -4292,6 +4312,7 @@
                 <a:solidFill>
                   <a:schemeClr val="tx1"/>
                 </a:solidFill>
+                <a:latin typeface="Avenir Next LT Pro" panose="020B0504020202020204" pitchFamily="34" charset="0"/>
               </a:rPr>
               <a:t>USER GRADES AND RATES</a:t>
             </a:r>
@@ -4303,6 +4324,7 @@
                 <a:solidFill>
                   <a:schemeClr val="tx1"/>
                 </a:solidFill>
+                <a:latin typeface="Avenir Next LT Pro" panose="020B0504020202020204" pitchFamily="34" charset="0"/>
               </a:rPr>
               <a:t>“Crowd Sourcing”</a:t>
             </a:r>
@@ -4310,11 +4332,14 @@
               <a:solidFill>
                 <a:schemeClr val="tx1"/>
               </a:solidFill>
+              <a:latin typeface="Avenir Next LT Pro" panose="020B0504020202020204" pitchFamily="34" charset="0"/>
             </a:endParaRPr>
           </a:p>
           <a:p>
             <a:pPr algn="ctr"/>
-            <a:endParaRPr lang="en-GB" dirty="0"/>
+            <a:endParaRPr lang="en-GB" dirty="0">
+              <a:latin typeface="Avenir Next LT Pro" panose="020B0504020202020204" pitchFamily="34" charset="0"/>
+            </a:endParaRPr>
           </a:p>
         </p:txBody>
       </p:sp>
@@ -4412,7 +4437,9 @@
           <a:lstStyle/>
           <a:p>
             <a:pPr algn="ctr"/>
-            <a:endParaRPr lang="en-GB"/>
+            <a:endParaRPr lang="en-GB">
+              <a:latin typeface="Avenir Next LT Pro" panose="020B0504020202020204" pitchFamily="34" charset="0"/>
+            </a:endParaRPr>
           </a:p>
         </p:txBody>
       </p:sp>
@@ -4560,6 +4587,7 @@
                 <a:solidFill>
                   <a:schemeClr val="tx1"/>
                 </a:solidFill>
+                <a:latin typeface="Avenir Next LT Pro" panose="020B0504020202020204" pitchFamily="34" charset="0"/>
               </a:rPr>
               <a:t>The user can opt for </a:t>
             </a:r>
@@ -4570,6 +4598,7 @@
                 <a:solidFill>
                   <a:schemeClr val="tx1"/>
                 </a:solidFill>
+                <a:latin typeface="Avenir Next LT Pro" panose="020B0504020202020204" pitchFamily="34" charset="0"/>
               </a:rPr>
               <a:t>cache only</a:t>
             </a:r>
@@ -4578,6 +4607,7 @@
                 <a:solidFill>
                   <a:schemeClr val="tx1"/>
                 </a:solidFill>
+                <a:latin typeface="Avenir Next LT Pro" panose="020B0504020202020204" pitchFamily="34" charset="0"/>
               </a:rPr>
               <a:t> </a:t>
             </a:r>
@@ -4588,6 +4618,7 @@
                 <a:solidFill>
                   <a:schemeClr val="tx1"/>
                 </a:solidFill>
+                <a:latin typeface="Avenir Next LT Pro" panose="020B0504020202020204" pitchFamily="34" charset="0"/>
               </a:rPr>
               <a:t>or </a:t>
             </a:r>
@@ -4598,6 +4629,7 @@
                 <a:solidFill>
                   <a:schemeClr val="tx1"/>
                 </a:solidFill>
+                <a:latin typeface="Avenir Next LT Pro" panose="020B0504020202020204" pitchFamily="34" charset="0"/>
               </a:rPr>
               <a:t>cache and new query</a:t>
             </a:r>
@@ -4606,6 +4638,7 @@
                 <a:solidFill>
                   <a:schemeClr val="tx1"/>
                 </a:solidFill>
+                <a:latin typeface="Avenir Next LT Pro" panose="020B0504020202020204" pitchFamily="34" charset="0"/>
               </a:rPr>
               <a:t>…</a:t>
             </a:r>
@@ -4663,6 +4696,7 @@
                 <a:solidFill>
                   <a:schemeClr val="tx1"/>
                 </a:solidFill>
+                <a:latin typeface="Avenir Next LT Pro" panose="020B0504020202020204" pitchFamily="34" charset="0"/>
               </a:rPr>
               <a:t>The pipeline is modular so each we can add/delete/edit modules as we see best. Each ‘strategy’ will have a CODE so that we can record this along with user rating. Other users can also add their rating and notes, giving rise to a collective consensus about the KB. This is a dataset in its own right that we can use for our own fine tuning of the LLM.</a:t>
             </a:r>
@@ -4768,6 +4802,7 @@
                 <a:solidFill>
                   <a:schemeClr val="tx1"/>
                 </a:solidFill>
+                <a:latin typeface="Avenir Next LT Pro" panose="020B0504020202020204" pitchFamily="34" charset="0"/>
               </a:rPr>
               <a:t>Use LLM to generate a formal response.</a:t>
             </a:r>
@@ -4778,6 +4813,1339 @@
     <p:extLst>
       <p:ext uri="{BB962C8B-B14F-4D97-AF65-F5344CB8AC3E}">
         <p14:creationId xmlns:p14="http://schemas.microsoft.com/office/powerpoint/2010/main" val="1311688261"/>
+      </p:ext>
+    </p:extLst>
+  </p:cSld>
+  <p:clrMapOvr>
+    <a:masterClrMapping/>
+  </p:clrMapOvr>
+</p:sld>
+</file>
+
+<file path=ppt/slides/slide2.xml><?xml version="1.0" encoding="utf-8"?>
+<p:sld xmlns:a="http://schemas.openxmlformats.org/drawingml/2006/main" xmlns:r="http://schemas.openxmlformats.org/officeDocument/2006/relationships" xmlns:p="http://schemas.openxmlformats.org/presentationml/2006/main">
+  <p:cSld>
+    <p:spTree>
+      <p:nvGrpSpPr>
+        <p:cNvPr id="1" name=""/>
+        <p:cNvGrpSpPr/>
+        <p:nvPr/>
+      </p:nvGrpSpPr>
+      <p:grpSpPr>
+        <a:xfrm>
+          <a:off x="0" y="0"/>
+          <a:ext cx="0" cy="0"/>
+          <a:chOff x="0" y="0"/>
+          <a:chExt cx="0" cy="0"/>
+        </a:xfrm>
+      </p:grpSpPr>
+      <p:sp>
+        <p:nvSpPr>
+          <p:cNvPr id="2" name="TextBox 1">
+            <a:extLst>
+              <a:ext uri="{FF2B5EF4-FFF2-40B4-BE49-F238E27FC236}">
+                <a16:creationId xmlns:a16="http://schemas.microsoft.com/office/drawing/2014/main" id="{F1412CA1-5E1F-5995-FBD5-1C2439C7BF71}"/>
+              </a:ext>
+            </a:extLst>
+          </p:cNvPr>
+          <p:cNvSpPr txBox="1"/>
+          <p:nvPr/>
+        </p:nvSpPr>
+        <p:spPr>
+          <a:xfrm>
+            <a:off x="268224" y="138696"/>
+            <a:ext cx="11923776" cy="7109639"/>
+          </a:xfrm>
+          <a:prstGeom prst="rect">
+            <a:avLst/>
+          </a:prstGeom>
+          <a:noFill/>
+        </p:spPr>
+        <p:txBody>
+          <a:bodyPr wrap="square" rtlCol="0">
+            <a:spAutoFit/>
+          </a:bodyPr>
+          <a:lstStyle/>
+          <a:p>
+            <a:r>
+              <a:rPr lang="en-GB" sz="2400" dirty="0">
+                <a:latin typeface="Avenir Next LT Pro" panose="020B0504020202020204" pitchFamily="34" charset="0"/>
+              </a:rPr>
+              <a:t>Traditional keyword search capabilities using BM25, Tokens and NLP.</a:t>
+            </a:r>
+          </a:p>
+          <a:p>
+            <a:endParaRPr lang="en-GB" sz="2400" dirty="0">
+              <a:latin typeface="Avenir Next LT Pro" panose="020B0504020202020204" pitchFamily="34" charset="0"/>
+            </a:endParaRPr>
+          </a:p>
+          <a:p>
+            <a:r>
+              <a:rPr lang="en-GB" sz="2400" dirty="0">
+                <a:latin typeface="Avenir Next LT Pro" panose="020B0504020202020204" pitchFamily="34" charset="0"/>
+              </a:rPr>
+              <a:t>Semantic search using Vector Databases for Retrieval Augmented Generation.</a:t>
+            </a:r>
+          </a:p>
+          <a:p>
+            <a:endParaRPr lang="en-GB" sz="2400" dirty="0">
+              <a:latin typeface="Avenir Next LT Pro" panose="020B0504020202020204" pitchFamily="34" charset="0"/>
+            </a:endParaRPr>
+          </a:p>
+          <a:p>
+            <a:r>
+              <a:rPr lang="en-GB" sz="2400" dirty="0">
+                <a:latin typeface="Avenir Next LT Pro" panose="020B0504020202020204" pitchFamily="34" charset="0"/>
+              </a:rPr>
+              <a:t>These two creating Hybrid Search.</a:t>
+            </a:r>
+          </a:p>
+          <a:p>
+            <a:endParaRPr lang="en-GB" sz="2400" dirty="0">
+              <a:latin typeface="Avenir Next LT Pro" panose="020B0504020202020204" pitchFamily="34" charset="0"/>
+            </a:endParaRPr>
+          </a:p>
+          <a:p>
+            <a:r>
+              <a:rPr lang="en-GB" sz="2400" dirty="0">
+                <a:latin typeface="Avenir Next LT Pro" panose="020B0504020202020204" pitchFamily="34" charset="0"/>
+              </a:rPr>
+              <a:t>Splitting PDFs and other document types not atomic elements – images transformed to text  by LLMs, tabular data extracted and interpreted by LLMs.</a:t>
+            </a:r>
+          </a:p>
+          <a:p>
+            <a:endParaRPr lang="en-GB" sz="2400" dirty="0">
+              <a:latin typeface="Avenir Next LT Pro" panose="020B0504020202020204" pitchFamily="34" charset="0"/>
+            </a:endParaRPr>
+          </a:p>
+          <a:p>
+            <a:r>
+              <a:rPr lang="en-GB" sz="2400" dirty="0">
+                <a:latin typeface="Avenir Next LT Pro" panose="020B0504020202020204" pitchFamily="34" charset="0"/>
+              </a:rPr>
+              <a:t>Crowd-sourced feedback from users creates store of FAQs for future use as well as user rating for </a:t>
+            </a:r>
+            <a:r>
+              <a:rPr lang="en-GB" sz="2400" b="1" dirty="0" err="1">
+                <a:latin typeface="Avenir Next LT Pro" panose="020B0504020202020204" pitchFamily="34" charset="0"/>
+              </a:rPr>
+              <a:t>is_accurate</a:t>
+            </a:r>
+            <a:r>
+              <a:rPr lang="en-GB" sz="2400" dirty="0">
+                <a:latin typeface="Avenir Next LT Pro" panose="020B0504020202020204" pitchFamily="34" charset="0"/>
+              </a:rPr>
+              <a:t>, </a:t>
+            </a:r>
+            <a:r>
+              <a:rPr lang="en-GB" sz="2400" b="1" dirty="0" err="1">
+                <a:latin typeface="Avenir Next LT Pro" panose="020B0504020202020204" pitchFamily="34" charset="0"/>
+              </a:rPr>
+              <a:t>is_complete</a:t>
+            </a:r>
+            <a:r>
+              <a:rPr lang="en-GB" sz="2400" b="1" dirty="0">
+                <a:latin typeface="Avenir Next LT Pro" panose="020B0504020202020204" pitchFamily="34" charset="0"/>
+              </a:rPr>
+              <a:t> </a:t>
+            </a:r>
+            <a:r>
+              <a:rPr lang="en-GB" sz="2400" dirty="0">
+                <a:latin typeface="Avenir Next LT Pro" panose="020B0504020202020204" pitchFamily="34" charset="0"/>
+              </a:rPr>
+              <a:t>and </a:t>
+            </a:r>
+            <a:r>
+              <a:rPr lang="en-GB" sz="2400" b="1" dirty="0" err="1">
+                <a:latin typeface="Avenir Next LT Pro" panose="020B0504020202020204" pitchFamily="34" charset="0"/>
+              </a:rPr>
+              <a:t>is_relevant</a:t>
+            </a:r>
+            <a:r>
+              <a:rPr lang="en-GB" sz="2400" dirty="0">
+                <a:latin typeface="Avenir Next LT Pro" panose="020B0504020202020204" pitchFamily="34" charset="0"/>
+              </a:rPr>
+              <a:t>. This will become a dataset for future ML as well as fine tuning of current LLMs and serve as a community ranking system for Q &amp; A.</a:t>
+            </a:r>
+          </a:p>
+          <a:p>
+            <a:endParaRPr lang="en-GB" sz="2400" dirty="0">
+              <a:latin typeface="Avenir Next LT Pro" panose="020B0504020202020204" pitchFamily="34" charset="0"/>
+            </a:endParaRPr>
+          </a:p>
+          <a:p>
+            <a:r>
+              <a:rPr lang="en-GB" sz="2400" dirty="0">
+                <a:latin typeface="Avenir Next LT Pro" panose="020B0504020202020204" pitchFamily="34" charset="0"/>
+              </a:rPr>
+              <a:t>Use of Graph Databases to explore relationships between entities not just the entities themselves – both within document and between all documents.</a:t>
+            </a:r>
+          </a:p>
+          <a:p>
+            <a:endParaRPr lang="en-GB" sz="2400" dirty="0">
+              <a:latin typeface="Avenir Next LT Pro" panose="020B0504020202020204" pitchFamily="34" charset="0"/>
+            </a:endParaRPr>
+          </a:p>
+          <a:p>
+            <a:r>
+              <a:rPr lang="en-GB" sz="2400" dirty="0">
+                <a:latin typeface="Avenir Next LT Pro" panose="020B0504020202020204" pitchFamily="34" charset="0"/>
+              </a:rPr>
+              <a:t>Use of </a:t>
+            </a:r>
+            <a:r>
+              <a:rPr lang="en-GB" sz="2400" dirty="0" err="1">
+                <a:latin typeface="Avenir Next LT Pro" panose="020B0504020202020204" pitchFamily="34" charset="0"/>
+              </a:rPr>
+              <a:t>Langgraph</a:t>
+            </a:r>
+            <a:r>
+              <a:rPr lang="en-GB" sz="2400" dirty="0">
+                <a:latin typeface="Avenir Next LT Pro" panose="020B0504020202020204" pitchFamily="34" charset="0"/>
+              </a:rPr>
+              <a:t> to convert flowchart processes into programmatic code.</a:t>
+            </a:r>
+          </a:p>
+          <a:p>
+            <a:endParaRPr lang="en-GB" sz="2400" dirty="0">
+              <a:latin typeface="Avenir Next LT Pro" panose="020B0504020202020204" pitchFamily="34" charset="0"/>
+            </a:endParaRPr>
+          </a:p>
+        </p:txBody>
+      </p:sp>
+    </p:spTree>
+    <p:extLst>
+      <p:ext uri="{BB962C8B-B14F-4D97-AF65-F5344CB8AC3E}">
+        <p14:creationId xmlns:p14="http://schemas.microsoft.com/office/powerpoint/2010/main" val="3192415055"/>
+      </p:ext>
+    </p:extLst>
+  </p:cSld>
+  <p:clrMapOvr>
+    <a:masterClrMapping/>
+  </p:clrMapOvr>
+</p:sld>
+</file>
+
+<file path=ppt/slides/slide3.xml><?xml version="1.0" encoding="utf-8"?>
+<p:sld xmlns:a="http://schemas.openxmlformats.org/drawingml/2006/main" xmlns:r="http://schemas.openxmlformats.org/officeDocument/2006/relationships" xmlns:p="http://schemas.openxmlformats.org/presentationml/2006/main">
+  <p:cSld>
+    <p:spTree>
+      <p:nvGrpSpPr>
+        <p:cNvPr id="1" name="">
+          <a:extLst>
+            <a:ext uri="{FF2B5EF4-FFF2-40B4-BE49-F238E27FC236}">
+              <a16:creationId xmlns:a16="http://schemas.microsoft.com/office/drawing/2014/main" id="{54E7D4F0-59B3-7D59-40CE-3654FBB91CBE}"/>
+            </a:ext>
+          </a:extLst>
+        </p:cNvPr>
+        <p:cNvGrpSpPr/>
+        <p:nvPr/>
+      </p:nvGrpSpPr>
+      <p:grpSpPr>
+        <a:xfrm>
+          <a:off x="0" y="0"/>
+          <a:ext cx="0" cy="0"/>
+          <a:chOff x="0" y="0"/>
+          <a:chExt cx="0" cy="0"/>
+        </a:xfrm>
+      </p:grpSpPr>
+      <p:sp>
+        <p:nvSpPr>
+          <p:cNvPr id="5" name="Flowchart: Process 4">
+            <a:extLst>
+              <a:ext uri="{FF2B5EF4-FFF2-40B4-BE49-F238E27FC236}">
+                <a16:creationId xmlns:a16="http://schemas.microsoft.com/office/drawing/2014/main" id="{4C1DA31D-B3EB-49EE-4A4F-4D2AAA1F529E}"/>
+              </a:ext>
+            </a:extLst>
+          </p:cNvPr>
+          <p:cNvSpPr/>
+          <p:nvPr/>
+        </p:nvSpPr>
+        <p:spPr>
+          <a:xfrm>
+            <a:off x="3839146" y="2394507"/>
+            <a:ext cx="2256854" cy="571500"/>
+          </a:xfrm>
+          <a:prstGeom prst="flowChartProcess">
+            <a:avLst/>
+          </a:prstGeom>
+          <a:solidFill>
+            <a:schemeClr val="bg1">
+              <a:lumMod val="85000"/>
+            </a:schemeClr>
+          </a:solidFill>
+        </p:spPr>
+        <p:style>
+          <a:lnRef idx="2">
+            <a:schemeClr val="accent1">
+              <a:shade val="15000"/>
+            </a:schemeClr>
+          </a:lnRef>
+          <a:fillRef idx="1">
+            <a:schemeClr val="accent1"/>
+          </a:fillRef>
+          <a:effectRef idx="0">
+            <a:schemeClr val="accent1"/>
+          </a:effectRef>
+          <a:fontRef idx="minor">
+            <a:schemeClr val="lt1"/>
+          </a:fontRef>
+        </p:style>
+        <p:txBody>
+          <a:bodyPr rtlCol="0" anchor="ctr"/>
+          <a:lstStyle/>
+          <a:p>
+            <a:pPr algn="ctr"/>
+            <a:r>
+              <a:rPr lang="en-GB" dirty="0">
+                <a:solidFill>
+                  <a:schemeClr val="tx1"/>
+                </a:solidFill>
+                <a:latin typeface="Avenir Next LT Pro" panose="020B0504020202020204" pitchFamily="34" charset="0"/>
+              </a:rPr>
+              <a:t>Images</a:t>
+            </a:r>
+          </a:p>
+        </p:txBody>
+      </p:sp>
+      <p:sp>
+        <p:nvSpPr>
+          <p:cNvPr id="6" name="Flowchart: Process 5">
+            <a:extLst>
+              <a:ext uri="{FF2B5EF4-FFF2-40B4-BE49-F238E27FC236}">
+                <a16:creationId xmlns:a16="http://schemas.microsoft.com/office/drawing/2014/main" id="{14E8C5A6-BF39-6ECD-4C17-07558F63FDC2}"/>
+              </a:ext>
+            </a:extLst>
+          </p:cNvPr>
+          <p:cNvSpPr/>
+          <p:nvPr/>
+        </p:nvSpPr>
+        <p:spPr>
+          <a:xfrm>
+            <a:off x="3839146" y="754683"/>
+            <a:ext cx="2248473" cy="571500"/>
+          </a:xfrm>
+          <a:prstGeom prst="flowChartProcess">
+            <a:avLst/>
+          </a:prstGeom>
+          <a:solidFill>
+            <a:schemeClr val="bg1">
+              <a:lumMod val="85000"/>
+            </a:schemeClr>
+          </a:solidFill>
+        </p:spPr>
+        <p:style>
+          <a:lnRef idx="2">
+            <a:schemeClr val="accent1">
+              <a:shade val="15000"/>
+            </a:schemeClr>
+          </a:lnRef>
+          <a:fillRef idx="1">
+            <a:schemeClr val="accent1"/>
+          </a:fillRef>
+          <a:effectRef idx="0">
+            <a:schemeClr val="accent1"/>
+          </a:effectRef>
+          <a:fontRef idx="minor">
+            <a:schemeClr val="lt1"/>
+          </a:fontRef>
+        </p:style>
+        <p:txBody>
+          <a:bodyPr rtlCol="0" anchor="ctr"/>
+          <a:lstStyle/>
+          <a:p>
+            <a:pPr algn="ctr"/>
+            <a:r>
+              <a:rPr lang="en-GB" dirty="0">
+                <a:solidFill>
+                  <a:schemeClr val="tx1"/>
+                </a:solidFill>
+                <a:latin typeface="Avenir Next LT Pro" panose="020B0504020202020204" pitchFamily="34" charset="0"/>
+              </a:rPr>
+              <a:t>Text</a:t>
+            </a:r>
+          </a:p>
+        </p:txBody>
+      </p:sp>
+      <p:sp>
+        <p:nvSpPr>
+          <p:cNvPr id="7" name="Flowchart: Process 6">
+            <a:extLst>
+              <a:ext uri="{FF2B5EF4-FFF2-40B4-BE49-F238E27FC236}">
+                <a16:creationId xmlns:a16="http://schemas.microsoft.com/office/drawing/2014/main" id="{9A3F69A0-9E5E-E614-2C66-91CC2FE756E1}"/>
+              </a:ext>
+            </a:extLst>
+          </p:cNvPr>
+          <p:cNvSpPr/>
+          <p:nvPr/>
+        </p:nvSpPr>
+        <p:spPr>
+          <a:xfrm>
+            <a:off x="3830763" y="1582977"/>
+            <a:ext cx="2256854" cy="571500"/>
+          </a:xfrm>
+          <a:prstGeom prst="flowChartProcess">
+            <a:avLst/>
+          </a:prstGeom>
+          <a:solidFill>
+            <a:schemeClr val="bg1">
+              <a:lumMod val="85000"/>
+            </a:schemeClr>
+          </a:solidFill>
+        </p:spPr>
+        <p:style>
+          <a:lnRef idx="2">
+            <a:schemeClr val="accent1">
+              <a:shade val="15000"/>
+            </a:schemeClr>
+          </a:lnRef>
+          <a:fillRef idx="1">
+            <a:schemeClr val="accent1"/>
+          </a:fillRef>
+          <a:effectRef idx="0">
+            <a:schemeClr val="accent1"/>
+          </a:effectRef>
+          <a:fontRef idx="minor">
+            <a:schemeClr val="lt1"/>
+          </a:fontRef>
+        </p:style>
+        <p:txBody>
+          <a:bodyPr rtlCol="0" anchor="ctr"/>
+          <a:lstStyle/>
+          <a:p>
+            <a:pPr algn="ctr"/>
+            <a:r>
+              <a:rPr lang="en-GB" dirty="0">
+                <a:solidFill>
+                  <a:schemeClr val="tx1"/>
+                </a:solidFill>
+                <a:latin typeface="Avenir Next LT Pro" panose="020B0504020202020204" pitchFamily="34" charset="0"/>
+              </a:rPr>
+              <a:t>Tabular</a:t>
+            </a:r>
+          </a:p>
+        </p:txBody>
+      </p:sp>
+      <p:sp>
+        <p:nvSpPr>
+          <p:cNvPr id="21" name="Rectangle: Rounded Corners 20">
+            <a:extLst>
+              <a:ext uri="{FF2B5EF4-FFF2-40B4-BE49-F238E27FC236}">
+                <a16:creationId xmlns:a16="http://schemas.microsoft.com/office/drawing/2014/main" id="{646A764F-E3F5-6364-9427-4AB2E316B84C}"/>
+              </a:ext>
+            </a:extLst>
+          </p:cNvPr>
+          <p:cNvSpPr/>
+          <p:nvPr/>
+        </p:nvSpPr>
+        <p:spPr>
+          <a:xfrm>
+            <a:off x="1233222" y="1276855"/>
+            <a:ext cx="1652650" cy="1309317"/>
+          </a:xfrm>
+          <a:prstGeom prst="roundRect">
+            <a:avLst/>
+          </a:prstGeom>
+          <a:solidFill>
+            <a:schemeClr val="bg1">
+              <a:lumMod val="85000"/>
+            </a:schemeClr>
+          </a:solidFill>
+        </p:spPr>
+        <p:style>
+          <a:lnRef idx="2">
+            <a:schemeClr val="accent1">
+              <a:shade val="15000"/>
+            </a:schemeClr>
+          </a:lnRef>
+          <a:fillRef idx="1">
+            <a:schemeClr val="accent1"/>
+          </a:fillRef>
+          <a:effectRef idx="0">
+            <a:schemeClr val="accent1"/>
+          </a:effectRef>
+          <a:fontRef idx="minor">
+            <a:schemeClr val="lt1"/>
+          </a:fontRef>
+        </p:style>
+        <p:txBody>
+          <a:bodyPr rtlCol="0" anchor="ctr"/>
+          <a:lstStyle/>
+          <a:p>
+            <a:pPr algn="ctr"/>
+            <a:r>
+              <a:rPr lang="en-GB" b="1" dirty="0">
+                <a:solidFill>
+                  <a:schemeClr val="tx1"/>
+                </a:solidFill>
+                <a:latin typeface="Avenir Next LT Pro" panose="020B0504020202020204" pitchFamily="34" charset="0"/>
+              </a:rPr>
+              <a:t>PDFs, Word, Excel, PowerPoint</a:t>
+            </a:r>
+          </a:p>
+        </p:txBody>
+      </p:sp>
+      <p:sp>
+        <p:nvSpPr>
+          <p:cNvPr id="23" name="Rectangle: Rounded Corners 22">
+            <a:extLst>
+              <a:ext uri="{FF2B5EF4-FFF2-40B4-BE49-F238E27FC236}">
+                <a16:creationId xmlns:a16="http://schemas.microsoft.com/office/drawing/2014/main" id="{C5FEB731-B272-30B4-BB03-12AB74001A6D}"/>
+              </a:ext>
+            </a:extLst>
+          </p:cNvPr>
+          <p:cNvSpPr/>
+          <p:nvPr/>
+        </p:nvSpPr>
+        <p:spPr>
+          <a:xfrm>
+            <a:off x="8426157" y="878324"/>
+            <a:ext cx="3616850" cy="2148153"/>
+          </a:xfrm>
+          <a:prstGeom prst="roundRect">
+            <a:avLst/>
+          </a:prstGeom>
+          <a:solidFill>
+            <a:schemeClr val="bg1">
+              <a:lumMod val="85000"/>
+            </a:schemeClr>
+          </a:solidFill>
+        </p:spPr>
+        <p:style>
+          <a:lnRef idx="2">
+            <a:schemeClr val="accent1">
+              <a:shade val="15000"/>
+            </a:schemeClr>
+          </a:lnRef>
+          <a:fillRef idx="1">
+            <a:schemeClr val="accent1"/>
+          </a:fillRef>
+          <a:effectRef idx="0">
+            <a:schemeClr val="accent1"/>
+          </a:effectRef>
+          <a:fontRef idx="minor">
+            <a:schemeClr val="lt1"/>
+          </a:fontRef>
+        </p:style>
+        <p:txBody>
+          <a:bodyPr rtlCol="0" anchor="ctr"/>
+          <a:lstStyle/>
+          <a:p>
+            <a:r>
+              <a:rPr lang="en-GB" sz="2000" dirty="0">
+                <a:solidFill>
+                  <a:schemeClr val="tx1"/>
+                </a:solidFill>
+                <a:latin typeface="Avenir Next LT Pro" panose="020B0504020202020204" pitchFamily="34" charset="0"/>
+              </a:rPr>
+              <a:t>Stored in DB and vectorised with Named Entities and Tokens </a:t>
+            </a:r>
+            <a:r>
+              <a:rPr lang="en-GB" sz="2000" dirty="0" err="1">
+                <a:solidFill>
+                  <a:schemeClr val="tx1"/>
+                </a:solidFill>
+                <a:latin typeface="Avenir Next LT Pro" panose="020B0504020202020204" pitchFamily="34" charset="0"/>
+              </a:rPr>
+              <a:t>storesd</a:t>
+            </a:r>
+            <a:r>
+              <a:rPr lang="en-GB" sz="2000" dirty="0">
+                <a:solidFill>
+                  <a:schemeClr val="tx1"/>
+                </a:solidFill>
+                <a:latin typeface="Avenir Next LT Pro" panose="020B0504020202020204" pitchFamily="34" charset="0"/>
+              </a:rPr>
+              <a:t> as tags.</a:t>
+            </a:r>
+          </a:p>
+        </p:txBody>
+      </p:sp>
+      <p:sp>
+        <p:nvSpPr>
+          <p:cNvPr id="13" name="Rectangle: Rounded Corners 12">
+            <a:extLst>
+              <a:ext uri="{FF2B5EF4-FFF2-40B4-BE49-F238E27FC236}">
+                <a16:creationId xmlns:a16="http://schemas.microsoft.com/office/drawing/2014/main" id="{F18CA6F4-B8F1-C583-AE55-55C040D8B9EB}"/>
+              </a:ext>
+            </a:extLst>
+          </p:cNvPr>
+          <p:cNvSpPr/>
+          <p:nvPr/>
+        </p:nvSpPr>
+        <p:spPr>
+          <a:xfrm>
+            <a:off x="1233222" y="3087602"/>
+            <a:ext cx="1637994" cy="947345"/>
+          </a:xfrm>
+          <a:prstGeom prst="roundRect">
+            <a:avLst/>
+          </a:prstGeom>
+          <a:solidFill>
+            <a:schemeClr val="bg1">
+              <a:lumMod val="85000"/>
+            </a:schemeClr>
+          </a:solidFill>
+        </p:spPr>
+        <p:style>
+          <a:lnRef idx="2">
+            <a:schemeClr val="accent1">
+              <a:shade val="15000"/>
+            </a:schemeClr>
+          </a:lnRef>
+          <a:fillRef idx="1">
+            <a:schemeClr val="accent1"/>
+          </a:fillRef>
+          <a:effectRef idx="0">
+            <a:schemeClr val="accent1"/>
+          </a:effectRef>
+          <a:fontRef idx="minor">
+            <a:schemeClr val="lt1"/>
+          </a:fontRef>
+        </p:style>
+        <p:txBody>
+          <a:bodyPr rtlCol="0" anchor="ctr"/>
+          <a:lstStyle/>
+          <a:p>
+            <a:pPr algn="ctr"/>
+            <a:r>
+              <a:rPr lang="en-GB" b="1" dirty="0">
+                <a:solidFill>
+                  <a:schemeClr val="tx1"/>
+                </a:solidFill>
+                <a:latin typeface="Avenir Next LT Pro" panose="020B0504020202020204" pitchFamily="34" charset="0"/>
+              </a:rPr>
+              <a:t>Audio and Video</a:t>
+            </a:r>
+          </a:p>
+        </p:txBody>
+      </p:sp>
+      <p:sp>
+        <p:nvSpPr>
+          <p:cNvPr id="15" name="Flowchart: Process 14">
+            <a:extLst>
+              <a:ext uri="{FF2B5EF4-FFF2-40B4-BE49-F238E27FC236}">
+                <a16:creationId xmlns:a16="http://schemas.microsoft.com/office/drawing/2014/main" id="{E9322216-ACE2-6202-56CF-D2E7ED4C3B34}"/>
+              </a:ext>
+            </a:extLst>
+          </p:cNvPr>
+          <p:cNvSpPr/>
+          <p:nvPr/>
+        </p:nvSpPr>
+        <p:spPr>
+          <a:xfrm>
+            <a:off x="3847527" y="3275525"/>
+            <a:ext cx="2248473" cy="571500"/>
+          </a:xfrm>
+          <a:prstGeom prst="flowChartProcess">
+            <a:avLst/>
+          </a:prstGeom>
+          <a:solidFill>
+            <a:schemeClr val="bg1">
+              <a:lumMod val="85000"/>
+            </a:schemeClr>
+          </a:solidFill>
+        </p:spPr>
+        <p:style>
+          <a:lnRef idx="2">
+            <a:schemeClr val="accent1">
+              <a:shade val="15000"/>
+            </a:schemeClr>
+          </a:lnRef>
+          <a:fillRef idx="1">
+            <a:schemeClr val="accent1"/>
+          </a:fillRef>
+          <a:effectRef idx="0">
+            <a:schemeClr val="accent1"/>
+          </a:effectRef>
+          <a:fontRef idx="minor">
+            <a:schemeClr val="lt1"/>
+          </a:fontRef>
+        </p:style>
+        <p:txBody>
+          <a:bodyPr rtlCol="0" anchor="ctr"/>
+          <a:lstStyle/>
+          <a:p>
+            <a:pPr algn="ctr"/>
+            <a:r>
+              <a:rPr lang="en-GB" dirty="0">
+                <a:solidFill>
+                  <a:schemeClr val="tx1"/>
+                </a:solidFill>
+                <a:latin typeface="Avenir Next LT Pro" panose="020B0504020202020204" pitchFamily="34" charset="0"/>
+              </a:rPr>
+              <a:t>Text</a:t>
+            </a:r>
+          </a:p>
+        </p:txBody>
+      </p:sp>
+      <p:sp>
+        <p:nvSpPr>
+          <p:cNvPr id="17" name="Rectangle: Rounded Corners 16">
+            <a:extLst>
+              <a:ext uri="{FF2B5EF4-FFF2-40B4-BE49-F238E27FC236}">
+                <a16:creationId xmlns:a16="http://schemas.microsoft.com/office/drawing/2014/main" id="{3E5BC5B4-210E-3FEA-EA50-964DA31595D9}"/>
+              </a:ext>
+            </a:extLst>
+          </p:cNvPr>
+          <p:cNvSpPr/>
+          <p:nvPr/>
+        </p:nvSpPr>
+        <p:spPr>
+          <a:xfrm>
+            <a:off x="8429969" y="3503183"/>
+            <a:ext cx="3616850" cy="2148153"/>
+          </a:xfrm>
+          <a:prstGeom prst="roundRect">
+            <a:avLst/>
+          </a:prstGeom>
+          <a:solidFill>
+            <a:schemeClr val="bg1">
+              <a:lumMod val="85000"/>
+            </a:schemeClr>
+          </a:solidFill>
+        </p:spPr>
+        <p:style>
+          <a:lnRef idx="2">
+            <a:schemeClr val="accent1">
+              <a:shade val="15000"/>
+            </a:schemeClr>
+          </a:lnRef>
+          <a:fillRef idx="1">
+            <a:schemeClr val="accent1"/>
+          </a:fillRef>
+          <a:effectRef idx="0">
+            <a:schemeClr val="accent1"/>
+          </a:effectRef>
+          <a:fontRef idx="minor">
+            <a:schemeClr val="lt1"/>
+          </a:fontRef>
+        </p:style>
+        <p:txBody>
+          <a:bodyPr rtlCol="0" anchor="ctr"/>
+          <a:lstStyle/>
+          <a:p>
+            <a:r>
+              <a:rPr lang="en-GB" sz="2400" dirty="0">
+                <a:solidFill>
+                  <a:schemeClr val="tx1"/>
+                </a:solidFill>
+                <a:latin typeface="Avenir Next LT Pro" panose="020B0504020202020204" pitchFamily="34" charset="0"/>
+              </a:rPr>
+              <a:t>Traditional (keyword) and Semantic search along with Graph analysis</a:t>
+            </a:r>
+          </a:p>
+        </p:txBody>
+      </p:sp>
+      <p:sp>
+        <p:nvSpPr>
+          <p:cNvPr id="18" name="Arrow: Right 17">
+            <a:extLst>
+              <a:ext uri="{FF2B5EF4-FFF2-40B4-BE49-F238E27FC236}">
+                <a16:creationId xmlns:a16="http://schemas.microsoft.com/office/drawing/2014/main" id="{A1CB7FF9-B125-3C8D-29C1-3A5E908D8AD2}"/>
+              </a:ext>
+            </a:extLst>
+          </p:cNvPr>
+          <p:cNvSpPr/>
+          <p:nvPr/>
+        </p:nvSpPr>
+        <p:spPr>
+          <a:xfrm>
+            <a:off x="2871216" y="3429000"/>
+            <a:ext cx="1298448" cy="265176"/>
+          </a:xfrm>
+          <a:prstGeom prst="rightArrow">
+            <a:avLst/>
+          </a:prstGeom>
+        </p:spPr>
+        <p:style>
+          <a:lnRef idx="2">
+            <a:schemeClr val="accent1">
+              <a:shade val="15000"/>
+            </a:schemeClr>
+          </a:lnRef>
+          <a:fillRef idx="1">
+            <a:schemeClr val="accent1"/>
+          </a:fillRef>
+          <a:effectRef idx="0">
+            <a:schemeClr val="accent1"/>
+          </a:effectRef>
+          <a:fontRef idx="minor">
+            <a:schemeClr val="lt1"/>
+          </a:fontRef>
+        </p:style>
+        <p:txBody>
+          <a:bodyPr rtlCol="0" anchor="ctr"/>
+          <a:lstStyle/>
+          <a:p>
+            <a:pPr algn="ctr"/>
+            <a:endParaRPr lang="en-GB"/>
+          </a:p>
+        </p:txBody>
+      </p:sp>
+      <p:sp>
+        <p:nvSpPr>
+          <p:cNvPr id="20" name="Arrow: Right 19">
+            <a:extLst>
+              <a:ext uri="{FF2B5EF4-FFF2-40B4-BE49-F238E27FC236}">
+                <a16:creationId xmlns:a16="http://schemas.microsoft.com/office/drawing/2014/main" id="{69D0E256-D729-AE39-2567-C58070B7A5A9}"/>
+              </a:ext>
+            </a:extLst>
+          </p:cNvPr>
+          <p:cNvSpPr/>
+          <p:nvPr/>
+        </p:nvSpPr>
+        <p:spPr>
+          <a:xfrm>
+            <a:off x="2977896" y="1819813"/>
+            <a:ext cx="1298448" cy="265176"/>
+          </a:xfrm>
+          <a:prstGeom prst="rightArrow">
+            <a:avLst/>
+          </a:prstGeom>
+        </p:spPr>
+        <p:style>
+          <a:lnRef idx="2">
+            <a:schemeClr val="accent1">
+              <a:shade val="15000"/>
+            </a:schemeClr>
+          </a:lnRef>
+          <a:fillRef idx="1">
+            <a:schemeClr val="accent1"/>
+          </a:fillRef>
+          <a:effectRef idx="0">
+            <a:schemeClr val="accent1"/>
+          </a:effectRef>
+          <a:fontRef idx="minor">
+            <a:schemeClr val="lt1"/>
+          </a:fontRef>
+        </p:style>
+        <p:txBody>
+          <a:bodyPr rtlCol="0" anchor="ctr"/>
+          <a:lstStyle/>
+          <a:p>
+            <a:pPr algn="ctr"/>
+            <a:endParaRPr lang="en-GB"/>
+          </a:p>
+        </p:txBody>
+      </p:sp>
+      <p:sp>
+        <p:nvSpPr>
+          <p:cNvPr id="24" name="Flowchart: Process 23">
+            <a:extLst>
+              <a:ext uri="{FF2B5EF4-FFF2-40B4-BE49-F238E27FC236}">
+                <a16:creationId xmlns:a16="http://schemas.microsoft.com/office/drawing/2014/main" id="{667EE7C8-D3D2-4D9C-9520-72BC106D6BCB}"/>
+              </a:ext>
+            </a:extLst>
+          </p:cNvPr>
+          <p:cNvSpPr/>
+          <p:nvPr/>
+        </p:nvSpPr>
+        <p:spPr>
+          <a:xfrm>
+            <a:off x="6965632" y="1582977"/>
+            <a:ext cx="1224428" cy="571500"/>
+          </a:xfrm>
+          <a:prstGeom prst="flowChartProcess">
+            <a:avLst/>
+          </a:prstGeom>
+          <a:solidFill>
+            <a:schemeClr val="bg1">
+              <a:lumMod val="85000"/>
+            </a:schemeClr>
+          </a:solidFill>
+        </p:spPr>
+        <p:style>
+          <a:lnRef idx="2">
+            <a:schemeClr val="accent1">
+              <a:shade val="15000"/>
+            </a:schemeClr>
+          </a:lnRef>
+          <a:fillRef idx="1">
+            <a:schemeClr val="accent1"/>
+          </a:fillRef>
+          <a:effectRef idx="0">
+            <a:schemeClr val="accent1"/>
+          </a:effectRef>
+          <a:fontRef idx="minor">
+            <a:schemeClr val="lt1"/>
+          </a:fontRef>
+        </p:style>
+        <p:txBody>
+          <a:bodyPr rtlCol="0" anchor="ctr"/>
+          <a:lstStyle/>
+          <a:p>
+            <a:pPr algn="ctr"/>
+            <a:r>
+              <a:rPr lang="en-GB" dirty="0">
+                <a:solidFill>
+                  <a:schemeClr val="tx1"/>
+                </a:solidFill>
+                <a:latin typeface="Avenir Next LT Pro" panose="020B0504020202020204" pitchFamily="34" charset="0"/>
+              </a:rPr>
+              <a:t>Text</a:t>
+            </a:r>
+          </a:p>
+        </p:txBody>
+      </p:sp>
+      <p:sp>
+        <p:nvSpPr>
+          <p:cNvPr id="25" name="Arrow: Right 24">
+            <a:extLst>
+              <a:ext uri="{FF2B5EF4-FFF2-40B4-BE49-F238E27FC236}">
+                <a16:creationId xmlns:a16="http://schemas.microsoft.com/office/drawing/2014/main" id="{7294C7EA-BAAB-2E3E-D031-4BF91255BF23}"/>
+              </a:ext>
+            </a:extLst>
+          </p:cNvPr>
+          <p:cNvSpPr/>
+          <p:nvPr/>
+        </p:nvSpPr>
+        <p:spPr>
+          <a:xfrm>
+            <a:off x="5540670" y="1763639"/>
+            <a:ext cx="1409498" cy="265176"/>
+          </a:xfrm>
+          <a:prstGeom prst="rightArrow">
+            <a:avLst/>
+          </a:prstGeom>
+        </p:spPr>
+        <p:style>
+          <a:lnRef idx="2">
+            <a:schemeClr val="accent1">
+              <a:shade val="15000"/>
+            </a:schemeClr>
+          </a:lnRef>
+          <a:fillRef idx="1">
+            <a:schemeClr val="accent1"/>
+          </a:fillRef>
+          <a:effectRef idx="0">
+            <a:schemeClr val="accent1"/>
+          </a:effectRef>
+          <a:fontRef idx="minor">
+            <a:schemeClr val="lt1"/>
+          </a:fontRef>
+        </p:style>
+        <p:txBody>
+          <a:bodyPr rtlCol="0" anchor="ctr"/>
+          <a:lstStyle/>
+          <a:p>
+            <a:pPr algn="ctr"/>
+            <a:endParaRPr lang="en-GB"/>
+          </a:p>
+        </p:txBody>
+      </p:sp>
+      <p:sp>
+        <p:nvSpPr>
+          <p:cNvPr id="29" name="Arrow: Right 28">
+            <a:extLst>
+              <a:ext uri="{FF2B5EF4-FFF2-40B4-BE49-F238E27FC236}">
+                <a16:creationId xmlns:a16="http://schemas.microsoft.com/office/drawing/2014/main" id="{DE584501-07D7-16CD-DEE5-910E47BAE6B9}"/>
+              </a:ext>
+            </a:extLst>
+          </p:cNvPr>
+          <p:cNvSpPr/>
+          <p:nvPr/>
+        </p:nvSpPr>
+        <p:spPr>
+          <a:xfrm rot="965457">
+            <a:off x="2963983" y="2327795"/>
+            <a:ext cx="1298448" cy="264605"/>
+          </a:xfrm>
+          <a:prstGeom prst="rightArrow">
+            <a:avLst/>
+          </a:prstGeom>
+        </p:spPr>
+        <p:style>
+          <a:lnRef idx="2">
+            <a:schemeClr val="accent1">
+              <a:shade val="15000"/>
+            </a:schemeClr>
+          </a:lnRef>
+          <a:fillRef idx="1">
+            <a:schemeClr val="accent1"/>
+          </a:fillRef>
+          <a:effectRef idx="0">
+            <a:schemeClr val="accent1"/>
+          </a:effectRef>
+          <a:fontRef idx="minor">
+            <a:schemeClr val="lt1"/>
+          </a:fontRef>
+        </p:style>
+        <p:txBody>
+          <a:bodyPr rtlCol="0" anchor="ctr"/>
+          <a:lstStyle/>
+          <a:p>
+            <a:pPr algn="ctr"/>
+            <a:endParaRPr lang="en-GB"/>
+          </a:p>
+        </p:txBody>
+      </p:sp>
+      <p:sp>
+        <p:nvSpPr>
+          <p:cNvPr id="32" name="Arrow: Right 31">
+            <a:extLst>
+              <a:ext uri="{FF2B5EF4-FFF2-40B4-BE49-F238E27FC236}">
+                <a16:creationId xmlns:a16="http://schemas.microsoft.com/office/drawing/2014/main" id="{ACCF9B05-8AF8-36B2-6BAB-025F74E124C7}"/>
+              </a:ext>
+            </a:extLst>
+          </p:cNvPr>
+          <p:cNvSpPr/>
+          <p:nvPr/>
+        </p:nvSpPr>
+        <p:spPr>
+          <a:xfrm rot="20109658">
+            <a:off x="5650931" y="2354029"/>
+            <a:ext cx="1298448" cy="265176"/>
+          </a:xfrm>
+          <a:prstGeom prst="rightArrow">
+            <a:avLst/>
+          </a:prstGeom>
+        </p:spPr>
+        <p:style>
+          <a:lnRef idx="2">
+            <a:schemeClr val="accent1">
+              <a:shade val="15000"/>
+            </a:schemeClr>
+          </a:lnRef>
+          <a:fillRef idx="1">
+            <a:schemeClr val="accent1"/>
+          </a:fillRef>
+          <a:effectRef idx="0">
+            <a:schemeClr val="accent1"/>
+          </a:effectRef>
+          <a:fontRef idx="minor">
+            <a:schemeClr val="lt1"/>
+          </a:fontRef>
+        </p:style>
+        <p:txBody>
+          <a:bodyPr rtlCol="0" anchor="ctr"/>
+          <a:lstStyle/>
+          <a:p>
+            <a:pPr algn="ctr"/>
+            <a:endParaRPr lang="en-GB"/>
+          </a:p>
+        </p:txBody>
+      </p:sp>
+      <p:sp>
+        <p:nvSpPr>
+          <p:cNvPr id="33" name="Arrow: Right 32">
+            <a:extLst>
+              <a:ext uri="{FF2B5EF4-FFF2-40B4-BE49-F238E27FC236}">
+                <a16:creationId xmlns:a16="http://schemas.microsoft.com/office/drawing/2014/main" id="{3681C80E-FD42-EE60-4019-87D74DD52044}"/>
+              </a:ext>
+            </a:extLst>
+          </p:cNvPr>
+          <p:cNvSpPr/>
+          <p:nvPr/>
+        </p:nvSpPr>
+        <p:spPr>
+          <a:xfrm rot="20547345">
+            <a:off x="2977895" y="1227905"/>
+            <a:ext cx="1298448" cy="264605"/>
+          </a:xfrm>
+          <a:prstGeom prst="rightArrow">
+            <a:avLst/>
+          </a:prstGeom>
+        </p:spPr>
+        <p:style>
+          <a:lnRef idx="2">
+            <a:schemeClr val="accent1">
+              <a:shade val="15000"/>
+            </a:schemeClr>
+          </a:lnRef>
+          <a:fillRef idx="1">
+            <a:schemeClr val="accent1"/>
+          </a:fillRef>
+          <a:effectRef idx="0">
+            <a:schemeClr val="accent1"/>
+          </a:effectRef>
+          <a:fontRef idx="minor">
+            <a:schemeClr val="lt1"/>
+          </a:fontRef>
+        </p:style>
+        <p:txBody>
+          <a:bodyPr rtlCol="0" anchor="ctr"/>
+          <a:lstStyle/>
+          <a:p>
+            <a:pPr algn="ctr"/>
+            <a:endParaRPr lang="en-GB"/>
+          </a:p>
+        </p:txBody>
+      </p:sp>
+      <p:sp>
+        <p:nvSpPr>
+          <p:cNvPr id="35" name="Arrow: Right 34">
+            <a:extLst>
+              <a:ext uri="{FF2B5EF4-FFF2-40B4-BE49-F238E27FC236}">
+                <a16:creationId xmlns:a16="http://schemas.microsoft.com/office/drawing/2014/main" id="{C758E2E0-4A48-9742-39D4-36122E4A7838}"/>
+              </a:ext>
+            </a:extLst>
+          </p:cNvPr>
+          <p:cNvSpPr/>
+          <p:nvPr/>
+        </p:nvSpPr>
+        <p:spPr>
+          <a:xfrm rot="848628">
+            <a:off x="5628714" y="1169471"/>
+            <a:ext cx="1342864" cy="264605"/>
+          </a:xfrm>
+          <a:prstGeom prst="rightArrow">
+            <a:avLst/>
+          </a:prstGeom>
+        </p:spPr>
+        <p:style>
+          <a:lnRef idx="2">
+            <a:schemeClr val="accent1">
+              <a:shade val="15000"/>
+            </a:schemeClr>
+          </a:lnRef>
+          <a:fillRef idx="1">
+            <a:schemeClr val="accent1"/>
+          </a:fillRef>
+          <a:effectRef idx="0">
+            <a:schemeClr val="accent1"/>
+          </a:effectRef>
+          <a:fontRef idx="minor">
+            <a:schemeClr val="lt1"/>
+          </a:fontRef>
+        </p:style>
+        <p:txBody>
+          <a:bodyPr rtlCol="0" anchor="ctr"/>
+          <a:lstStyle/>
+          <a:p>
+            <a:pPr algn="ctr"/>
+            <a:endParaRPr lang="en-GB"/>
+          </a:p>
+        </p:txBody>
+      </p:sp>
+      <p:sp>
+        <p:nvSpPr>
+          <p:cNvPr id="36" name="Arrow: Right 35">
+            <a:extLst>
+              <a:ext uri="{FF2B5EF4-FFF2-40B4-BE49-F238E27FC236}">
+                <a16:creationId xmlns:a16="http://schemas.microsoft.com/office/drawing/2014/main" id="{01DAFCD4-ACFF-F451-BCA3-2ADB3F79ABE4}"/>
+              </a:ext>
+            </a:extLst>
+          </p:cNvPr>
+          <p:cNvSpPr/>
+          <p:nvPr/>
+        </p:nvSpPr>
+        <p:spPr>
+          <a:xfrm rot="19023248">
+            <a:off x="5643652" y="2710699"/>
+            <a:ext cx="2344524" cy="265176"/>
+          </a:xfrm>
+          <a:prstGeom prst="rightArrow">
+            <a:avLst/>
+          </a:prstGeom>
+        </p:spPr>
+        <p:style>
+          <a:lnRef idx="2">
+            <a:schemeClr val="accent1">
+              <a:shade val="15000"/>
+            </a:schemeClr>
+          </a:lnRef>
+          <a:fillRef idx="1">
+            <a:schemeClr val="accent1"/>
+          </a:fillRef>
+          <a:effectRef idx="0">
+            <a:schemeClr val="accent1"/>
+          </a:effectRef>
+          <a:fontRef idx="minor">
+            <a:schemeClr val="lt1"/>
+          </a:fontRef>
+        </p:style>
+        <p:txBody>
+          <a:bodyPr rtlCol="0" anchor="ctr"/>
+          <a:lstStyle/>
+          <a:p>
+            <a:pPr algn="ctr"/>
+            <a:endParaRPr lang="en-GB"/>
+          </a:p>
+        </p:txBody>
+      </p:sp>
+      <p:sp>
+        <p:nvSpPr>
+          <p:cNvPr id="39" name="Rectangle: Rounded Corners 38">
+            <a:extLst>
+              <a:ext uri="{FF2B5EF4-FFF2-40B4-BE49-F238E27FC236}">
+                <a16:creationId xmlns:a16="http://schemas.microsoft.com/office/drawing/2014/main" id="{4681A776-AC61-6B70-0DD7-92EE7744BCE0}"/>
+              </a:ext>
+            </a:extLst>
+          </p:cNvPr>
+          <p:cNvSpPr/>
+          <p:nvPr/>
+        </p:nvSpPr>
+        <p:spPr>
+          <a:xfrm>
+            <a:off x="356616" y="4209989"/>
+            <a:ext cx="6943459" cy="2351518"/>
+          </a:xfrm>
+          <a:prstGeom prst="roundRect">
+            <a:avLst/>
+          </a:prstGeom>
+          <a:solidFill>
+            <a:schemeClr val="bg1">
+              <a:lumMod val="85000"/>
+            </a:schemeClr>
+          </a:solidFill>
+        </p:spPr>
+        <p:style>
+          <a:lnRef idx="2">
+            <a:schemeClr val="accent1">
+              <a:shade val="15000"/>
+            </a:schemeClr>
+          </a:lnRef>
+          <a:fillRef idx="1">
+            <a:schemeClr val="accent1"/>
+          </a:fillRef>
+          <a:effectRef idx="0">
+            <a:schemeClr val="accent1"/>
+          </a:effectRef>
+          <a:fontRef idx="minor">
+            <a:schemeClr val="lt1"/>
+          </a:fontRef>
+        </p:style>
+        <p:txBody>
+          <a:bodyPr rtlCol="0" anchor="ctr"/>
+          <a:lstStyle/>
+          <a:p>
+            <a:r>
+              <a:rPr lang="en-GB" sz="2400" dirty="0">
+                <a:solidFill>
+                  <a:schemeClr val="tx1"/>
+                </a:solidFill>
+                <a:latin typeface="Avenir Next LT Pro" panose="020B0504020202020204" pitchFamily="34" charset="0"/>
+              </a:rPr>
+              <a:t>User rates and provides feedback for future ML datasets and LLM </a:t>
+            </a:r>
+            <a:r>
+              <a:rPr lang="en-GB" sz="2400">
+                <a:solidFill>
+                  <a:schemeClr val="tx1"/>
+                </a:solidFill>
+                <a:latin typeface="Avenir Next LT Pro" panose="020B0504020202020204" pitchFamily="34" charset="0"/>
+              </a:rPr>
+              <a:t>finetuning.</a:t>
+            </a:r>
+          </a:p>
+          <a:p>
+            <a:endParaRPr lang="en-GB" sz="2400" dirty="0">
+              <a:solidFill>
+                <a:schemeClr val="tx1"/>
+              </a:solidFill>
+              <a:latin typeface="Avenir Next LT Pro" panose="020B0504020202020204" pitchFamily="34" charset="0"/>
+            </a:endParaRPr>
+          </a:p>
+          <a:p>
+            <a:r>
+              <a:rPr lang="en-GB" sz="2400" dirty="0">
+                <a:solidFill>
+                  <a:schemeClr val="tx1"/>
+                </a:solidFill>
+                <a:latin typeface="Avenir Next LT Pro" panose="020B0504020202020204" pitchFamily="34" charset="0"/>
+              </a:rPr>
+              <a:t>Stored in DB for cached FAQ for next time similar question is asked.</a:t>
+            </a:r>
+          </a:p>
+        </p:txBody>
+      </p:sp>
+      <p:sp>
+        <p:nvSpPr>
+          <p:cNvPr id="40" name="Arrow: Right 39">
+            <a:extLst>
+              <a:ext uri="{FF2B5EF4-FFF2-40B4-BE49-F238E27FC236}">
+                <a16:creationId xmlns:a16="http://schemas.microsoft.com/office/drawing/2014/main" id="{D0B05F06-CA12-1855-CCA9-78E04369C03D}"/>
+              </a:ext>
+            </a:extLst>
+          </p:cNvPr>
+          <p:cNvSpPr/>
+          <p:nvPr/>
+        </p:nvSpPr>
+        <p:spPr>
+          <a:xfrm rot="5400000">
+            <a:off x="9607036" y="3218739"/>
+            <a:ext cx="1298448" cy="272156"/>
+          </a:xfrm>
+          <a:prstGeom prst="rightArrow">
+            <a:avLst/>
+          </a:prstGeom>
+        </p:spPr>
+        <p:style>
+          <a:lnRef idx="2">
+            <a:schemeClr val="accent1">
+              <a:shade val="15000"/>
+            </a:schemeClr>
+          </a:lnRef>
+          <a:fillRef idx="1">
+            <a:schemeClr val="accent1"/>
+          </a:fillRef>
+          <a:effectRef idx="0">
+            <a:schemeClr val="accent1"/>
+          </a:effectRef>
+          <a:fontRef idx="minor">
+            <a:schemeClr val="lt1"/>
+          </a:fontRef>
+        </p:style>
+        <p:txBody>
+          <a:bodyPr rtlCol="0" anchor="ctr"/>
+          <a:lstStyle/>
+          <a:p>
+            <a:pPr algn="ctr"/>
+            <a:endParaRPr lang="en-GB"/>
+          </a:p>
+        </p:txBody>
+      </p:sp>
+      <p:sp>
+        <p:nvSpPr>
+          <p:cNvPr id="41" name="Arrow: Right 40">
+            <a:extLst>
+              <a:ext uri="{FF2B5EF4-FFF2-40B4-BE49-F238E27FC236}">
+                <a16:creationId xmlns:a16="http://schemas.microsoft.com/office/drawing/2014/main" id="{10565730-C380-1F34-E4FF-CEBBCF9F260A}"/>
+              </a:ext>
+            </a:extLst>
+          </p:cNvPr>
+          <p:cNvSpPr/>
+          <p:nvPr/>
+        </p:nvSpPr>
+        <p:spPr>
+          <a:xfrm rot="9313006">
+            <a:off x="7064700" y="4803400"/>
+            <a:ext cx="1298448" cy="272156"/>
+          </a:xfrm>
+          <a:prstGeom prst="rightArrow">
+            <a:avLst/>
+          </a:prstGeom>
+        </p:spPr>
+        <p:style>
+          <a:lnRef idx="2">
+            <a:schemeClr val="accent1">
+              <a:shade val="15000"/>
+            </a:schemeClr>
+          </a:lnRef>
+          <a:fillRef idx="1">
+            <a:schemeClr val="accent1"/>
+          </a:fillRef>
+          <a:effectRef idx="0">
+            <a:schemeClr val="accent1"/>
+          </a:effectRef>
+          <a:fontRef idx="minor">
+            <a:schemeClr val="lt1"/>
+          </a:fontRef>
+        </p:style>
+        <p:txBody>
+          <a:bodyPr rtlCol="0" anchor="ctr"/>
+          <a:lstStyle/>
+          <a:p>
+            <a:pPr algn="ctr"/>
+            <a:endParaRPr lang="en-GB"/>
+          </a:p>
+        </p:txBody>
+      </p:sp>
+    </p:spTree>
+    <p:extLst>
+      <p:ext uri="{BB962C8B-B14F-4D97-AF65-F5344CB8AC3E}">
+        <p14:creationId xmlns:p14="http://schemas.microsoft.com/office/powerpoint/2010/main" val="1794508519"/>
       </p:ext>
     </p:extLst>
   </p:cSld>

--- a/docs/images/rag.pptx
+++ b/docs/images/rag.pptx
@@ -263,7 +263,7 @@
           <a:p>
             <a:fld id="{08D827C3-7CC9-4DFF-841F-1C6E70298E42}" type="datetimeFigureOut">
               <a:rPr lang="en-GB" smtClean="0"/>
-              <a:t>03/12/2024</a:t>
+              <a:t>17/12/2024</a:t>
             </a:fld>
             <a:endParaRPr lang="en-GB"/>
           </a:p>
@@ -463,7 +463,7 @@
           <a:p>
             <a:fld id="{08D827C3-7CC9-4DFF-841F-1C6E70298E42}" type="datetimeFigureOut">
               <a:rPr lang="en-GB" smtClean="0"/>
-              <a:t>03/12/2024</a:t>
+              <a:t>17/12/2024</a:t>
             </a:fld>
             <a:endParaRPr lang="en-GB"/>
           </a:p>
@@ -673,7 +673,7 @@
           <a:p>
             <a:fld id="{08D827C3-7CC9-4DFF-841F-1C6E70298E42}" type="datetimeFigureOut">
               <a:rPr lang="en-GB" smtClean="0"/>
-              <a:t>03/12/2024</a:t>
+              <a:t>17/12/2024</a:t>
             </a:fld>
             <a:endParaRPr lang="en-GB"/>
           </a:p>
@@ -873,7 +873,7 @@
           <a:p>
             <a:fld id="{08D827C3-7CC9-4DFF-841F-1C6E70298E42}" type="datetimeFigureOut">
               <a:rPr lang="en-GB" smtClean="0"/>
-              <a:t>03/12/2024</a:t>
+              <a:t>17/12/2024</a:t>
             </a:fld>
             <a:endParaRPr lang="en-GB"/>
           </a:p>
@@ -1149,7 +1149,7 @@
           <a:p>
             <a:fld id="{08D827C3-7CC9-4DFF-841F-1C6E70298E42}" type="datetimeFigureOut">
               <a:rPr lang="en-GB" smtClean="0"/>
-              <a:t>03/12/2024</a:t>
+              <a:t>17/12/2024</a:t>
             </a:fld>
             <a:endParaRPr lang="en-GB"/>
           </a:p>
@@ -1417,7 +1417,7 @@
           <a:p>
             <a:fld id="{08D827C3-7CC9-4DFF-841F-1C6E70298E42}" type="datetimeFigureOut">
               <a:rPr lang="en-GB" smtClean="0"/>
-              <a:t>03/12/2024</a:t>
+              <a:t>17/12/2024</a:t>
             </a:fld>
             <a:endParaRPr lang="en-GB"/>
           </a:p>
@@ -1832,7 +1832,7 @@
           <a:p>
             <a:fld id="{08D827C3-7CC9-4DFF-841F-1C6E70298E42}" type="datetimeFigureOut">
               <a:rPr lang="en-GB" smtClean="0"/>
-              <a:t>03/12/2024</a:t>
+              <a:t>17/12/2024</a:t>
             </a:fld>
             <a:endParaRPr lang="en-GB"/>
           </a:p>
@@ -1974,7 +1974,7 @@
           <a:p>
             <a:fld id="{08D827C3-7CC9-4DFF-841F-1C6E70298E42}" type="datetimeFigureOut">
               <a:rPr lang="en-GB" smtClean="0"/>
-              <a:t>03/12/2024</a:t>
+              <a:t>17/12/2024</a:t>
             </a:fld>
             <a:endParaRPr lang="en-GB"/>
           </a:p>
@@ -2087,7 +2087,7 @@
           <a:p>
             <a:fld id="{08D827C3-7CC9-4DFF-841F-1C6E70298E42}" type="datetimeFigureOut">
               <a:rPr lang="en-GB" smtClean="0"/>
-              <a:t>03/12/2024</a:t>
+              <a:t>17/12/2024</a:t>
             </a:fld>
             <a:endParaRPr lang="en-GB"/>
           </a:p>
@@ -2400,7 +2400,7 @@
           <a:p>
             <a:fld id="{08D827C3-7CC9-4DFF-841F-1C6E70298E42}" type="datetimeFigureOut">
               <a:rPr lang="en-GB" smtClean="0"/>
-              <a:t>03/12/2024</a:t>
+              <a:t>17/12/2024</a:t>
             </a:fld>
             <a:endParaRPr lang="en-GB"/>
           </a:p>
@@ -2689,7 +2689,7 @@
           <a:p>
             <a:fld id="{08D827C3-7CC9-4DFF-841F-1C6E70298E42}" type="datetimeFigureOut">
               <a:rPr lang="en-GB" smtClean="0"/>
-              <a:t>03/12/2024</a:t>
+              <a:t>17/12/2024</a:t>
             </a:fld>
             <a:endParaRPr lang="en-GB"/>
           </a:p>
@@ -2932,7 +2932,7 @@
           <a:p>
             <a:fld id="{08D827C3-7CC9-4DFF-841F-1C6E70298E42}" type="datetimeFigureOut">
               <a:rPr lang="en-GB" smtClean="0"/>
-              <a:t>03/12/2024</a:t>
+              <a:t>17/12/2024</a:t>
             </a:fld>
             <a:endParaRPr lang="en-GB"/>
           </a:p>
@@ -4853,8 +4853,8 @@
         </p:nvSpPr>
         <p:spPr>
           <a:xfrm>
-            <a:off x="268224" y="138696"/>
-            <a:ext cx="11923776" cy="7109639"/>
+            <a:off x="268224" y="586371"/>
+            <a:ext cx="11923776" cy="6355586"/>
           </a:xfrm>
           <a:prstGeom prst="rect">
             <a:avLst/>
@@ -4875,7 +4875,7 @@
             </a:r>
           </a:p>
           <a:p>
-            <a:endParaRPr lang="en-GB" sz="2400" dirty="0">
+            <a:endParaRPr lang="en-GB" sz="1000" dirty="0">
               <a:latin typeface="Avenir Next LT Pro" panose="020B0504020202020204" pitchFamily="34" charset="0"/>
             </a:endParaRPr>
           </a:p>
@@ -4888,7 +4888,7 @@
             </a:r>
           </a:p>
           <a:p>
-            <a:endParaRPr lang="en-GB" sz="2400" dirty="0">
+            <a:endParaRPr lang="en-GB" sz="1000" dirty="0">
               <a:latin typeface="Avenir Next LT Pro" panose="020B0504020202020204" pitchFamily="34" charset="0"/>
             </a:endParaRPr>
           </a:p>
@@ -4901,7 +4901,7 @@
             </a:r>
           </a:p>
           <a:p>
-            <a:endParaRPr lang="en-GB" sz="2400" dirty="0">
+            <a:endParaRPr lang="en-GB" sz="1100" dirty="0">
               <a:latin typeface="Avenir Next LT Pro" panose="020B0504020202020204" pitchFamily="34" charset="0"/>
             </a:endParaRPr>
           </a:p>
@@ -4914,7 +4914,7 @@
             </a:r>
           </a:p>
           <a:p>
-            <a:endParaRPr lang="en-GB" sz="2400" dirty="0">
+            <a:endParaRPr lang="en-GB" sz="1000" dirty="0">
               <a:latin typeface="Avenir Next LT Pro" panose="020B0504020202020204" pitchFamily="34" charset="0"/>
             </a:endParaRPr>
           </a:p>
@@ -4969,7 +4969,32 @@
             </a:r>
           </a:p>
           <a:p>
-            <a:endParaRPr lang="en-GB" sz="2400" dirty="0">
+            <a:endParaRPr lang="en-GB" sz="1000" dirty="0">
+              <a:latin typeface="Avenir Next LT Pro" panose="020B0504020202020204" pitchFamily="34" charset="0"/>
+            </a:endParaRPr>
+          </a:p>
+          <a:p>
+            <a:r>
+              <a:rPr lang="en-GB" sz="2400" dirty="0">
+                <a:latin typeface="Avenir Next LT Pro" panose="020B0504020202020204" pitchFamily="34" charset="0"/>
+              </a:rPr>
+              <a:t>Use of AI Agents to enable workflows to create and evaluate reports etc. Use of </a:t>
+            </a:r>
+            <a:r>
+              <a:rPr lang="en-GB" sz="2400" dirty="0" err="1">
+                <a:latin typeface="Avenir Next LT Pro" panose="020B0504020202020204" pitchFamily="34" charset="0"/>
+              </a:rPr>
+              <a:t>Langgraph</a:t>
+            </a:r>
+            <a:r>
+              <a:rPr lang="en-GB" sz="2400" dirty="0">
+                <a:latin typeface="Avenir Next LT Pro" panose="020B0504020202020204" pitchFamily="34" charset="0"/>
+              </a:rPr>
+              <a:t> to convert flowchart processes into programmatic code.</a:t>
+            </a:r>
+          </a:p>
+          <a:p>
+            <a:endParaRPr lang="en-GB" sz="1000" dirty="0">
               <a:latin typeface="Avenir Next LT Pro" panose="020B0504020202020204" pitchFamily="34" charset="0"/>
             </a:endParaRPr>
           </a:p>
@@ -4982,29 +5007,9 @@
             </a:r>
           </a:p>
           <a:p>
-            <a:endParaRPr lang="en-GB" sz="2400" dirty="0">
+            <a:endParaRPr lang="en-GB" sz="1000" dirty="0">
               <a:latin typeface="Avenir Next LT Pro" panose="020B0504020202020204" pitchFamily="34" charset="0"/>
             </a:endParaRPr>
-          </a:p>
-          <a:p>
-            <a:r>
-              <a:rPr lang="en-GB" sz="2400" dirty="0">
-                <a:latin typeface="Avenir Next LT Pro" panose="020B0504020202020204" pitchFamily="34" charset="0"/>
-              </a:rPr>
-              <a:t>Use of </a:t>
-            </a:r>
-            <a:r>
-              <a:rPr lang="en-GB" sz="2400" dirty="0" err="1">
-                <a:latin typeface="Avenir Next LT Pro" panose="020B0504020202020204" pitchFamily="34" charset="0"/>
-              </a:rPr>
-              <a:t>Langgraph</a:t>
-            </a:r>
-            <a:r>
-              <a:rPr lang="en-GB" sz="2400" dirty="0">
-                <a:latin typeface="Avenir Next LT Pro" panose="020B0504020202020204" pitchFamily="34" charset="0"/>
-              </a:rPr>
-              <a:t> to convert flowchart processes into programmatic code.</a:t>
-            </a:r>
           </a:p>
           <a:p>
             <a:endParaRPr lang="en-GB" sz="2400" dirty="0">

--- a/docs/images/rag.pptx
+++ b/docs/images/rag.pptx
@@ -263,7 +263,7 @@
           <a:p>
             <a:fld id="{08D827C3-7CC9-4DFF-841F-1C6E70298E42}" type="datetimeFigureOut">
               <a:rPr lang="en-GB" smtClean="0"/>
-              <a:t>17/12/2024</a:t>
+              <a:t>22/12/2024</a:t>
             </a:fld>
             <a:endParaRPr lang="en-GB"/>
           </a:p>
@@ -463,7 +463,7 @@
           <a:p>
             <a:fld id="{08D827C3-7CC9-4DFF-841F-1C6E70298E42}" type="datetimeFigureOut">
               <a:rPr lang="en-GB" smtClean="0"/>
-              <a:t>17/12/2024</a:t>
+              <a:t>22/12/2024</a:t>
             </a:fld>
             <a:endParaRPr lang="en-GB"/>
           </a:p>
@@ -673,7 +673,7 @@
           <a:p>
             <a:fld id="{08D827C3-7CC9-4DFF-841F-1C6E70298E42}" type="datetimeFigureOut">
               <a:rPr lang="en-GB" smtClean="0"/>
-              <a:t>17/12/2024</a:t>
+              <a:t>22/12/2024</a:t>
             </a:fld>
             <a:endParaRPr lang="en-GB"/>
           </a:p>
@@ -873,7 +873,7 @@
           <a:p>
             <a:fld id="{08D827C3-7CC9-4DFF-841F-1C6E70298E42}" type="datetimeFigureOut">
               <a:rPr lang="en-GB" smtClean="0"/>
-              <a:t>17/12/2024</a:t>
+              <a:t>22/12/2024</a:t>
             </a:fld>
             <a:endParaRPr lang="en-GB"/>
           </a:p>
@@ -1149,7 +1149,7 @@
           <a:p>
             <a:fld id="{08D827C3-7CC9-4DFF-841F-1C6E70298E42}" type="datetimeFigureOut">
               <a:rPr lang="en-GB" smtClean="0"/>
-              <a:t>17/12/2024</a:t>
+              <a:t>22/12/2024</a:t>
             </a:fld>
             <a:endParaRPr lang="en-GB"/>
           </a:p>
@@ -1417,7 +1417,7 @@
           <a:p>
             <a:fld id="{08D827C3-7CC9-4DFF-841F-1C6E70298E42}" type="datetimeFigureOut">
               <a:rPr lang="en-GB" smtClean="0"/>
-              <a:t>17/12/2024</a:t>
+              <a:t>22/12/2024</a:t>
             </a:fld>
             <a:endParaRPr lang="en-GB"/>
           </a:p>
@@ -1832,7 +1832,7 @@
           <a:p>
             <a:fld id="{08D827C3-7CC9-4DFF-841F-1C6E70298E42}" type="datetimeFigureOut">
               <a:rPr lang="en-GB" smtClean="0"/>
-              <a:t>17/12/2024</a:t>
+              <a:t>22/12/2024</a:t>
             </a:fld>
             <a:endParaRPr lang="en-GB"/>
           </a:p>
@@ -1974,7 +1974,7 @@
           <a:p>
             <a:fld id="{08D827C3-7CC9-4DFF-841F-1C6E70298E42}" type="datetimeFigureOut">
               <a:rPr lang="en-GB" smtClean="0"/>
-              <a:t>17/12/2024</a:t>
+              <a:t>22/12/2024</a:t>
             </a:fld>
             <a:endParaRPr lang="en-GB"/>
           </a:p>
@@ -2087,7 +2087,7 @@
           <a:p>
             <a:fld id="{08D827C3-7CC9-4DFF-841F-1C6E70298E42}" type="datetimeFigureOut">
               <a:rPr lang="en-GB" smtClean="0"/>
-              <a:t>17/12/2024</a:t>
+              <a:t>22/12/2024</a:t>
             </a:fld>
             <a:endParaRPr lang="en-GB"/>
           </a:p>
@@ -2400,7 +2400,7 @@
           <a:p>
             <a:fld id="{08D827C3-7CC9-4DFF-841F-1C6E70298E42}" type="datetimeFigureOut">
               <a:rPr lang="en-GB" smtClean="0"/>
-              <a:t>17/12/2024</a:t>
+              <a:t>22/12/2024</a:t>
             </a:fld>
             <a:endParaRPr lang="en-GB"/>
           </a:p>
@@ -2689,7 +2689,7 @@
           <a:p>
             <a:fld id="{08D827C3-7CC9-4DFF-841F-1C6E70298E42}" type="datetimeFigureOut">
               <a:rPr lang="en-GB" smtClean="0"/>
-              <a:t>17/12/2024</a:t>
+              <a:t>22/12/2024</a:t>
             </a:fld>
             <a:endParaRPr lang="en-GB"/>
           </a:p>
@@ -2932,7 +2932,7 @@
           <a:p>
             <a:fld id="{08D827C3-7CC9-4DFF-841F-1C6E70298E42}" type="datetimeFigureOut">
               <a:rPr lang="en-GB" smtClean="0"/>
-              <a:t>17/12/2024</a:t>
+              <a:t>22/12/2024</a:t>
             </a:fld>
             <a:endParaRPr lang="en-GB"/>
           </a:p>
@@ -3967,7 +3967,7 @@
           <a:p>
             <a:pPr algn="ctr"/>
             <a:r>
-              <a:rPr lang="en-GB" sz="1200" b="1" dirty="0">
+              <a:rPr lang="en-GB" sz="1200" i="1" dirty="0">
                 <a:solidFill>
                   <a:schemeClr val="tx1"/>
                 </a:solidFill>
@@ -3979,7 +3979,7 @@
           <a:p>
             <a:pPr algn="ctr"/>
             <a:r>
-              <a:rPr lang="en-GB" sz="1200" b="1" dirty="0">
+              <a:rPr lang="en-GB" sz="1200" i="1" dirty="0">
                 <a:solidFill>
                   <a:schemeClr val="tx1"/>
                 </a:solidFill>
@@ -4805,6 +4805,68 @@
                 <a:latin typeface="Avenir Next LT Pro" panose="020B0504020202020204" pitchFamily="34" charset="0"/>
               </a:rPr>
               <a:t>Use LLM to generate a formal response.</a:t>
+            </a:r>
+          </a:p>
+        </p:txBody>
+      </p:sp>
+      <p:sp>
+        <p:nvSpPr>
+          <p:cNvPr id="13" name="Flowchart: Process 12">
+            <a:extLst>
+              <a:ext uri="{FF2B5EF4-FFF2-40B4-BE49-F238E27FC236}">
+                <a16:creationId xmlns:a16="http://schemas.microsoft.com/office/drawing/2014/main" id="{B1561EEF-891D-99AF-6D7E-64AA0B421592}"/>
+              </a:ext>
+            </a:extLst>
+          </p:cNvPr>
+          <p:cNvSpPr/>
+          <p:nvPr/>
+        </p:nvSpPr>
+        <p:spPr>
+          <a:xfrm>
+            <a:off x="2998792" y="81229"/>
+            <a:ext cx="4154483" cy="571500"/>
+          </a:xfrm>
+          <a:prstGeom prst="flowChartProcess">
+            <a:avLst/>
+          </a:prstGeom>
+          <a:solidFill>
+            <a:schemeClr val="tx2">
+              <a:lumMod val="10000"/>
+              <a:lumOff val="90000"/>
+            </a:schemeClr>
+          </a:solidFill>
+        </p:spPr>
+        <p:style>
+          <a:lnRef idx="2">
+            <a:schemeClr val="accent1">
+              <a:shade val="15000"/>
+            </a:schemeClr>
+          </a:lnRef>
+          <a:fillRef idx="1">
+            <a:schemeClr val="accent1"/>
+          </a:fillRef>
+          <a:effectRef idx="0">
+            <a:schemeClr val="accent1"/>
+          </a:effectRef>
+          <a:fontRef idx="minor">
+            <a:schemeClr val="lt1"/>
+          </a:fontRef>
+        </p:style>
+        <p:txBody>
+          <a:bodyPr rtlCol="0" anchor="ctr"/>
+          <a:lstStyle/>
+          <a:p>
+            <a:pPr algn="ctr"/>
+            <a:r>
+              <a:rPr lang="en-GB" sz="2400" b="1" dirty="0">
+                <a:solidFill>
+                  <a:schemeClr val="accent5">
+                    <a:lumMod val="75000"/>
+                  </a:schemeClr>
+                </a:solidFill>
+                <a:latin typeface="Avenir Next LT Pro" panose="020B0504020202020204" pitchFamily="34" charset="0"/>
+              </a:rPr>
+              <a:t>One possible workflow</a:t>
             </a:r>
           </a:p>
         </p:txBody>
@@ -5068,7 +5130,7 @@
         </p:nvSpPr>
         <p:spPr>
           <a:xfrm>
-            <a:off x="3839146" y="2394507"/>
+            <a:off x="2418191" y="1974281"/>
             <a:ext cx="2256854" cy="571500"/>
           </a:xfrm>
           <a:prstGeom prst="flowChartProcess">
@@ -5127,7 +5189,7 @@
         </p:nvSpPr>
         <p:spPr>
           <a:xfrm>
-            <a:off x="3839146" y="754683"/>
+            <a:off x="2414420" y="350690"/>
             <a:ext cx="2248473" cy="571500"/>
           </a:xfrm>
           <a:prstGeom prst="flowChartProcess">
@@ -5186,7 +5248,7 @@
         </p:nvSpPr>
         <p:spPr>
           <a:xfrm>
-            <a:off x="3830763" y="1582977"/>
+            <a:off x="2418191" y="1114941"/>
             <a:ext cx="2256854" cy="571500"/>
           </a:xfrm>
           <a:prstGeom prst="flowChartProcess">
@@ -5245,8 +5307,8 @@
         </p:nvSpPr>
         <p:spPr>
           <a:xfrm>
-            <a:off x="1233222" y="1276855"/>
-            <a:ext cx="1652650" cy="1309317"/>
+            <a:off x="356616" y="353296"/>
+            <a:ext cx="1740660" cy="3075704"/>
           </a:xfrm>
           <a:prstGeom prst="roundRect">
             <a:avLst/>
@@ -5279,13 +5341,37 @@
           <a:p>
             <a:pPr algn="ctr"/>
             <a:r>
-              <a:rPr lang="en-GB" b="1" dirty="0">
+              <a:rPr lang="en-GB" dirty="0">
                 <a:solidFill>
                   <a:schemeClr val="tx1"/>
                 </a:solidFill>
                 <a:latin typeface="Avenir Next LT Pro" panose="020B0504020202020204" pitchFamily="34" charset="0"/>
               </a:rPr>
-              <a:t>PDFs, Word, Excel, PowerPoint</a:t>
+              <a:t>PDFs, Word, Excel, PowerPoint, Audio and Video</a:t>
+            </a:r>
+          </a:p>
+          <a:p>
+            <a:pPr algn="ctr"/>
+            <a:r>
+              <a:rPr lang="en-GB" sz="1400" b="1" i="1" dirty="0">
+                <a:solidFill>
+                  <a:schemeClr val="tx1"/>
+                </a:solidFill>
+                <a:latin typeface="Avenir Next LT Pro" panose="020B0504020202020204" pitchFamily="34" charset="0"/>
+              </a:rPr>
+              <a:t>Use</a:t>
+            </a:r>
+          </a:p>
+          <a:p>
+            <a:pPr algn="ctr"/>
+            <a:r>
+              <a:rPr lang="en-GB" sz="1400" b="1" i="1" dirty="0">
+                <a:solidFill>
+                  <a:schemeClr val="tx1"/>
+                </a:solidFill>
+                <a:latin typeface="Avenir Next LT Pro" panose="020B0504020202020204" pitchFamily="34" charset="0"/>
+              </a:rPr>
+              <a:t>Unstructured.io for all docs</a:t>
             </a:r>
           </a:p>
         </p:txBody>
@@ -5304,8 +5390,8 @@
         </p:nvSpPr>
         <p:spPr>
           <a:xfrm>
-            <a:off x="8426157" y="878324"/>
-            <a:ext cx="3616850" cy="2148153"/>
+            <a:off x="9483839" y="516930"/>
+            <a:ext cx="2132811" cy="1417059"/>
           </a:xfrm>
           <a:prstGeom prst="roundRect">
             <a:avLst/>
@@ -5337,41 +5423,362 @@
           <a:lstStyle/>
           <a:p>
             <a:r>
+              <a:rPr lang="en-GB" sz="1400" dirty="0">
+                <a:solidFill>
+                  <a:schemeClr val="tx1"/>
+                </a:solidFill>
+                <a:latin typeface="Avenir Next LT Pro" panose="020B0504020202020204" pitchFamily="34" charset="0"/>
+              </a:rPr>
+              <a:t>Stored in DB and VECTORIZED along with NAMED ENTITIES as tags.</a:t>
+            </a:r>
+          </a:p>
+        </p:txBody>
+      </p:sp>
+      <p:sp>
+        <p:nvSpPr>
+          <p:cNvPr id="17" name="Rectangle: Rounded Corners 16">
+            <a:extLst>
+              <a:ext uri="{FF2B5EF4-FFF2-40B4-BE49-F238E27FC236}">
+                <a16:creationId xmlns:a16="http://schemas.microsoft.com/office/drawing/2014/main" id="{3E5BC5B4-210E-3FEA-EA50-964DA31595D9}"/>
+              </a:ext>
+            </a:extLst>
+          </p:cNvPr>
+          <p:cNvSpPr/>
+          <p:nvPr/>
+        </p:nvSpPr>
+        <p:spPr>
+          <a:xfrm>
+            <a:off x="9129975" y="3032594"/>
+            <a:ext cx="2895600" cy="1156428"/>
+          </a:xfrm>
+          <a:prstGeom prst="roundRect">
+            <a:avLst/>
+          </a:prstGeom>
+          <a:solidFill>
+            <a:schemeClr val="bg1">
+              <a:lumMod val="85000"/>
+            </a:schemeClr>
+          </a:solidFill>
+        </p:spPr>
+        <p:style>
+          <a:lnRef idx="2">
+            <a:schemeClr val="accent1">
+              <a:shade val="15000"/>
+            </a:schemeClr>
+          </a:lnRef>
+          <a:fillRef idx="1">
+            <a:schemeClr val="accent1"/>
+          </a:fillRef>
+          <a:effectRef idx="0">
+            <a:schemeClr val="accent1"/>
+          </a:effectRef>
+          <a:fontRef idx="minor">
+            <a:schemeClr val="lt1"/>
+          </a:fontRef>
+        </p:style>
+        <p:txBody>
+          <a:bodyPr rtlCol="0" anchor="ctr"/>
+          <a:lstStyle/>
+          <a:p>
+            <a:r>
+              <a:rPr lang="en-GB" sz="1600" dirty="0">
+                <a:solidFill>
+                  <a:schemeClr val="tx1"/>
+                </a:solidFill>
+                <a:latin typeface="Avenir Next LT Pro" panose="020B0504020202020204" pitchFamily="34" charset="0"/>
+              </a:rPr>
+              <a:t>Traditional (keyword) and Semantic search along with Graph analysis (emerging technique</a:t>
+            </a:r>
+          </a:p>
+        </p:txBody>
+      </p:sp>
+      <p:sp>
+        <p:nvSpPr>
+          <p:cNvPr id="20" name="Arrow: Right 19">
+            <a:extLst>
+              <a:ext uri="{FF2B5EF4-FFF2-40B4-BE49-F238E27FC236}">
+                <a16:creationId xmlns:a16="http://schemas.microsoft.com/office/drawing/2014/main" id="{69D0E256-D729-AE39-2567-C58070B7A5A9}"/>
+              </a:ext>
+            </a:extLst>
+          </p:cNvPr>
+          <p:cNvSpPr/>
+          <p:nvPr/>
+        </p:nvSpPr>
+        <p:spPr>
+          <a:xfrm>
+            <a:off x="4675044" y="1289108"/>
+            <a:ext cx="1291623" cy="265176"/>
+          </a:xfrm>
+          <a:prstGeom prst="rightArrow">
+            <a:avLst/>
+          </a:prstGeom>
+          <a:solidFill>
+            <a:schemeClr val="accent3">
+              <a:lumMod val="20000"/>
+              <a:lumOff val="80000"/>
+            </a:schemeClr>
+          </a:solidFill>
+        </p:spPr>
+        <p:style>
+          <a:lnRef idx="2">
+            <a:schemeClr val="accent1">
+              <a:shade val="15000"/>
+            </a:schemeClr>
+          </a:lnRef>
+          <a:fillRef idx="1">
+            <a:schemeClr val="accent1"/>
+          </a:fillRef>
+          <a:effectRef idx="0">
+            <a:schemeClr val="accent1"/>
+          </a:effectRef>
+          <a:fontRef idx="minor">
+            <a:schemeClr val="lt1"/>
+          </a:fontRef>
+        </p:style>
+        <p:txBody>
+          <a:bodyPr rtlCol="0" anchor="ctr"/>
+          <a:lstStyle/>
+          <a:p>
+            <a:pPr algn="ctr"/>
+            <a:endParaRPr lang="en-GB"/>
+          </a:p>
+        </p:txBody>
+      </p:sp>
+      <p:sp>
+        <p:nvSpPr>
+          <p:cNvPr id="24" name="Flowchart: Process 23">
+            <a:extLst>
+              <a:ext uri="{FF2B5EF4-FFF2-40B4-BE49-F238E27FC236}">
+                <a16:creationId xmlns:a16="http://schemas.microsoft.com/office/drawing/2014/main" id="{667EE7C8-D3D2-4D9C-9520-72BC106D6BCB}"/>
+              </a:ext>
+            </a:extLst>
+          </p:cNvPr>
+          <p:cNvSpPr/>
+          <p:nvPr/>
+        </p:nvSpPr>
+        <p:spPr>
+          <a:xfrm>
+            <a:off x="5955409" y="1031143"/>
+            <a:ext cx="2665797" cy="2280734"/>
+          </a:xfrm>
+          <a:prstGeom prst="flowChartProcess">
+            <a:avLst/>
+          </a:prstGeom>
+          <a:solidFill>
+            <a:schemeClr val="bg1">
+              <a:lumMod val="85000"/>
+            </a:schemeClr>
+          </a:solidFill>
+        </p:spPr>
+        <p:style>
+          <a:lnRef idx="2">
+            <a:schemeClr val="accent1">
+              <a:shade val="15000"/>
+            </a:schemeClr>
+          </a:lnRef>
+          <a:fillRef idx="1">
+            <a:schemeClr val="accent1"/>
+          </a:fillRef>
+          <a:effectRef idx="0">
+            <a:schemeClr val="accent1"/>
+          </a:effectRef>
+          <a:fontRef idx="minor">
+            <a:schemeClr val="lt1"/>
+          </a:fontRef>
+        </p:style>
+        <p:txBody>
+          <a:bodyPr rtlCol="0" anchor="ctr"/>
+          <a:lstStyle/>
+          <a:p>
+            <a:pPr algn="ctr"/>
+            <a:r>
+              <a:rPr lang="en-GB" dirty="0">
+                <a:solidFill>
+                  <a:schemeClr val="tx1"/>
+                </a:solidFill>
+                <a:latin typeface="Avenir Next LT Pro" panose="020B0504020202020204" pitchFamily="34" charset="0"/>
+              </a:rPr>
+              <a:t>Run through another specialist LLM to generate final text summarising tables and images. Further operations also possible</a:t>
+            </a:r>
+          </a:p>
+        </p:txBody>
+      </p:sp>
+      <p:sp>
+        <p:nvSpPr>
+          <p:cNvPr id="35" name="Arrow: Right 34">
+            <a:extLst>
+              <a:ext uri="{FF2B5EF4-FFF2-40B4-BE49-F238E27FC236}">
+                <a16:creationId xmlns:a16="http://schemas.microsoft.com/office/drawing/2014/main" id="{C758E2E0-4A48-9742-39D4-36122E4A7838}"/>
+              </a:ext>
+            </a:extLst>
+          </p:cNvPr>
+          <p:cNvSpPr/>
+          <p:nvPr/>
+        </p:nvSpPr>
+        <p:spPr>
+          <a:xfrm>
+            <a:off x="4666877" y="516930"/>
+            <a:ext cx="4629523" cy="392474"/>
+          </a:xfrm>
+          <a:prstGeom prst="rightArrow">
+            <a:avLst/>
+          </a:prstGeom>
+          <a:solidFill>
+            <a:schemeClr val="accent3">
+              <a:lumMod val="20000"/>
+              <a:lumOff val="80000"/>
+            </a:schemeClr>
+          </a:solidFill>
+        </p:spPr>
+        <p:style>
+          <a:lnRef idx="2">
+            <a:schemeClr val="accent1">
+              <a:shade val="15000"/>
+            </a:schemeClr>
+          </a:lnRef>
+          <a:fillRef idx="1">
+            <a:schemeClr val="accent1"/>
+          </a:fillRef>
+          <a:effectRef idx="0">
+            <a:schemeClr val="accent1"/>
+          </a:effectRef>
+          <a:fontRef idx="minor">
+            <a:schemeClr val="lt1"/>
+          </a:fontRef>
+        </p:style>
+        <p:txBody>
+          <a:bodyPr rtlCol="0" anchor="ctr"/>
+          <a:lstStyle/>
+          <a:p>
+            <a:pPr algn="ctr"/>
+            <a:endParaRPr lang="en-GB"/>
+          </a:p>
+        </p:txBody>
+      </p:sp>
+      <p:sp>
+        <p:nvSpPr>
+          <p:cNvPr id="36" name="Arrow: Right 35">
+            <a:extLst>
+              <a:ext uri="{FF2B5EF4-FFF2-40B4-BE49-F238E27FC236}">
+                <a16:creationId xmlns:a16="http://schemas.microsoft.com/office/drawing/2014/main" id="{01DAFCD4-ACFF-F451-BCA3-2ADB3F79ABE4}"/>
+              </a:ext>
+            </a:extLst>
+          </p:cNvPr>
+          <p:cNvSpPr/>
+          <p:nvPr/>
+        </p:nvSpPr>
+        <p:spPr>
+          <a:xfrm rot="19756657">
+            <a:off x="4618619" y="2709351"/>
+            <a:ext cx="1360773" cy="265176"/>
+          </a:xfrm>
+          <a:prstGeom prst="rightArrow">
+            <a:avLst/>
+          </a:prstGeom>
+          <a:solidFill>
+            <a:schemeClr val="accent3">
+              <a:lumMod val="20000"/>
+              <a:lumOff val="80000"/>
+            </a:schemeClr>
+          </a:solidFill>
+        </p:spPr>
+        <p:style>
+          <a:lnRef idx="2">
+            <a:schemeClr val="accent1">
+              <a:shade val="15000"/>
+            </a:schemeClr>
+          </a:lnRef>
+          <a:fillRef idx="1">
+            <a:schemeClr val="accent1"/>
+          </a:fillRef>
+          <a:effectRef idx="0">
+            <a:schemeClr val="accent1"/>
+          </a:effectRef>
+          <a:fontRef idx="minor">
+            <a:schemeClr val="lt1"/>
+          </a:fontRef>
+        </p:style>
+        <p:txBody>
+          <a:bodyPr rtlCol="0" anchor="ctr"/>
+          <a:lstStyle/>
+          <a:p>
+            <a:pPr algn="ctr"/>
+            <a:endParaRPr lang="en-GB"/>
+          </a:p>
+        </p:txBody>
+      </p:sp>
+      <p:sp>
+        <p:nvSpPr>
+          <p:cNvPr id="39" name="Rectangle: Rounded Corners 38">
+            <a:extLst>
+              <a:ext uri="{FF2B5EF4-FFF2-40B4-BE49-F238E27FC236}">
+                <a16:creationId xmlns:a16="http://schemas.microsoft.com/office/drawing/2014/main" id="{4681A776-AC61-6B70-0DD7-92EE7744BCE0}"/>
+              </a:ext>
+            </a:extLst>
+          </p:cNvPr>
+          <p:cNvSpPr/>
+          <p:nvPr/>
+        </p:nvSpPr>
+        <p:spPr>
+          <a:xfrm>
+            <a:off x="770465" y="3865282"/>
+            <a:ext cx="5649385" cy="2351518"/>
+          </a:xfrm>
+          <a:prstGeom prst="roundRect">
+            <a:avLst/>
+          </a:prstGeom>
+          <a:solidFill>
+            <a:schemeClr val="bg1">
+              <a:lumMod val="85000"/>
+            </a:schemeClr>
+          </a:solidFill>
+        </p:spPr>
+        <p:style>
+          <a:lnRef idx="2">
+            <a:schemeClr val="accent1">
+              <a:shade val="15000"/>
+            </a:schemeClr>
+          </a:lnRef>
+          <a:fillRef idx="1">
+            <a:schemeClr val="accent1"/>
+          </a:fillRef>
+          <a:effectRef idx="0">
+            <a:schemeClr val="accent1"/>
+          </a:effectRef>
+          <a:fontRef idx="minor">
+            <a:schemeClr val="lt1"/>
+          </a:fontRef>
+        </p:style>
+        <p:txBody>
+          <a:bodyPr rtlCol="0" anchor="ctr"/>
+          <a:lstStyle/>
+          <a:p>
+            <a:r>
               <a:rPr lang="en-GB" sz="2000" dirty="0">
                 <a:solidFill>
                   <a:schemeClr val="tx1"/>
                 </a:solidFill>
                 <a:latin typeface="Avenir Next LT Pro" panose="020B0504020202020204" pitchFamily="34" charset="0"/>
               </a:rPr>
-              <a:t>Stored in DB and vectorised with Named Entities and Tokens </a:t>
-            </a:r>
-            <a:r>
-              <a:rPr lang="en-GB" sz="2000" dirty="0" err="1">
-                <a:solidFill>
-                  <a:schemeClr val="tx1"/>
-                </a:solidFill>
-                <a:latin typeface="Avenir Next LT Pro" panose="020B0504020202020204" pitchFamily="34" charset="0"/>
-              </a:rPr>
-              <a:t>storesd</a:t>
-            </a:r>
-            <a:r>
-              <a:rPr lang="en-GB" sz="2000" dirty="0">
-                <a:solidFill>
-                  <a:schemeClr val="tx1"/>
-                </a:solidFill>
-                <a:latin typeface="Avenir Next LT Pro" panose="020B0504020202020204" pitchFamily="34" charset="0"/>
-              </a:rPr>
-              <a:t> as tags.</a:t>
-            </a:r>
-          </a:p>
-        </p:txBody>
-      </p:sp>
-      <p:sp>
-        <p:nvSpPr>
-          <p:cNvPr id="13" name="Rectangle: Rounded Corners 12">
-            <a:extLst>
-              <a:ext uri="{FF2B5EF4-FFF2-40B4-BE49-F238E27FC236}">
-                <a16:creationId xmlns:a16="http://schemas.microsoft.com/office/drawing/2014/main" id="{F18CA6F4-B8F1-C583-AE55-55C040D8B9EB}"/>
+              <a:t>When a user runs a query, the user can rate and provide feedback. These are CACHED results that can be used as responses to future queries or part of the retrieved content for cached and newly generated responses.</a:t>
+            </a:r>
+          </a:p>
+          <a:p>
+            <a:endParaRPr lang="en-GB" sz="1400" dirty="0">
+              <a:solidFill>
+                <a:schemeClr val="tx1"/>
+              </a:solidFill>
+              <a:latin typeface="Avenir Next LT Pro" panose="020B0504020202020204" pitchFamily="34" charset="0"/>
+            </a:endParaRPr>
+          </a:p>
+        </p:txBody>
+      </p:sp>
+      <p:sp>
+        <p:nvSpPr>
+          <p:cNvPr id="40" name="Arrow: Right 39">
+            <a:extLst>
+              <a:ext uri="{FF2B5EF4-FFF2-40B4-BE49-F238E27FC236}">
+                <a16:creationId xmlns:a16="http://schemas.microsoft.com/office/drawing/2014/main" id="{D0B05F06-CA12-1855-CCA9-78E04369C03D}"/>
               </a:ext>
             </a:extLst>
           </p:cNvPr>
@@ -5379,11 +5786,118 @@
           <p:nvPr/>
         </p:nvSpPr>
         <p:spPr>
+          <a:xfrm rot="5400000">
+            <a:off x="10034829" y="2337557"/>
+            <a:ext cx="951745" cy="272156"/>
+          </a:xfrm>
+          <a:prstGeom prst="rightArrow">
+            <a:avLst>
+              <a:gd name="adj1" fmla="val 100000"/>
+              <a:gd name="adj2" fmla="val 50000"/>
+            </a:avLst>
+          </a:prstGeom>
+          <a:solidFill>
+            <a:schemeClr val="accent3">
+              <a:lumMod val="20000"/>
+              <a:lumOff val="80000"/>
+            </a:schemeClr>
+          </a:solidFill>
+        </p:spPr>
+        <p:style>
+          <a:lnRef idx="2">
+            <a:schemeClr val="accent1">
+              <a:shade val="15000"/>
+            </a:schemeClr>
+          </a:lnRef>
+          <a:fillRef idx="1">
+            <a:schemeClr val="accent1"/>
+          </a:fillRef>
+          <a:effectRef idx="0">
+            <a:schemeClr val="accent1"/>
+          </a:effectRef>
+          <a:fontRef idx="minor">
+            <a:schemeClr val="lt1"/>
+          </a:fontRef>
+        </p:style>
+        <p:txBody>
+          <a:bodyPr rtlCol="0" anchor="ctr"/>
+          <a:lstStyle/>
+          <a:p>
+            <a:pPr algn="ctr"/>
+            <a:endParaRPr lang="en-GB"/>
+          </a:p>
+        </p:txBody>
+      </p:sp>
+      <p:sp>
+        <p:nvSpPr>
+          <p:cNvPr id="2" name="Arrow: Right 1">
+            <a:extLst>
+              <a:ext uri="{FF2B5EF4-FFF2-40B4-BE49-F238E27FC236}">
+                <a16:creationId xmlns:a16="http://schemas.microsoft.com/office/drawing/2014/main" id="{A98BC3F4-CA50-CBA3-813C-037C33198752}"/>
+              </a:ext>
+            </a:extLst>
+          </p:cNvPr>
+          <p:cNvSpPr/>
+          <p:nvPr/>
+        </p:nvSpPr>
+        <p:spPr>
           <a:xfrm>
-            <a:off x="1233222" y="3087602"/>
-            <a:ext cx="1637994" cy="947345"/>
-          </a:xfrm>
-          <a:prstGeom prst="roundRect">
+            <a:off x="4701953" y="2066133"/>
+            <a:ext cx="1136782" cy="265176"/>
+          </a:xfrm>
+          <a:prstGeom prst="rightArrow">
+            <a:avLst/>
+          </a:prstGeom>
+          <a:solidFill>
+            <a:schemeClr val="accent3">
+              <a:lumMod val="20000"/>
+              <a:lumOff val="80000"/>
+            </a:schemeClr>
+          </a:solidFill>
+        </p:spPr>
+        <p:style>
+          <a:lnRef idx="2">
+            <a:schemeClr val="accent1">
+              <a:shade val="15000"/>
+            </a:schemeClr>
+          </a:lnRef>
+          <a:fillRef idx="1">
+            <a:schemeClr val="accent1"/>
+          </a:fillRef>
+          <a:effectRef idx="0">
+            <a:schemeClr val="accent1"/>
+          </a:effectRef>
+          <a:fontRef idx="minor">
+            <a:schemeClr val="lt1"/>
+          </a:fontRef>
+        </p:style>
+        <p:txBody>
+          <a:bodyPr rtlCol="0" anchor="ctr"/>
+          <a:lstStyle/>
+          <a:p>
+            <a:pPr algn="ctr"/>
+            <a:endParaRPr lang="en-GB"/>
+          </a:p>
+        </p:txBody>
+      </p:sp>
+      <p:sp>
+        <p:nvSpPr>
+          <p:cNvPr id="3" name="Flowchart: Process 2">
+            <a:extLst>
+              <a:ext uri="{FF2B5EF4-FFF2-40B4-BE49-F238E27FC236}">
+                <a16:creationId xmlns:a16="http://schemas.microsoft.com/office/drawing/2014/main" id="{CF879B09-109B-C059-F85F-964FFE4849A1}"/>
+              </a:ext>
+            </a:extLst>
+          </p:cNvPr>
+          <p:cNvSpPr/>
+          <p:nvPr/>
+        </p:nvSpPr>
+        <p:spPr>
+          <a:xfrm>
+            <a:off x="2414420" y="2805779"/>
+            <a:ext cx="2256854" cy="571500"/>
+          </a:xfrm>
+          <a:prstGeom prst="flowChartProcess">
             <a:avLst/>
           </a:prstGeom>
           <a:solidFill>
@@ -5414,7 +5928,7 @@
           <a:p>
             <a:pPr algn="ctr"/>
             <a:r>
-              <a:rPr lang="en-GB" b="1" dirty="0">
+              <a:rPr lang="en-GB" dirty="0">
                 <a:solidFill>
                   <a:schemeClr val="tx1"/>
                 </a:solidFill>
@@ -5427,10 +5941,10 @@
       </p:sp>
       <p:sp>
         <p:nvSpPr>
-          <p:cNvPr id="15" name="Flowchart: Process 14">
-            <a:extLst>
-              <a:ext uri="{FF2B5EF4-FFF2-40B4-BE49-F238E27FC236}">
-                <a16:creationId xmlns:a16="http://schemas.microsoft.com/office/drawing/2014/main" id="{E9322216-ACE2-6202-56CF-D2E7ED4C3B34}"/>
+          <p:cNvPr id="4" name="Arrow: Right 3">
+            <a:extLst>
+              <a:ext uri="{FF2B5EF4-FFF2-40B4-BE49-F238E27FC236}">
+                <a16:creationId xmlns:a16="http://schemas.microsoft.com/office/drawing/2014/main" id="{9C7BC4FC-A6AB-8ADD-72BE-9A63978EF717}"/>
               </a:ext>
             </a:extLst>
           </p:cNvPr>
@@ -5438,689 +5952,19 @@
           <p:nvPr/>
         </p:nvSpPr>
         <p:spPr>
-          <a:xfrm>
-            <a:off x="3847527" y="3275525"/>
-            <a:ext cx="2248473" cy="571500"/>
-          </a:xfrm>
-          <a:prstGeom prst="flowChartProcess">
+          <a:xfrm rot="19023248">
+            <a:off x="8626657" y="1152213"/>
+            <a:ext cx="885508" cy="265176"/>
+          </a:xfrm>
+          <a:prstGeom prst="rightArrow">
             <a:avLst/>
           </a:prstGeom>
           <a:solidFill>
-            <a:schemeClr val="bg1">
-              <a:lumMod val="85000"/>
+            <a:schemeClr val="accent3">
+              <a:lumMod val="20000"/>
+              <a:lumOff val="80000"/>
             </a:schemeClr>
           </a:solidFill>
-        </p:spPr>
-        <p:style>
-          <a:lnRef idx="2">
-            <a:schemeClr val="accent1">
-              <a:shade val="15000"/>
-            </a:schemeClr>
-          </a:lnRef>
-          <a:fillRef idx="1">
-            <a:schemeClr val="accent1"/>
-          </a:fillRef>
-          <a:effectRef idx="0">
-            <a:schemeClr val="accent1"/>
-          </a:effectRef>
-          <a:fontRef idx="minor">
-            <a:schemeClr val="lt1"/>
-          </a:fontRef>
-        </p:style>
-        <p:txBody>
-          <a:bodyPr rtlCol="0" anchor="ctr"/>
-          <a:lstStyle/>
-          <a:p>
-            <a:pPr algn="ctr"/>
-            <a:r>
-              <a:rPr lang="en-GB" dirty="0">
-                <a:solidFill>
-                  <a:schemeClr val="tx1"/>
-                </a:solidFill>
-                <a:latin typeface="Avenir Next LT Pro" panose="020B0504020202020204" pitchFamily="34" charset="0"/>
-              </a:rPr>
-              <a:t>Text</a:t>
-            </a:r>
-          </a:p>
-        </p:txBody>
-      </p:sp>
-      <p:sp>
-        <p:nvSpPr>
-          <p:cNvPr id="17" name="Rectangle: Rounded Corners 16">
-            <a:extLst>
-              <a:ext uri="{FF2B5EF4-FFF2-40B4-BE49-F238E27FC236}">
-                <a16:creationId xmlns:a16="http://schemas.microsoft.com/office/drawing/2014/main" id="{3E5BC5B4-210E-3FEA-EA50-964DA31595D9}"/>
-              </a:ext>
-            </a:extLst>
-          </p:cNvPr>
-          <p:cNvSpPr/>
-          <p:nvPr/>
-        </p:nvSpPr>
-        <p:spPr>
-          <a:xfrm>
-            <a:off x="8429969" y="3503183"/>
-            <a:ext cx="3616850" cy="2148153"/>
-          </a:xfrm>
-          <a:prstGeom prst="roundRect">
-            <a:avLst/>
-          </a:prstGeom>
-          <a:solidFill>
-            <a:schemeClr val="bg1">
-              <a:lumMod val="85000"/>
-            </a:schemeClr>
-          </a:solidFill>
-        </p:spPr>
-        <p:style>
-          <a:lnRef idx="2">
-            <a:schemeClr val="accent1">
-              <a:shade val="15000"/>
-            </a:schemeClr>
-          </a:lnRef>
-          <a:fillRef idx="1">
-            <a:schemeClr val="accent1"/>
-          </a:fillRef>
-          <a:effectRef idx="0">
-            <a:schemeClr val="accent1"/>
-          </a:effectRef>
-          <a:fontRef idx="minor">
-            <a:schemeClr val="lt1"/>
-          </a:fontRef>
-        </p:style>
-        <p:txBody>
-          <a:bodyPr rtlCol="0" anchor="ctr"/>
-          <a:lstStyle/>
-          <a:p>
-            <a:r>
-              <a:rPr lang="en-GB" sz="2400" dirty="0">
-                <a:solidFill>
-                  <a:schemeClr val="tx1"/>
-                </a:solidFill>
-                <a:latin typeface="Avenir Next LT Pro" panose="020B0504020202020204" pitchFamily="34" charset="0"/>
-              </a:rPr>
-              <a:t>Traditional (keyword) and Semantic search along with Graph analysis</a:t>
-            </a:r>
-          </a:p>
-        </p:txBody>
-      </p:sp>
-      <p:sp>
-        <p:nvSpPr>
-          <p:cNvPr id="18" name="Arrow: Right 17">
-            <a:extLst>
-              <a:ext uri="{FF2B5EF4-FFF2-40B4-BE49-F238E27FC236}">
-                <a16:creationId xmlns:a16="http://schemas.microsoft.com/office/drawing/2014/main" id="{A1CB7FF9-B125-3C8D-29C1-3A5E908D8AD2}"/>
-              </a:ext>
-            </a:extLst>
-          </p:cNvPr>
-          <p:cNvSpPr/>
-          <p:nvPr/>
-        </p:nvSpPr>
-        <p:spPr>
-          <a:xfrm>
-            <a:off x="2871216" y="3429000"/>
-            <a:ext cx="1298448" cy="265176"/>
-          </a:xfrm>
-          <a:prstGeom prst="rightArrow">
-            <a:avLst/>
-          </a:prstGeom>
-        </p:spPr>
-        <p:style>
-          <a:lnRef idx="2">
-            <a:schemeClr val="accent1">
-              <a:shade val="15000"/>
-            </a:schemeClr>
-          </a:lnRef>
-          <a:fillRef idx="1">
-            <a:schemeClr val="accent1"/>
-          </a:fillRef>
-          <a:effectRef idx="0">
-            <a:schemeClr val="accent1"/>
-          </a:effectRef>
-          <a:fontRef idx="minor">
-            <a:schemeClr val="lt1"/>
-          </a:fontRef>
-        </p:style>
-        <p:txBody>
-          <a:bodyPr rtlCol="0" anchor="ctr"/>
-          <a:lstStyle/>
-          <a:p>
-            <a:pPr algn="ctr"/>
-            <a:endParaRPr lang="en-GB"/>
-          </a:p>
-        </p:txBody>
-      </p:sp>
-      <p:sp>
-        <p:nvSpPr>
-          <p:cNvPr id="20" name="Arrow: Right 19">
-            <a:extLst>
-              <a:ext uri="{FF2B5EF4-FFF2-40B4-BE49-F238E27FC236}">
-                <a16:creationId xmlns:a16="http://schemas.microsoft.com/office/drawing/2014/main" id="{69D0E256-D729-AE39-2567-C58070B7A5A9}"/>
-              </a:ext>
-            </a:extLst>
-          </p:cNvPr>
-          <p:cNvSpPr/>
-          <p:nvPr/>
-        </p:nvSpPr>
-        <p:spPr>
-          <a:xfrm>
-            <a:off x="2977896" y="1819813"/>
-            <a:ext cx="1298448" cy="265176"/>
-          </a:xfrm>
-          <a:prstGeom prst="rightArrow">
-            <a:avLst/>
-          </a:prstGeom>
-        </p:spPr>
-        <p:style>
-          <a:lnRef idx="2">
-            <a:schemeClr val="accent1">
-              <a:shade val="15000"/>
-            </a:schemeClr>
-          </a:lnRef>
-          <a:fillRef idx="1">
-            <a:schemeClr val="accent1"/>
-          </a:fillRef>
-          <a:effectRef idx="0">
-            <a:schemeClr val="accent1"/>
-          </a:effectRef>
-          <a:fontRef idx="minor">
-            <a:schemeClr val="lt1"/>
-          </a:fontRef>
-        </p:style>
-        <p:txBody>
-          <a:bodyPr rtlCol="0" anchor="ctr"/>
-          <a:lstStyle/>
-          <a:p>
-            <a:pPr algn="ctr"/>
-            <a:endParaRPr lang="en-GB"/>
-          </a:p>
-        </p:txBody>
-      </p:sp>
-      <p:sp>
-        <p:nvSpPr>
-          <p:cNvPr id="24" name="Flowchart: Process 23">
-            <a:extLst>
-              <a:ext uri="{FF2B5EF4-FFF2-40B4-BE49-F238E27FC236}">
-                <a16:creationId xmlns:a16="http://schemas.microsoft.com/office/drawing/2014/main" id="{667EE7C8-D3D2-4D9C-9520-72BC106D6BCB}"/>
-              </a:ext>
-            </a:extLst>
-          </p:cNvPr>
-          <p:cNvSpPr/>
-          <p:nvPr/>
-        </p:nvSpPr>
-        <p:spPr>
-          <a:xfrm>
-            <a:off x="6965632" y="1582977"/>
-            <a:ext cx="1224428" cy="571500"/>
-          </a:xfrm>
-          <a:prstGeom prst="flowChartProcess">
-            <a:avLst/>
-          </a:prstGeom>
-          <a:solidFill>
-            <a:schemeClr val="bg1">
-              <a:lumMod val="85000"/>
-            </a:schemeClr>
-          </a:solidFill>
-        </p:spPr>
-        <p:style>
-          <a:lnRef idx="2">
-            <a:schemeClr val="accent1">
-              <a:shade val="15000"/>
-            </a:schemeClr>
-          </a:lnRef>
-          <a:fillRef idx="1">
-            <a:schemeClr val="accent1"/>
-          </a:fillRef>
-          <a:effectRef idx="0">
-            <a:schemeClr val="accent1"/>
-          </a:effectRef>
-          <a:fontRef idx="minor">
-            <a:schemeClr val="lt1"/>
-          </a:fontRef>
-        </p:style>
-        <p:txBody>
-          <a:bodyPr rtlCol="0" anchor="ctr"/>
-          <a:lstStyle/>
-          <a:p>
-            <a:pPr algn="ctr"/>
-            <a:r>
-              <a:rPr lang="en-GB" dirty="0">
-                <a:solidFill>
-                  <a:schemeClr val="tx1"/>
-                </a:solidFill>
-                <a:latin typeface="Avenir Next LT Pro" panose="020B0504020202020204" pitchFamily="34" charset="0"/>
-              </a:rPr>
-              <a:t>Text</a:t>
-            </a:r>
-          </a:p>
-        </p:txBody>
-      </p:sp>
-      <p:sp>
-        <p:nvSpPr>
-          <p:cNvPr id="25" name="Arrow: Right 24">
-            <a:extLst>
-              <a:ext uri="{FF2B5EF4-FFF2-40B4-BE49-F238E27FC236}">
-                <a16:creationId xmlns:a16="http://schemas.microsoft.com/office/drawing/2014/main" id="{7294C7EA-BAAB-2E3E-D031-4BF91255BF23}"/>
-              </a:ext>
-            </a:extLst>
-          </p:cNvPr>
-          <p:cNvSpPr/>
-          <p:nvPr/>
-        </p:nvSpPr>
-        <p:spPr>
-          <a:xfrm>
-            <a:off x="5540670" y="1763639"/>
-            <a:ext cx="1409498" cy="265176"/>
-          </a:xfrm>
-          <a:prstGeom prst="rightArrow">
-            <a:avLst/>
-          </a:prstGeom>
-        </p:spPr>
-        <p:style>
-          <a:lnRef idx="2">
-            <a:schemeClr val="accent1">
-              <a:shade val="15000"/>
-            </a:schemeClr>
-          </a:lnRef>
-          <a:fillRef idx="1">
-            <a:schemeClr val="accent1"/>
-          </a:fillRef>
-          <a:effectRef idx="0">
-            <a:schemeClr val="accent1"/>
-          </a:effectRef>
-          <a:fontRef idx="minor">
-            <a:schemeClr val="lt1"/>
-          </a:fontRef>
-        </p:style>
-        <p:txBody>
-          <a:bodyPr rtlCol="0" anchor="ctr"/>
-          <a:lstStyle/>
-          <a:p>
-            <a:pPr algn="ctr"/>
-            <a:endParaRPr lang="en-GB"/>
-          </a:p>
-        </p:txBody>
-      </p:sp>
-      <p:sp>
-        <p:nvSpPr>
-          <p:cNvPr id="29" name="Arrow: Right 28">
-            <a:extLst>
-              <a:ext uri="{FF2B5EF4-FFF2-40B4-BE49-F238E27FC236}">
-                <a16:creationId xmlns:a16="http://schemas.microsoft.com/office/drawing/2014/main" id="{DE584501-07D7-16CD-DEE5-910E47BAE6B9}"/>
-              </a:ext>
-            </a:extLst>
-          </p:cNvPr>
-          <p:cNvSpPr/>
-          <p:nvPr/>
-        </p:nvSpPr>
-        <p:spPr>
-          <a:xfrm rot="965457">
-            <a:off x="2963983" y="2327795"/>
-            <a:ext cx="1298448" cy="264605"/>
-          </a:xfrm>
-          <a:prstGeom prst="rightArrow">
-            <a:avLst/>
-          </a:prstGeom>
-        </p:spPr>
-        <p:style>
-          <a:lnRef idx="2">
-            <a:schemeClr val="accent1">
-              <a:shade val="15000"/>
-            </a:schemeClr>
-          </a:lnRef>
-          <a:fillRef idx="1">
-            <a:schemeClr val="accent1"/>
-          </a:fillRef>
-          <a:effectRef idx="0">
-            <a:schemeClr val="accent1"/>
-          </a:effectRef>
-          <a:fontRef idx="minor">
-            <a:schemeClr val="lt1"/>
-          </a:fontRef>
-        </p:style>
-        <p:txBody>
-          <a:bodyPr rtlCol="0" anchor="ctr"/>
-          <a:lstStyle/>
-          <a:p>
-            <a:pPr algn="ctr"/>
-            <a:endParaRPr lang="en-GB"/>
-          </a:p>
-        </p:txBody>
-      </p:sp>
-      <p:sp>
-        <p:nvSpPr>
-          <p:cNvPr id="32" name="Arrow: Right 31">
-            <a:extLst>
-              <a:ext uri="{FF2B5EF4-FFF2-40B4-BE49-F238E27FC236}">
-                <a16:creationId xmlns:a16="http://schemas.microsoft.com/office/drawing/2014/main" id="{ACCF9B05-8AF8-36B2-6BAB-025F74E124C7}"/>
-              </a:ext>
-            </a:extLst>
-          </p:cNvPr>
-          <p:cNvSpPr/>
-          <p:nvPr/>
-        </p:nvSpPr>
-        <p:spPr>
-          <a:xfrm rot="20109658">
-            <a:off x="5650931" y="2354029"/>
-            <a:ext cx="1298448" cy="265176"/>
-          </a:xfrm>
-          <a:prstGeom prst="rightArrow">
-            <a:avLst/>
-          </a:prstGeom>
-        </p:spPr>
-        <p:style>
-          <a:lnRef idx="2">
-            <a:schemeClr val="accent1">
-              <a:shade val="15000"/>
-            </a:schemeClr>
-          </a:lnRef>
-          <a:fillRef idx="1">
-            <a:schemeClr val="accent1"/>
-          </a:fillRef>
-          <a:effectRef idx="0">
-            <a:schemeClr val="accent1"/>
-          </a:effectRef>
-          <a:fontRef idx="minor">
-            <a:schemeClr val="lt1"/>
-          </a:fontRef>
-        </p:style>
-        <p:txBody>
-          <a:bodyPr rtlCol="0" anchor="ctr"/>
-          <a:lstStyle/>
-          <a:p>
-            <a:pPr algn="ctr"/>
-            <a:endParaRPr lang="en-GB"/>
-          </a:p>
-        </p:txBody>
-      </p:sp>
-      <p:sp>
-        <p:nvSpPr>
-          <p:cNvPr id="33" name="Arrow: Right 32">
-            <a:extLst>
-              <a:ext uri="{FF2B5EF4-FFF2-40B4-BE49-F238E27FC236}">
-                <a16:creationId xmlns:a16="http://schemas.microsoft.com/office/drawing/2014/main" id="{3681C80E-FD42-EE60-4019-87D74DD52044}"/>
-              </a:ext>
-            </a:extLst>
-          </p:cNvPr>
-          <p:cNvSpPr/>
-          <p:nvPr/>
-        </p:nvSpPr>
-        <p:spPr>
-          <a:xfrm rot="20547345">
-            <a:off x="2977895" y="1227905"/>
-            <a:ext cx="1298448" cy="264605"/>
-          </a:xfrm>
-          <a:prstGeom prst="rightArrow">
-            <a:avLst/>
-          </a:prstGeom>
-        </p:spPr>
-        <p:style>
-          <a:lnRef idx="2">
-            <a:schemeClr val="accent1">
-              <a:shade val="15000"/>
-            </a:schemeClr>
-          </a:lnRef>
-          <a:fillRef idx="1">
-            <a:schemeClr val="accent1"/>
-          </a:fillRef>
-          <a:effectRef idx="0">
-            <a:schemeClr val="accent1"/>
-          </a:effectRef>
-          <a:fontRef idx="minor">
-            <a:schemeClr val="lt1"/>
-          </a:fontRef>
-        </p:style>
-        <p:txBody>
-          <a:bodyPr rtlCol="0" anchor="ctr"/>
-          <a:lstStyle/>
-          <a:p>
-            <a:pPr algn="ctr"/>
-            <a:endParaRPr lang="en-GB"/>
-          </a:p>
-        </p:txBody>
-      </p:sp>
-      <p:sp>
-        <p:nvSpPr>
-          <p:cNvPr id="35" name="Arrow: Right 34">
-            <a:extLst>
-              <a:ext uri="{FF2B5EF4-FFF2-40B4-BE49-F238E27FC236}">
-                <a16:creationId xmlns:a16="http://schemas.microsoft.com/office/drawing/2014/main" id="{C758E2E0-4A48-9742-39D4-36122E4A7838}"/>
-              </a:ext>
-            </a:extLst>
-          </p:cNvPr>
-          <p:cNvSpPr/>
-          <p:nvPr/>
-        </p:nvSpPr>
-        <p:spPr>
-          <a:xfrm rot="848628">
-            <a:off x="5628714" y="1169471"/>
-            <a:ext cx="1342864" cy="264605"/>
-          </a:xfrm>
-          <a:prstGeom prst="rightArrow">
-            <a:avLst/>
-          </a:prstGeom>
-        </p:spPr>
-        <p:style>
-          <a:lnRef idx="2">
-            <a:schemeClr val="accent1">
-              <a:shade val="15000"/>
-            </a:schemeClr>
-          </a:lnRef>
-          <a:fillRef idx="1">
-            <a:schemeClr val="accent1"/>
-          </a:fillRef>
-          <a:effectRef idx="0">
-            <a:schemeClr val="accent1"/>
-          </a:effectRef>
-          <a:fontRef idx="minor">
-            <a:schemeClr val="lt1"/>
-          </a:fontRef>
-        </p:style>
-        <p:txBody>
-          <a:bodyPr rtlCol="0" anchor="ctr"/>
-          <a:lstStyle/>
-          <a:p>
-            <a:pPr algn="ctr"/>
-            <a:endParaRPr lang="en-GB"/>
-          </a:p>
-        </p:txBody>
-      </p:sp>
-      <p:sp>
-        <p:nvSpPr>
-          <p:cNvPr id="36" name="Arrow: Right 35">
-            <a:extLst>
-              <a:ext uri="{FF2B5EF4-FFF2-40B4-BE49-F238E27FC236}">
-                <a16:creationId xmlns:a16="http://schemas.microsoft.com/office/drawing/2014/main" id="{01DAFCD4-ACFF-F451-BCA3-2ADB3F79ABE4}"/>
-              </a:ext>
-            </a:extLst>
-          </p:cNvPr>
-          <p:cNvSpPr/>
-          <p:nvPr/>
-        </p:nvSpPr>
-        <p:spPr>
-          <a:xfrm rot="19023248">
-            <a:off x="5643652" y="2710699"/>
-            <a:ext cx="2344524" cy="265176"/>
-          </a:xfrm>
-          <a:prstGeom prst="rightArrow">
-            <a:avLst/>
-          </a:prstGeom>
-        </p:spPr>
-        <p:style>
-          <a:lnRef idx="2">
-            <a:schemeClr val="accent1">
-              <a:shade val="15000"/>
-            </a:schemeClr>
-          </a:lnRef>
-          <a:fillRef idx="1">
-            <a:schemeClr val="accent1"/>
-          </a:fillRef>
-          <a:effectRef idx="0">
-            <a:schemeClr val="accent1"/>
-          </a:effectRef>
-          <a:fontRef idx="minor">
-            <a:schemeClr val="lt1"/>
-          </a:fontRef>
-        </p:style>
-        <p:txBody>
-          <a:bodyPr rtlCol="0" anchor="ctr"/>
-          <a:lstStyle/>
-          <a:p>
-            <a:pPr algn="ctr"/>
-            <a:endParaRPr lang="en-GB"/>
-          </a:p>
-        </p:txBody>
-      </p:sp>
-      <p:sp>
-        <p:nvSpPr>
-          <p:cNvPr id="39" name="Rectangle: Rounded Corners 38">
-            <a:extLst>
-              <a:ext uri="{FF2B5EF4-FFF2-40B4-BE49-F238E27FC236}">
-                <a16:creationId xmlns:a16="http://schemas.microsoft.com/office/drawing/2014/main" id="{4681A776-AC61-6B70-0DD7-92EE7744BCE0}"/>
-              </a:ext>
-            </a:extLst>
-          </p:cNvPr>
-          <p:cNvSpPr/>
-          <p:nvPr/>
-        </p:nvSpPr>
-        <p:spPr>
-          <a:xfrm>
-            <a:off x="356616" y="4209989"/>
-            <a:ext cx="6943459" cy="2351518"/>
-          </a:xfrm>
-          <a:prstGeom prst="roundRect">
-            <a:avLst/>
-          </a:prstGeom>
-          <a:solidFill>
-            <a:schemeClr val="bg1">
-              <a:lumMod val="85000"/>
-            </a:schemeClr>
-          </a:solidFill>
-        </p:spPr>
-        <p:style>
-          <a:lnRef idx="2">
-            <a:schemeClr val="accent1">
-              <a:shade val="15000"/>
-            </a:schemeClr>
-          </a:lnRef>
-          <a:fillRef idx="1">
-            <a:schemeClr val="accent1"/>
-          </a:fillRef>
-          <a:effectRef idx="0">
-            <a:schemeClr val="accent1"/>
-          </a:effectRef>
-          <a:fontRef idx="minor">
-            <a:schemeClr val="lt1"/>
-          </a:fontRef>
-        </p:style>
-        <p:txBody>
-          <a:bodyPr rtlCol="0" anchor="ctr"/>
-          <a:lstStyle/>
-          <a:p>
-            <a:r>
-              <a:rPr lang="en-GB" sz="2400" dirty="0">
-                <a:solidFill>
-                  <a:schemeClr val="tx1"/>
-                </a:solidFill>
-                <a:latin typeface="Avenir Next LT Pro" panose="020B0504020202020204" pitchFamily="34" charset="0"/>
-              </a:rPr>
-              <a:t>User rates and provides feedback for future ML datasets and LLM </a:t>
-            </a:r>
-            <a:r>
-              <a:rPr lang="en-GB" sz="2400">
-                <a:solidFill>
-                  <a:schemeClr val="tx1"/>
-                </a:solidFill>
-                <a:latin typeface="Avenir Next LT Pro" panose="020B0504020202020204" pitchFamily="34" charset="0"/>
-              </a:rPr>
-              <a:t>finetuning.</a:t>
-            </a:r>
-          </a:p>
-          <a:p>
-            <a:endParaRPr lang="en-GB" sz="2400" dirty="0">
-              <a:solidFill>
-                <a:schemeClr val="tx1"/>
-              </a:solidFill>
-              <a:latin typeface="Avenir Next LT Pro" panose="020B0504020202020204" pitchFamily="34" charset="0"/>
-            </a:endParaRPr>
-          </a:p>
-          <a:p>
-            <a:r>
-              <a:rPr lang="en-GB" sz="2400" dirty="0">
-                <a:solidFill>
-                  <a:schemeClr val="tx1"/>
-                </a:solidFill>
-                <a:latin typeface="Avenir Next LT Pro" panose="020B0504020202020204" pitchFamily="34" charset="0"/>
-              </a:rPr>
-              <a:t>Stored in DB for cached FAQ for next time similar question is asked.</a:t>
-            </a:r>
-          </a:p>
-        </p:txBody>
-      </p:sp>
-      <p:sp>
-        <p:nvSpPr>
-          <p:cNvPr id="40" name="Arrow: Right 39">
-            <a:extLst>
-              <a:ext uri="{FF2B5EF4-FFF2-40B4-BE49-F238E27FC236}">
-                <a16:creationId xmlns:a16="http://schemas.microsoft.com/office/drawing/2014/main" id="{D0B05F06-CA12-1855-CCA9-78E04369C03D}"/>
-              </a:ext>
-            </a:extLst>
-          </p:cNvPr>
-          <p:cNvSpPr/>
-          <p:nvPr/>
-        </p:nvSpPr>
-        <p:spPr>
-          <a:xfrm rot="5400000">
-            <a:off x="9607036" y="3218739"/>
-            <a:ext cx="1298448" cy="272156"/>
-          </a:xfrm>
-          <a:prstGeom prst="rightArrow">
-            <a:avLst/>
-          </a:prstGeom>
-        </p:spPr>
-        <p:style>
-          <a:lnRef idx="2">
-            <a:schemeClr val="accent1">
-              <a:shade val="15000"/>
-            </a:schemeClr>
-          </a:lnRef>
-          <a:fillRef idx="1">
-            <a:schemeClr val="accent1"/>
-          </a:fillRef>
-          <a:effectRef idx="0">
-            <a:schemeClr val="accent1"/>
-          </a:effectRef>
-          <a:fontRef idx="minor">
-            <a:schemeClr val="lt1"/>
-          </a:fontRef>
-        </p:style>
-        <p:txBody>
-          <a:bodyPr rtlCol="0" anchor="ctr"/>
-          <a:lstStyle/>
-          <a:p>
-            <a:pPr algn="ctr"/>
-            <a:endParaRPr lang="en-GB"/>
-          </a:p>
-        </p:txBody>
-      </p:sp>
-      <p:sp>
-        <p:nvSpPr>
-          <p:cNvPr id="41" name="Arrow: Right 40">
-            <a:extLst>
-              <a:ext uri="{FF2B5EF4-FFF2-40B4-BE49-F238E27FC236}">
-                <a16:creationId xmlns:a16="http://schemas.microsoft.com/office/drawing/2014/main" id="{10565730-C380-1F34-E4FF-CEBBCF9F260A}"/>
-              </a:ext>
-            </a:extLst>
-          </p:cNvPr>
-          <p:cNvSpPr/>
-          <p:nvPr/>
-        </p:nvSpPr>
-        <p:spPr>
-          <a:xfrm rot="9313006">
-            <a:off x="7064700" y="4803400"/>
-            <a:ext cx="1298448" cy="272156"/>
-          </a:xfrm>
-          <a:prstGeom prst="rightArrow">
-            <a:avLst/>
-          </a:prstGeom>
         </p:spPr>
         <p:style>
           <a:lnRef idx="2">

--- a/docs/images/rag.pptx
+++ b/docs/images/rag.pptx
@@ -8,6 +8,8 @@
     <p:sldId id="257" r:id="rId2"/>
     <p:sldId id="259" r:id="rId3"/>
     <p:sldId id="260" r:id="rId4"/>
+    <p:sldId id="261" r:id="rId5"/>
+    <p:sldId id="262" r:id="rId6"/>
   </p:sldIdLst>
   <p:sldSz cx="12192000" cy="6858000"/>
   <p:notesSz cx="6858000" cy="9144000"/>
@@ -263,7 +265,7 @@
           <a:p>
             <a:fld id="{08D827C3-7CC9-4DFF-841F-1C6E70298E42}" type="datetimeFigureOut">
               <a:rPr lang="en-GB" smtClean="0"/>
-              <a:t>22/12/2024</a:t>
+              <a:t>26/12/2024</a:t>
             </a:fld>
             <a:endParaRPr lang="en-GB"/>
           </a:p>
@@ -463,7 +465,7 @@
           <a:p>
             <a:fld id="{08D827C3-7CC9-4DFF-841F-1C6E70298E42}" type="datetimeFigureOut">
               <a:rPr lang="en-GB" smtClean="0"/>
-              <a:t>22/12/2024</a:t>
+              <a:t>26/12/2024</a:t>
             </a:fld>
             <a:endParaRPr lang="en-GB"/>
           </a:p>
@@ -673,7 +675,7 @@
           <a:p>
             <a:fld id="{08D827C3-7CC9-4DFF-841F-1C6E70298E42}" type="datetimeFigureOut">
               <a:rPr lang="en-GB" smtClean="0"/>
-              <a:t>22/12/2024</a:t>
+              <a:t>26/12/2024</a:t>
             </a:fld>
             <a:endParaRPr lang="en-GB"/>
           </a:p>
@@ -873,7 +875,7 @@
           <a:p>
             <a:fld id="{08D827C3-7CC9-4DFF-841F-1C6E70298E42}" type="datetimeFigureOut">
               <a:rPr lang="en-GB" smtClean="0"/>
-              <a:t>22/12/2024</a:t>
+              <a:t>26/12/2024</a:t>
             </a:fld>
             <a:endParaRPr lang="en-GB"/>
           </a:p>
@@ -1149,7 +1151,7 @@
           <a:p>
             <a:fld id="{08D827C3-7CC9-4DFF-841F-1C6E70298E42}" type="datetimeFigureOut">
               <a:rPr lang="en-GB" smtClean="0"/>
-              <a:t>22/12/2024</a:t>
+              <a:t>26/12/2024</a:t>
             </a:fld>
             <a:endParaRPr lang="en-GB"/>
           </a:p>
@@ -1417,7 +1419,7 @@
           <a:p>
             <a:fld id="{08D827C3-7CC9-4DFF-841F-1C6E70298E42}" type="datetimeFigureOut">
               <a:rPr lang="en-GB" smtClean="0"/>
-              <a:t>22/12/2024</a:t>
+              <a:t>26/12/2024</a:t>
             </a:fld>
             <a:endParaRPr lang="en-GB"/>
           </a:p>
@@ -1832,7 +1834,7 @@
           <a:p>
             <a:fld id="{08D827C3-7CC9-4DFF-841F-1C6E70298E42}" type="datetimeFigureOut">
               <a:rPr lang="en-GB" smtClean="0"/>
-              <a:t>22/12/2024</a:t>
+              <a:t>26/12/2024</a:t>
             </a:fld>
             <a:endParaRPr lang="en-GB"/>
           </a:p>
@@ -1974,7 +1976,7 @@
           <a:p>
             <a:fld id="{08D827C3-7CC9-4DFF-841F-1C6E70298E42}" type="datetimeFigureOut">
               <a:rPr lang="en-GB" smtClean="0"/>
-              <a:t>22/12/2024</a:t>
+              <a:t>26/12/2024</a:t>
             </a:fld>
             <a:endParaRPr lang="en-GB"/>
           </a:p>
@@ -2087,7 +2089,7 @@
           <a:p>
             <a:fld id="{08D827C3-7CC9-4DFF-841F-1C6E70298E42}" type="datetimeFigureOut">
               <a:rPr lang="en-GB" smtClean="0"/>
-              <a:t>22/12/2024</a:t>
+              <a:t>26/12/2024</a:t>
             </a:fld>
             <a:endParaRPr lang="en-GB"/>
           </a:p>
@@ -2400,7 +2402,7 @@
           <a:p>
             <a:fld id="{08D827C3-7CC9-4DFF-841F-1C6E70298E42}" type="datetimeFigureOut">
               <a:rPr lang="en-GB" smtClean="0"/>
-              <a:t>22/12/2024</a:t>
+              <a:t>26/12/2024</a:t>
             </a:fld>
             <a:endParaRPr lang="en-GB"/>
           </a:p>
@@ -2689,7 +2691,7 @@
           <a:p>
             <a:fld id="{08D827C3-7CC9-4DFF-841F-1C6E70298E42}" type="datetimeFigureOut">
               <a:rPr lang="en-GB" smtClean="0"/>
-              <a:t>22/12/2024</a:t>
+              <a:t>26/12/2024</a:t>
             </a:fld>
             <a:endParaRPr lang="en-GB"/>
           </a:p>
@@ -2932,7 +2934,7 @@
           <a:p>
             <a:fld id="{08D827C3-7CC9-4DFF-841F-1C6E70298E42}" type="datetimeFigureOut">
               <a:rPr lang="en-GB" smtClean="0"/>
-              <a:t>22/12/2024</a:t>
+              <a:t>26/12/2024</a:t>
             </a:fld>
             <a:endParaRPr lang="en-GB"/>
           </a:p>
@@ -5995,6 +5997,1214 @@
     <p:extLst>
       <p:ext uri="{BB962C8B-B14F-4D97-AF65-F5344CB8AC3E}">
         <p14:creationId xmlns:p14="http://schemas.microsoft.com/office/powerpoint/2010/main" val="1794508519"/>
+      </p:ext>
+    </p:extLst>
+  </p:cSld>
+  <p:clrMapOvr>
+    <a:masterClrMapping/>
+  </p:clrMapOvr>
+</p:sld>
+</file>
+
+<file path=ppt/slides/slide4.xml><?xml version="1.0" encoding="utf-8"?>
+<p:sld xmlns:a="http://schemas.openxmlformats.org/drawingml/2006/main" xmlns:r="http://schemas.openxmlformats.org/officeDocument/2006/relationships" xmlns:p="http://schemas.openxmlformats.org/presentationml/2006/main">
+  <p:cSld>
+    <p:spTree>
+      <p:nvGrpSpPr>
+        <p:cNvPr id="1" name="">
+          <a:extLst>
+            <a:ext uri="{FF2B5EF4-FFF2-40B4-BE49-F238E27FC236}">
+              <a16:creationId xmlns:a16="http://schemas.microsoft.com/office/drawing/2014/main" id="{03C1C032-352F-54C0-41A2-400D5417D7C7}"/>
+            </a:ext>
+          </a:extLst>
+        </p:cNvPr>
+        <p:cNvGrpSpPr/>
+        <p:nvPr/>
+      </p:nvGrpSpPr>
+      <p:grpSpPr>
+        <a:xfrm>
+          <a:off x="0" y="0"/>
+          <a:ext cx="0" cy="0"/>
+          <a:chOff x="0" y="0"/>
+          <a:chExt cx="0" cy="0"/>
+        </a:xfrm>
+      </p:grpSpPr>
+      <p:sp>
+        <p:nvSpPr>
+          <p:cNvPr id="5" name="Flowchart: Process 4">
+            <a:extLst>
+              <a:ext uri="{FF2B5EF4-FFF2-40B4-BE49-F238E27FC236}">
+                <a16:creationId xmlns:a16="http://schemas.microsoft.com/office/drawing/2014/main" id="{5BF14935-AE5F-BD45-557D-A787A25E5695}"/>
+              </a:ext>
+            </a:extLst>
+          </p:cNvPr>
+          <p:cNvSpPr/>
+          <p:nvPr/>
+        </p:nvSpPr>
+        <p:spPr>
+          <a:xfrm>
+            <a:off x="775210" y="2618157"/>
+            <a:ext cx="10774804" cy="283542"/>
+          </a:xfrm>
+          <a:prstGeom prst="flowChartProcess">
+            <a:avLst/>
+          </a:prstGeom>
+          <a:solidFill>
+            <a:schemeClr val="bg1">
+              <a:lumMod val="85000"/>
+            </a:schemeClr>
+          </a:solidFill>
+        </p:spPr>
+        <p:style>
+          <a:lnRef idx="2">
+            <a:schemeClr val="accent1">
+              <a:shade val="15000"/>
+            </a:schemeClr>
+          </a:lnRef>
+          <a:fillRef idx="1">
+            <a:schemeClr val="accent1"/>
+          </a:fillRef>
+          <a:effectRef idx="0">
+            <a:schemeClr val="accent1"/>
+          </a:effectRef>
+          <a:fontRef idx="minor">
+            <a:schemeClr val="lt1"/>
+          </a:fontRef>
+        </p:style>
+        <p:txBody>
+          <a:bodyPr rtlCol="0" anchor="ctr"/>
+          <a:lstStyle/>
+          <a:p>
+            <a:r>
+              <a:rPr lang="en-GB" sz="1400" dirty="0">
+                <a:solidFill>
+                  <a:schemeClr val="tx1"/>
+                </a:solidFill>
+                <a:latin typeface="Avenir Next LT Pro" panose="020B0504020202020204" pitchFamily="34" charset="0"/>
+              </a:rPr>
+              <a:t>PARENT_ELEMENT_ID – If applicable it’s parent element in document</a:t>
+            </a:r>
+          </a:p>
+        </p:txBody>
+      </p:sp>
+      <p:sp>
+        <p:nvSpPr>
+          <p:cNvPr id="6" name="Flowchart: Process 5">
+            <a:extLst>
+              <a:ext uri="{FF2B5EF4-FFF2-40B4-BE49-F238E27FC236}">
+                <a16:creationId xmlns:a16="http://schemas.microsoft.com/office/drawing/2014/main" id="{CDAA9440-3EE1-A430-373F-F196B557EB8F}"/>
+              </a:ext>
+            </a:extLst>
+          </p:cNvPr>
+          <p:cNvSpPr/>
+          <p:nvPr/>
+        </p:nvSpPr>
+        <p:spPr>
+          <a:xfrm>
+            <a:off x="775208" y="1664856"/>
+            <a:ext cx="10738610" cy="283542"/>
+          </a:xfrm>
+          <a:prstGeom prst="flowChartProcess">
+            <a:avLst/>
+          </a:prstGeom>
+          <a:solidFill>
+            <a:schemeClr val="bg1">
+              <a:lumMod val="85000"/>
+            </a:schemeClr>
+          </a:solidFill>
+        </p:spPr>
+        <p:style>
+          <a:lnRef idx="2">
+            <a:schemeClr val="accent1">
+              <a:shade val="15000"/>
+            </a:schemeClr>
+          </a:lnRef>
+          <a:fillRef idx="1">
+            <a:schemeClr val="accent1"/>
+          </a:fillRef>
+          <a:effectRef idx="0">
+            <a:schemeClr val="accent1"/>
+          </a:effectRef>
+          <a:fontRef idx="minor">
+            <a:schemeClr val="lt1"/>
+          </a:fontRef>
+        </p:style>
+        <p:txBody>
+          <a:bodyPr rtlCol="0" anchor="ctr"/>
+          <a:lstStyle/>
+          <a:p>
+            <a:r>
+              <a:rPr lang="en-GB" sz="1400" dirty="0">
+                <a:solidFill>
+                  <a:schemeClr val="tx1"/>
+                </a:solidFill>
+                <a:latin typeface="Avenir Next LT Pro" panose="020B0504020202020204" pitchFamily="34" charset="0"/>
+              </a:rPr>
+              <a:t>FILENAME – Unique ID for PDF etc- </a:t>
+            </a:r>
+          </a:p>
+        </p:txBody>
+      </p:sp>
+      <p:sp>
+        <p:nvSpPr>
+          <p:cNvPr id="7" name="Flowchart: Process 6">
+            <a:extLst>
+              <a:ext uri="{FF2B5EF4-FFF2-40B4-BE49-F238E27FC236}">
+                <a16:creationId xmlns:a16="http://schemas.microsoft.com/office/drawing/2014/main" id="{FC817230-0013-EFCE-1BF3-955791C93D3B}"/>
+              </a:ext>
+            </a:extLst>
+          </p:cNvPr>
+          <p:cNvSpPr/>
+          <p:nvPr/>
+        </p:nvSpPr>
+        <p:spPr>
+          <a:xfrm>
+            <a:off x="775209" y="2161232"/>
+            <a:ext cx="10774805" cy="283542"/>
+          </a:xfrm>
+          <a:prstGeom prst="flowChartProcess">
+            <a:avLst/>
+          </a:prstGeom>
+          <a:solidFill>
+            <a:schemeClr val="bg1">
+              <a:lumMod val="85000"/>
+            </a:schemeClr>
+          </a:solidFill>
+        </p:spPr>
+        <p:style>
+          <a:lnRef idx="2">
+            <a:schemeClr val="accent1">
+              <a:shade val="15000"/>
+            </a:schemeClr>
+          </a:lnRef>
+          <a:fillRef idx="1">
+            <a:schemeClr val="accent1"/>
+          </a:fillRef>
+          <a:effectRef idx="0">
+            <a:schemeClr val="accent1"/>
+          </a:effectRef>
+          <a:fontRef idx="minor">
+            <a:schemeClr val="lt1"/>
+          </a:fontRef>
+        </p:style>
+        <p:txBody>
+          <a:bodyPr rtlCol="0" anchor="ctr"/>
+          <a:lstStyle/>
+          <a:p>
+            <a:r>
+              <a:rPr lang="en-GB" sz="1400" dirty="0">
+                <a:solidFill>
+                  <a:schemeClr val="tx1"/>
+                </a:solidFill>
+                <a:latin typeface="Avenir Next LT Pro" panose="020B0504020202020204" pitchFamily="34" charset="0"/>
+              </a:rPr>
+              <a:t>ELEMENT_ID – The smallest atom of information</a:t>
+            </a:r>
+          </a:p>
+        </p:txBody>
+      </p:sp>
+      <p:sp>
+        <p:nvSpPr>
+          <p:cNvPr id="8" name="Flowchart: Process 7">
+            <a:extLst>
+              <a:ext uri="{FF2B5EF4-FFF2-40B4-BE49-F238E27FC236}">
+                <a16:creationId xmlns:a16="http://schemas.microsoft.com/office/drawing/2014/main" id="{CA3F6B0E-A4C9-21C4-5FEE-0E5C7E2B1607}"/>
+              </a:ext>
+            </a:extLst>
+          </p:cNvPr>
+          <p:cNvSpPr/>
+          <p:nvPr/>
+        </p:nvSpPr>
+        <p:spPr>
+          <a:xfrm>
+            <a:off x="771525" y="3529570"/>
+            <a:ext cx="10778492" cy="283542"/>
+          </a:xfrm>
+          <a:prstGeom prst="flowChartProcess">
+            <a:avLst/>
+          </a:prstGeom>
+          <a:solidFill>
+            <a:schemeClr val="bg1">
+              <a:lumMod val="85000"/>
+            </a:schemeClr>
+          </a:solidFill>
+        </p:spPr>
+        <p:style>
+          <a:lnRef idx="2">
+            <a:schemeClr val="accent1">
+              <a:shade val="15000"/>
+            </a:schemeClr>
+          </a:lnRef>
+          <a:fillRef idx="1">
+            <a:schemeClr val="accent1"/>
+          </a:fillRef>
+          <a:effectRef idx="0">
+            <a:schemeClr val="accent1"/>
+          </a:effectRef>
+          <a:fontRef idx="minor">
+            <a:schemeClr val="lt1"/>
+          </a:fontRef>
+        </p:style>
+        <p:txBody>
+          <a:bodyPr rtlCol="0" anchor="ctr"/>
+          <a:lstStyle/>
+          <a:p>
+            <a:r>
+              <a:rPr lang="en-GB" sz="1400" dirty="0">
+                <a:solidFill>
+                  <a:schemeClr val="tx1"/>
+                </a:solidFill>
+                <a:latin typeface="Avenir Next LT Pro" panose="020B0504020202020204" pitchFamily="34" charset="0"/>
+              </a:rPr>
+              <a:t>ELEMENT_TYPE – text (HEADER/FOOTER/BODY), table, image, audio or video</a:t>
+            </a:r>
+          </a:p>
+        </p:txBody>
+      </p:sp>
+      <p:sp>
+        <p:nvSpPr>
+          <p:cNvPr id="9" name="Flowchart: Process 8">
+            <a:extLst>
+              <a:ext uri="{FF2B5EF4-FFF2-40B4-BE49-F238E27FC236}">
+                <a16:creationId xmlns:a16="http://schemas.microsoft.com/office/drawing/2014/main" id="{587E7F70-6489-C82A-F52C-1A8617B50E74}"/>
+              </a:ext>
+            </a:extLst>
+          </p:cNvPr>
+          <p:cNvSpPr/>
+          <p:nvPr/>
+        </p:nvSpPr>
+        <p:spPr>
+          <a:xfrm>
+            <a:off x="775208" y="3105173"/>
+            <a:ext cx="10778492" cy="283542"/>
+          </a:xfrm>
+          <a:prstGeom prst="flowChartProcess">
+            <a:avLst/>
+          </a:prstGeom>
+          <a:solidFill>
+            <a:schemeClr val="bg1">
+              <a:lumMod val="85000"/>
+            </a:schemeClr>
+          </a:solidFill>
+        </p:spPr>
+        <p:style>
+          <a:lnRef idx="2">
+            <a:schemeClr val="accent1">
+              <a:shade val="15000"/>
+            </a:schemeClr>
+          </a:lnRef>
+          <a:fillRef idx="1">
+            <a:schemeClr val="accent1"/>
+          </a:fillRef>
+          <a:effectRef idx="0">
+            <a:schemeClr val="accent1"/>
+          </a:effectRef>
+          <a:fontRef idx="minor">
+            <a:schemeClr val="lt1"/>
+          </a:fontRef>
+        </p:style>
+        <p:txBody>
+          <a:bodyPr rtlCol="0" anchor="ctr"/>
+          <a:lstStyle/>
+          <a:p>
+            <a:r>
+              <a:rPr lang="en-GB" sz="1400" dirty="0">
+                <a:solidFill>
+                  <a:schemeClr val="tx1"/>
+                </a:solidFill>
+                <a:latin typeface="Avenir Next LT Pro" panose="020B0504020202020204" pitchFamily="34" charset="0"/>
+              </a:rPr>
+              <a:t>CONTENT – the original text content</a:t>
+            </a:r>
+          </a:p>
+        </p:txBody>
+      </p:sp>
+      <p:sp>
+        <p:nvSpPr>
+          <p:cNvPr id="10" name="Flowchart: Process 9">
+            <a:extLst>
+              <a:ext uri="{FF2B5EF4-FFF2-40B4-BE49-F238E27FC236}">
+                <a16:creationId xmlns:a16="http://schemas.microsoft.com/office/drawing/2014/main" id="{8B09BEC1-E8DC-8A05-4C18-60C0D6600FFF}"/>
+              </a:ext>
+            </a:extLst>
+          </p:cNvPr>
+          <p:cNvSpPr/>
+          <p:nvPr/>
+        </p:nvSpPr>
+        <p:spPr>
+          <a:xfrm>
+            <a:off x="771524" y="4025946"/>
+            <a:ext cx="10778491" cy="283542"/>
+          </a:xfrm>
+          <a:prstGeom prst="flowChartProcess">
+            <a:avLst/>
+          </a:prstGeom>
+          <a:solidFill>
+            <a:schemeClr val="bg1">
+              <a:lumMod val="85000"/>
+            </a:schemeClr>
+          </a:solidFill>
+        </p:spPr>
+        <p:style>
+          <a:lnRef idx="2">
+            <a:schemeClr val="accent1">
+              <a:shade val="15000"/>
+            </a:schemeClr>
+          </a:lnRef>
+          <a:fillRef idx="1">
+            <a:schemeClr val="accent1"/>
+          </a:fillRef>
+          <a:effectRef idx="0">
+            <a:schemeClr val="accent1"/>
+          </a:effectRef>
+          <a:fontRef idx="minor">
+            <a:schemeClr val="lt1"/>
+          </a:fontRef>
+        </p:style>
+        <p:txBody>
+          <a:bodyPr rtlCol="0" anchor="ctr"/>
+          <a:lstStyle/>
+          <a:p>
+            <a:r>
+              <a:rPr lang="en-GB" sz="1400" dirty="0">
+                <a:solidFill>
+                  <a:schemeClr val="tx1"/>
+                </a:solidFill>
+                <a:latin typeface="Avenir Next LT Pro" panose="020B0504020202020204" pitchFamily="34" charset="0"/>
+              </a:rPr>
+              <a:t>DERIVED_TEXT – form tables, images etc the text derived from processing with another LLM</a:t>
+            </a:r>
+          </a:p>
+        </p:txBody>
+      </p:sp>
+      <p:sp>
+        <p:nvSpPr>
+          <p:cNvPr id="13" name="Flowchart: Process 12">
+            <a:extLst>
+              <a:ext uri="{FF2B5EF4-FFF2-40B4-BE49-F238E27FC236}">
+                <a16:creationId xmlns:a16="http://schemas.microsoft.com/office/drawing/2014/main" id="{83C27282-D207-EFAE-82B4-E4A7B4D8B467}"/>
+              </a:ext>
+            </a:extLst>
+          </p:cNvPr>
+          <p:cNvSpPr/>
+          <p:nvPr/>
+        </p:nvSpPr>
+        <p:spPr>
+          <a:xfrm>
+            <a:off x="4070955" y="156583"/>
+            <a:ext cx="4154483" cy="445357"/>
+          </a:xfrm>
+          <a:prstGeom prst="flowChartProcess">
+            <a:avLst/>
+          </a:prstGeom>
+          <a:solidFill>
+            <a:schemeClr val="tx2">
+              <a:lumMod val="10000"/>
+              <a:lumOff val="90000"/>
+            </a:schemeClr>
+          </a:solidFill>
+        </p:spPr>
+        <p:style>
+          <a:lnRef idx="2">
+            <a:schemeClr val="accent1">
+              <a:shade val="15000"/>
+            </a:schemeClr>
+          </a:lnRef>
+          <a:fillRef idx="1">
+            <a:schemeClr val="accent1"/>
+          </a:fillRef>
+          <a:effectRef idx="0">
+            <a:schemeClr val="accent1"/>
+          </a:effectRef>
+          <a:fontRef idx="minor">
+            <a:schemeClr val="lt1"/>
+          </a:fontRef>
+        </p:style>
+        <p:txBody>
+          <a:bodyPr rtlCol="0" anchor="ctr"/>
+          <a:lstStyle/>
+          <a:p>
+            <a:pPr algn="ctr"/>
+            <a:r>
+              <a:rPr lang="en-GB" sz="1600" b="1" dirty="0">
+                <a:solidFill>
+                  <a:schemeClr val="accent5">
+                    <a:lumMod val="75000"/>
+                  </a:schemeClr>
+                </a:solidFill>
+                <a:latin typeface="Avenir Next LT Pro" panose="020B0504020202020204" pitchFamily="34" charset="0"/>
+              </a:rPr>
+              <a:t>Database</a:t>
+            </a:r>
+          </a:p>
+        </p:txBody>
+      </p:sp>
+      <p:sp>
+        <p:nvSpPr>
+          <p:cNvPr id="29" name="Flowchart: Process 28">
+            <a:extLst>
+              <a:ext uri="{FF2B5EF4-FFF2-40B4-BE49-F238E27FC236}">
+                <a16:creationId xmlns:a16="http://schemas.microsoft.com/office/drawing/2014/main" id="{FF5CD753-8EE1-AB47-34D3-A4E5FD0299F0}"/>
+              </a:ext>
+            </a:extLst>
+          </p:cNvPr>
+          <p:cNvSpPr/>
+          <p:nvPr/>
+        </p:nvSpPr>
+        <p:spPr>
+          <a:xfrm>
+            <a:off x="771525" y="4492759"/>
+            <a:ext cx="10778490" cy="283542"/>
+          </a:xfrm>
+          <a:prstGeom prst="flowChartProcess">
+            <a:avLst/>
+          </a:prstGeom>
+          <a:solidFill>
+            <a:schemeClr val="bg1">
+              <a:lumMod val="85000"/>
+            </a:schemeClr>
+          </a:solidFill>
+        </p:spPr>
+        <p:style>
+          <a:lnRef idx="2">
+            <a:schemeClr val="accent1">
+              <a:shade val="15000"/>
+            </a:schemeClr>
+          </a:lnRef>
+          <a:fillRef idx="1">
+            <a:schemeClr val="accent1"/>
+          </a:fillRef>
+          <a:effectRef idx="0">
+            <a:schemeClr val="accent1"/>
+          </a:effectRef>
+          <a:fontRef idx="minor">
+            <a:schemeClr val="lt1"/>
+          </a:fontRef>
+        </p:style>
+        <p:txBody>
+          <a:bodyPr rtlCol="0" anchor="ctr"/>
+          <a:lstStyle/>
+          <a:p>
+            <a:r>
+              <a:rPr lang="en-GB" sz="1400" dirty="0">
+                <a:solidFill>
+                  <a:schemeClr val="tx1"/>
+                </a:solidFill>
+                <a:latin typeface="Avenir Next LT Pro" panose="020B0504020202020204" pitchFamily="34" charset="0"/>
+              </a:rPr>
+              <a:t>TAGS – keyword tags to help with keyword search</a:t>
+            </a:r>
+          </a:p>
+        </p:txBody>
+      </p:sp>
+      <p:sp>
+        <p:nvSpPr>
+          <p:cNvPr id="32" name="Flowchart: Process 31">
+            <a:extLst>
+              <a:ext uri="{FF2B5EF4-FFF2-40B4-BE49-F238E27FC236}">
+                <a16:creationId xmlns:a16="http://schemas.microsoft.com/office/drawing/2014/main" id="{02DDECFD-C99B-4CF5-5B79-7F2453A7B396}"/>
+              </a:ext>
+            </a:extLst>
+          </p:cNvPr>
+          <p:cNvSpPr/>
+          <p:nvPr/>
+        </p:nvSpPr>
+        <p:spPr>
+          <a:xfrm>
+            <a:off x="771524" y="5907918"/>
+            <a:ext cx="10788016" cy="283542"/>
+          </a:xfrm>
+          <a:prstGeom prst="flowChartProcess">
+            <a:avLst/>
+          </a:prstGeom>
+          <a:solidFill>
+            <a:schemeClr val="bg1">
+              <a:lumMod val="85000"/>
+            </a:schemeClr>
+          </a:solidFill>
+        </p:spPr>
+        <p:style>
+          <a:lnRef idx="2">
+            <a:schemeClr val="accent1">
+              <a:shade val="15000"/>
+            </a:schemeClr>
+          </a:lnRef>
+          <a:fillRef idx="1">
+            <a:schemeClr val="accent1"/>
+          </a:fillRef>
+          <a:effectRef idx="0">
+            <a:schemeClr val="accent1"/>
+          </a:effectRef>
+          <a:fontRef idx="minor">
+            <a:schemeClr val="lt1"/>
+          </a:fontRef>
+        </p:style>
+        <p:txBody>
+          <a:bodyPr rtlCol="0" anchor="ctr"/>
+          <a:lstStyle/>
+          <a:p>
+            <a:r>
+              <a:rPr lang="en-GB" sz="1400" dirty="0">
+                <a:solidFill>
+                  <a:schemeClr val="tx1"/>
+                </a:solidFill>
+                <a:latin typeface="Avenir Next LT Pro" panose="020B0504020202020204" pitchFamily="34" charset="0"/>
+              </a:rPr>
+              <a:t>QUESTIONS – a list of N possible questions generated by LLM that this element would</a:t>
+            </a:r>
+          </a:p>
+        </p:txBody>
+      </p:sp>
+      <p:sp>
+        <p:nvSpPr>
+          <p:cNvPr id="33" name="Flowchart: Process 32">
+            <a:extLst>
+              <a:ext uri="{FF2B5EF4-FFF2-40B4-BE49-F238E27FC236}">
+                <a16:creationId xmlns:a16="http://schemas.microsoft.com/office/drawing/2014/main" id="{3118A282-2205-26FD-5722-83785F7DF6DB}"/>
+              </a:ext>
+            </a:extLst>
+          </p:cNvPr>
+          <p:cNvSpPr/>
+          <p:nvPr/>
+        </p:nvSpPr>
+        <p:spPr>
+          <a:xfrm>
+            <a:off x="781050" y="4950893"/>
+            <a:ext cx="10778490" cy="283542"/>
+          </a:xfrm>
+          <a:prstGeom prst="flowChartProcess">
+            <a:avLst/>
+          </a:prstGeom>
+          <a:solidFill>
+            <a:schemeClr val="bg1">
+              <a:lumMod val="85000"/>
+            </a:schemeClr>
+          </a:solidFill>
+        </p:spPr>
+        <p:style>
+          <a:lnRef idx="2">
+            <a:schemeClr val="accent1">
+              <a:shade val="15000"/>
+            </a:schemeClr>
+          </a:lnRef>
+          <a:fillRef idx="1">
+            <a:schemeClr val="accent1"/>
+          </a:fillRef>
+          <a:effectRef idx="0">
+            <a:schemeClr val="accent1"/>
+          </a:effectRef>
+          <a:fontRef idx="minor">
+            <a:schemeClr val="lt1"/>
+          </a:fontRef>
+        </p:style>
+        <p:txBody>
+          <a:bodyPr rtlCol="0" anchor="ctr"/>
+          <a:lstStyle/>
+          <a:p>
+            <a:r>
+              <a:rPr lang="en-GB" sz="1400" dirty="0">
+                <a:solidFill>
+                  <a:schemeClr val="tx1"/>
+                </a:solidFill>
+                <a:latin typeface="Avenir Next LT Pro" panose="020B0504020202020204" pitchFamily="34" charset="0"/>
+              </a:rPr>
+              <a:t>NAMED_ENTITITY_RECOGNITION – traditional NLP to identify any entities like PERS, ORG etc a NODE for Graphs</a:t>
+            </a:r>
+          </a:p>
+        </p:txBody>
+      </p:sp>
+      <p:sp>
+        <p:nvSpPr>
+          <p:cNvPr id="35" name="Flowchart: Process 34">
+            <a:extLst>
+              <a:ext uri="{FF2B5EF4-FFF2-40B4-BE49-F238E27FC236}">
+                <a16:creationId xmlns:a16="http://schemas.microsoft.com/office/drawing/2014/main" id="{B0E5A1AA-707F-7F5C-57EF-B3B88DCAD22E}"/>
+              </a:ext>
+            </a:extLst>
+          </p:cNvPr>
+          <p:cNvSpPr/>
+          <p:nvPr/>
+        </p:nvSpPr>
+        <p:spPr>
+          <a:xfrm>
+            <a:off x="771524" y="5420902"/>
+            <a:ext cx="10788016" cy="283542"/>
+          </a:xfrm>
+          <a:prstGeom prst="flowChartProcess">
+            <a:avLst/>
+          </a:prstGeom>
+          <a:solidFill>
+            <a:schemeClr val="bg1">
+              <a:lumMod val="85000"/>
+            </a:schemeClr>
+          </a:solidFill>
+        </p:spPr>
+        <p:style>
+          <a:lnRef idx="2">
+            <a:schemeClr val="accent1">
+              <a:shade val="15000"/>
+            </a:schemeClr>
+          </a:lnRef>
+          <a:fillRef idx="1">
+            <a:schemeClr val="accent1"/>
+          </a:fillRef>
+          <a:effectRef idx="0">
+            <a:schemeClr val="accent1"/>
+          </a:effectRef>
+          <a:fontRef idx="minor">
+            <a:schemeClr val="lt1"/>
+          </a:fontRef>
+        </p:style>
+        <p:txBody>
+          <a:bodyPr rtlCol="0" anchor="ctr"/>
+          <a:lstStyle/>
+          <a:p>
+            <a:r>
+              <a:rPr lang="en-GB" sz="1400" dirty="0">
+                <a:solidFill>
+                  <a:schemeClr val="tx1"/>
+                </a:solidFill>
+                <a:latin typeface="Avenir Next LT Pro" panose="020B0504020202020204" pitchFamily="34" charset="0"/>
+              </a:rPr>
+              <a:t>SUMMARY – if longer than X characters and LLM generated summary of the element</a:t>
+            </a:r>
+          </a:p>
+        </p:txBody>
+      </p:sp>
+      <p:sp>
+        <p:nvSpPr>
+          <p:cNvPr id="36" name="Flowchart: Process 35">
+            <a:extLst>
+              <a:ext uri="{FF2B5EF4-FFF2-40B4-BE49-F238E27FC236}">
+                <a16:creationId xmlns:a16="http://schemas.microsoft.com/office/drawing/2014/main" id="{FA1B42B6-1EBE-AFBB-B7B2-3DBF81A7DA21}"/>
+              </a:ext>
+            </a:extLst>
+          </p:cNvPr>
+          <p:cNvSpPr/>
+          <p:nvPr/>
+        </p:nvSpPr>
+        <p:spPr>
+          <a:xfrm>
+            <a:off x="775208" y="742796"/>
+            <a:ext cx="10788016" cy="781204"/>
+          </a:xfrm>
+          <a:prstGeom prst="flowChartProcess">
+            <a:avLst/>
+          </a:prstGeom>
+          <a:solidFill>
+            <a:schemeClr val="tx2">
+              <a:lumMod val="10000"/>
+              <a:lumOff val="90000"/>
+            </a:schemeClr>
+          </a:solidFill>
+        </p:spPr>
+        <p:style>
+          <a:lnRef idx="2">
+            <a:schemeClr val="accent1">
+              <a:shade val="15000"/>
+            </a:schemeClr>
+          </a:lnRef>
+          <a:fillRef idx="1">
+            <a:schemeClr val="accent1"/>
+          </a:fillRef>
+          <a:effectRef idx="0">
+            <a:schemeClr val="accent1"/>
+          </a:effectRef>
+          <a:fontRef idx="minor">
+            <a:schemeClr val="lt1"/>
+          </a:fontRef>
+        </p:style>
+        <p:txBody>
+          <a:bodyPr rtlCol="0" anchor="ctr"/>
+          <a:lstStyle/>
+          <a:p>
+            <a:r>
+              <a:rPr lang="en-GB" sz="1400" dirty="0">
+                <a:solidFill>
+                  <a:schemeClr val="tx1"/>
+                </a:solidFill>
+                <a:latin typeface="Avenir Next LT Pro" panose="020B0504020202020204" pitchFamily="34" charset="0"/>
+              </a:rPr>
+              <a:t>By breaking an article into its core atoms as well as processing a number of extra properties, we can harness the well-established information retrieval forma relational database. These atoms, based on their Named Entity Recognition labels can also be the basis to create graphs of Nodes and Edges across articles. Not exhaustive.</a:t>
+            </a:r>
+            <a:endParaRPr lang="en-GB" sz="2400" dirty="0">
+              <a:solidFill>
+                <a:schemeClr val="tx1"/>
+              </a:solidFill>
+              <a:latin typeface="Avenir Next LT Pro" panose="020B0504020202020204" pitchFamily="34" charset="0"/>
+            </a:endParaRPr>
+          </a:p>
+        </p:txBody>
+      </p:sp>
+      <p:sp>
+        <p:nvSpPr>
+          <p:cNvPr id="2" name="Flowchart: Process 1">
+            <a:extLst>
+              <a:ext uri="{FF2B5EF4-FFF2-40B4-BE49-F238E27FC236}">
+                <a16:creationId xmlns:a16="http://schemas.microsoft.com/office/drawing/2014/main" id="{D0FB88EC-72E5-6A0E-5A7F-407D1D97AB7E}"/>
+              </a:ext>
+            </a:extLst>
+          </p:cNvPr>
+          <p:cNvSpPr/>
+          <p:nvPr/>
+        </p:nvSpPr>
+        <p:spPr>
+          <a:xfrm>
+            <a:off x="781050" y="6362837"/>
+            <a:ext cx="10788016" cy="283542"/>
+          </a:xfrm>
+          <a:prstGeom prst="flowChartProcess">
+            <a:avLst/>
+          </a:prstGeom>
+          <a:solidFill>
+            <a:schemeClr val="bg1">
+              <a:lumMod val="85000"/>
+            </a:schemeClr>
+          </a:solidFill>
+        </p:spPr>
+        <p:style>
+          <a:lnRef idx="2">
+            <a:schemeClr val="accent1">
+              <a:shade val="15000"/>
+            </a:schemeClr>
+          </a:lnRef>
+          <a:fillRef idx="1">
+            <a:schemeClr val="accent1"/>
+          </a:fillRef>
+          <a:effectRef idx="0">
+            <a:schemeClr val="accent1"/>
+          </a:effectRef>
+          <a:fontRef idx="minor">
+            <a:schemeClr val="lt1"/>
+          </a:fontRef>
+        </p:style>
+        <p:txBody>
+          <a:bodyPr rtlCol="0" anchor="ctr"/>
+          <a:lstStyle/>
+          <a:p>
+            <a:r>
+              <a:rPr lang="en-GB" sz="1400" dirty="0">
+                <a:solidFill>
+                  <a:schemeClr val="tx1"/>
+                </a:solidFill>
+                <a:latin typeface="Avenir Next LT Pro" panose="020B0504020202020204" pitchFamily="34" charset="0"/>
+              </a:rPr>
+              <a:t>EMBEDDING – the vector for semantic search (we may have additional embeddings for other fields like DERIVED_TEXT</a:t>
+            </a:r>
+          </a:p>
+        </p:txBody>
+      </p:sp>
+    </p:spTree>
+    <p:extLst>
+      <p:ext uri="{BB962C8B-B14F-4D97-AF65-F5344CB8AC3E}">
+        <p14:creationId xmlns:p14="http://schemas.microsoft.com/office/powerpoint/2010/main" val="1949356901"/>
+      </p:ext>
+    </p:extLst>
+  </p:cSld>
+  <p:clrMapOvr>
+    <a:masterClrMapping/>
+  </p:clrMapOvr>
+</p:sld>
+</file>
+
+<file path=ppt/slides/slide5.xml><?xml version="1.0" encoding="utf-8"?>
+<p:sld xmlns:a="http://schemas.openxmlformats.org/drawingml/2006/main" xmlns:r="http://schemas.openxmlformats.org/officeDocument/2006/relationships" xmlns:p="http://schemas.openxmlformats.org/presentationml/2006/main">
+  <p:cSld>
+    <p:spTree>
+      <p:nvGrpSpPr>
+        <p:cNvPr id="1" name="">
+          <a:extLst>
+            <a:ext uri="{FF2B5EF4-FFF2-40B4-BE49-F238E27FC236}">
+              <a16:creationId xmlns:a16="http://schemas.microsoft.com/office/drawing/2014/main" id="{0E39DD05-58D2-894D-674A-63E49125F577}"/>
+            </a:ext>
+          </a:extLst>
+        </p:cNvPr>
+        <p:cNvGrpSpPr/>
+        <p:nvPr/>
+      </p:nvGrpSpPr>
+      <p:grpSpPr>
+        <a:xfrm>
+          <a:off x="0" y="0"/>
+          <a:ext cx="0" cy="0"/>
+          <a:chOff x="0" y="0"/>
+          <a:chExt cx="0" cy="0"/>
+        </a:xfrm>
+      </p:grpSpPr>
+      <p:sp>
+        <p:nvSpPr>
+          <p:cNvPr id="13" name="Flowchart: Process 12">
+            <a:extLst>
+              <a:ext uri="{FF2B5EF4-FFF2-40B4-BE49-F238E27FC236}">
+                <a16:creationId xmlns:a16="http://schemas.microsoft.com/office/drawing/2014/main" id="{2B30CD3B-5B57-2B48-1FC4-A58F8B591E2F}"/>
+              </a:ext>
+            </a:extLst>
+          </p:cNvPr>
+          <p:cNvSpPr/>
+          <p:nvPr/>
+        </p:nvSpPr>
+        <p:spPr>
+          <a:xfrm>
+            <a:off x="4018758" y="492431"/>
+            <a:ext cx="4154483" cy="445357"/>
+          </a:xfrm>
+          <a:prstGeom prst="flowChartProcess">
+            <a:avLst/>
+          </a:prstGeom>
+          <a:solidFill>
+            <a:schemeClr val="tx2">
+              <a:lumMod val="10000"/>
+              <a:lumOff val="90000"/>
+            </a:schemeClr>
+          </a:solidFill>
+        </p:spPr>
+        <p:style>
+          <a:lnRef idx="2">
+            <a:schemeClr val="accent1">
+              <a:shade val="15000"/>
+            </a:schemeClr>
+          </a:lnRef>
+          <a:fillRef idx="1">
+            <a:schemeClr val="accent1"/>
+          </a:fillRef>
+          <a:effectRef idx="0">
+            <a:schemeClr val="accent1"/>
+          </a:effectRef>
+          <a:fontRef idx="minor">
+            <a:schemeClr val="lt1"/>
+          </a:fontRef>
+        </p:style>
+        <p:txBody>
+          <a:bodyPr rtlCol="0" anchor="ctr"/>
+          <a:lstStyle/>
+          <a:p>
+            <a:pPr algn="ctr"/>
+            <a:r>
+              <a:rPr lang="en-GB" sz="1600" b="1" dirty="0">
+                <a:solidFill>
+                  <a:schemeClr val="accent5">
+                    <a:lumMod val="75000"/>
+                  </a:schemeClr>
+                </a:solidFill>
+                <a:latin typeface="Avenir Next LT Pro" panose="020B0504020202020204" pitchFamily="34" charset="0"/>
+              </a:rPr>
+              <a:t>Crowd Sourced Knowledge</a:t>
+            </a:r>
+          </a:p>
+        </p:txBody>
+      </p:sp>
+      <p:sp>
+        <p:nvSpPr>
+          <p:cNvPr id="32" name="Flowchart: Process 31">
+            <a:extLst>
+              <a:ext uri="{FF2B5EF4-FFF2-40B4-BE49-F238E27FC236}">
+                <a16:creationId xmlns:a16="http://schemas.microsoft.com/office/drawing/2014/main" id="{8D994383-24A0-CD95-D2D6-796A5D67E9E4}"/>
+              </a:ext>
+            </a:extLst>
+          </p:cNvPr>
+          <p:cNvSpPr/>
+          <p:nvPr/>
+        </p:nvSpPr>
+        <p:spPr>
+          <a:xfrm>
+            <a:off x="701992" y="1232145"/>
+            <a:ext cx="10788016" cy="720480"/>
+          </a:xfrm>
+          <a:prstGeom prst="flowChartProcess">
+            <a:avLst/>
+          </a:prstGeom>
+          <a:solidFill>
+            <a:schemeClr val="bg1">
+              <a:lumMod val="85000"/>
+            </a:schemeClr>
+          </a:solidFill>
+        </p:spPr>
+        <p:style>
+          <a:lnRef idx="2">
+            <a:schemeClr val="accent1">
+              <a:shade val="15000"/>
+            </a:schemeClr>
+          </a:lnRef>
+          <a:fillRef idx="1">
+            <a:schemeClr val="accent1"/>
+          </a:fillRef>
+          <a:effectRef idx="0">
+            <a:schemeClr val="accent1"/>
+          </a:effectRef>
+          <a:fontRef idx="minor">
+            <a:schemeClr val="lt1"/>
+          </a:fontRef>
+        </p:style>
+        <p:txBody>
+          <a:bodyPr rtlCol="0" anchor="ctr"/>
+          <a:lstStyle/>
+          <a:p>
+            <a:r>
+              <a:rPr lang="en-GB" sz="1400" dirty="0">
+                <a:solidFill>
+                  <a:schemeClr val="tx1"/>
+                </a:solidFill>
+                <a:latin typeface="Avenir Next LT Pro" panose="020B0504020202020204" pitchFamily="34" charset="0"/>
+              </a:rPr>
+              <a:t>We record all queries and any user feedback regarding HELPFUL/NOT_HELPFUL,BAD, ADDITIOANAL_COMMENTS, IS_ACCURATE, IS_ RELEVANT, IS_COMPLETE.</a:t>
+            </a:r>
+          </a:p>
+        </p:txBody>
+      </p:sp>
+      <p:sp>
+        <p:nvSpPr>
+          <p:cNvPr id="2" name="Flowchart: Process 1">
+            <a:extLst>
+              <a:ext uri="{FF2B5EF4-FFF2-40B4-BE49-F238E27FC236}">
+                <a16:creationId xmlns:a16="http://schemas.microsoft.com/office/drawing/2014/main" id="{4C7B0358-86E7-5F91-3328-86279AFB8C35}"/>
+              </a:ext>
+            </a:extLst>
+          </p:cNvPr>
+          <p:cNvSpPr/>
+          <p:nvPr/>
+        </p:nvSpPr>
+        <p:spPr>
+          <a:xfrm>
+            <a:off x="701992" y="2222590"/>
+            <a:ext cx="10788016" cy="720480"/>
+          </a:xfrm>
+          <a:prstGeom prst="flowChartProcess">
+            <a:avLst/>
+          </a:prstGeom>
+          <a:solidFill>
+            <a:schemeClr val="bg1">
+              <a:lumMod val="85000"/>
+            </a:schemeClr>
+          </a:solidFill>
+        </p:spPr>
+        <p:style>
+          <a:lnRef idx="2">
+            <a:schemeClr val="accent1">
+              <a:shade val="15000"/>
+            </a:schemeClr>
+          </a:lnRef>
+          <a:fillRef idx="1">
+            <a:schemeClr val="accent1"/>
+          </a:fillRef>
+          <a:effectRef idx="0">
+            <a:schemeClr val="accent1"/>
+          </a:effectRef>
+          <a:fontRef idx="minor">
+            <a:schemeClr val="lt1"/>
+          </a:fontRef>
+        </p:style>
+        <p:txBody>
+          <a:bodyPr rtlCol="0" anchor="ctr"/>
+          <a:lstStyle/>
+          <a:p>
+            <a:r>
+              <a:rPr lang="en-GB" sz="1400" dirty="0">
+                <a:solidFill>
+                  <a:schemeClr val="tx1"/>
+                </a:solidFill>
+                <a:latin typeface="Avenir Next LT Pro" panose="020B0504020202020204" pitchFamily="34" charset="0"/>
+              </a:rPr>
+              <a:t>When a user asks a question, we can have the option to return a list of USER_APPROVED_ANSWERS as well as ranking/rating. This can be the first response and then this response can be included in further search if the user wants this.</a:t>
+            </a:r>
+          </a:p>
+        </p:txBody>
+      </p:sp>
+      <p:sp>
+        <p:nvSpPr>
+          <p:cNvPr id="3" name="Flowchart: Process 2">
+            <a:extLst>
+              <a:ext uri="{FF2B5EF4-FFF2-40B4-BE49-F238E27FC236}">
+                <a16:creationId xmlns:a16="http://schemas.microsoft.com/office/drawing/2014/main" id="{359A12D8-E576-50D2-937E-F54116B02661}"/>
+              </a:ext>
+            </a:extLst>
+          </p:cNvPr>
+          <p:cNvSpPr/>
+          <p:nvPr/>
+        </p:nvSpPr>
+        <p:spPr>
+          <a:xfrm>
+            <a:off x="701992" y="3213035"/>
+            <a:ext cx="10788016" cy="720480"/>
+          </a:xfrm>
+          <a:prstGeom prst="flowChartProcess">
+            <a:avLst/>
+          </a:prstGeom>
+          <a:solidFill>
+            <a:schemeClr val="bg1">
+              <a:lumMod val="85000"/>
+            </a:schemeClr>
+          </a:solidFill>
+        </p:spPr>
+        <p:style>
+          <a:lnRef idx="2">
+            <a:schemeClr val="accent1">
+              <a:shade val="15000"/>
+            </a:schemeClr>
+          </a:lnRef>
+          <a:fillRef idx="1">
+            <a:schemeClr val="accent1"/>
+          </a:fillRef>
+          <a:effectRef idx="0">
+            <a:schemeClr val="accent1"/>
+          </a:effectRef>
+          <a:fontRef idx="minor">
+            <a:schemeClr val="lt1"/>
+          </a:fontRef>
+        </p:style>
+        <p:txBody>
+          <a:bodyPr rtlCol="0" anchor="ctr"/>
+          <a:lstStyle/>
+          <a:p>
+            <a:r>
+              <a:rPr lang="en-GB" sz="1400" dirty="0">
+                <a:solidFill>
+                  <a:schemeClr val="tx1"/>
+                </a:solidFill>
+                <a:latin typeface="Avenir Next LT Pro" panose="020B0504020202020204" pitchFamily="34" charset="0"/>
+              </a:rPr>
+              <a:t>Researchers can make informal Q/A pairs with sources, that can be optionally included if the user wants this. It also provides a way of importing/exporting domain knowledge without having to be produced and accepted in formal channels. They can have added STATUS like VERIFIED/LIKELY/IN_PROGRESS</a:t>
+            </a:r>
+          </a:p>
+        </p:txBody>
+      </p:sp>
+      <p:sp>
+        <p:nvSpPr>
+          <p:cNvPr id="4" name="Flowchart: Process 3">
+            <a:extLst>
+              <a:ext uri="{FF2B5EF4-FFF2-40B4-BE49-F238E27FC236}">
+                <a16:creationId xmlns:a16="http://schemas.microsoft.com/office/drawing/2014/main" id="{DDAC06F5-FCAF-52A6-835C-4A5C0388354E}"/>
+              </a:ext>
+            </a:extLst>
+          </p:cNvPr>
+          <p:cNvSpPr/>
+          <p:nvPr/>
+        </p:nvSpPr>
+        <p:spPr>
+          <a:xfrm>
+            <a:off x="4018757" y="4203480"/>
+            <a:ext cx="4154483" cy="445357"/>
+          </a:xfrm>
+          <a:prstGeom prst="flowChartProcess">
+            <a:avLst/>
+          </a:prstGeom>
+          <a:solidFill>
+            <a:schemeClr val="tx2">
+              <a:lumMod val="10000"/>
+              <a:lumOff val="90000"/>
+            </a:schemeClr>
+          </a:solidFill>
+        </p:spPr>
+        <p:style>
+          <a:lnRef idx="2">
+            <a:schemeClr val="accent1">
+              <a:shade val="15000"/>
+            </a:schemeClr>
+          </a:lnRef>
+          <a:fillRef idx="1">
+            <a:schemeClr val="accent1"/>
+          </a:fillRef>
+          <a:effectRef idx="0">
+            <a:schemeClr val="accent1"/>
+          </a:effectRef>
+          <a:fontRef idx="minor">
+            <a:schemeClr val="lt1"/>
+          </a:fontRef>
+        </p:style>
+        <p:txBody>
+          <a:bodyPr rtlCol="0" anchor="ctr"/>
+          <a:lstStyle/>
+          <a:p>
+            <a:pPr algn="ctr"/>
+            <a:r>
+              <a:rPr lang="en-GB" sz="1600" b="1" dirty="0">
+                <a:solidFill>
+                  <a:schemeClr val="accent5">
+                    <a:lumMod val="75000"/>
+                  </a:schemeClr>
+                </a:solidFill>
+                <a:latin typeface="Avenir Next LT Pro" panose="020B0504020202020204" pitchFamily="34" charset="0"/>
+              </a:rPr>
+              <a:t>Report Creation</a:t>
+            </a:r>
+          </a:p>
+        </p:txBody>
+      </p:sp>
+      <p:sp>
+        <p:nvSpPr>
+          <p:cNvPr id="11" name="Flowchart: Process 10">
+            <a:extLst>
+              <a:ext uri="{FF2B5EF4-FFF2-40B4-BE49-F238E27FC236}">
+                <a16:creationId xmlns:a16="http://schemas.microsoft.com/office/drawing/2014/main" id="{018D3D3A-ECFF-E58A-BD98-B481E23B4C55}"/>
+              </a:ext>
+            </a:extLst>
+          </p:cNvPr>
+          <p:cNvSpPr/>
+          <p:nvPr/>
+        </p:nvSpPr>
+        <p:spPr>
+          <a:xfrm>
+            <a:off x="701990" y="4918802"/>
+            <a:ext cx="10788016" cy="720480"/>
+          </a:xfrm>
+          <a:prstGeom prst="flowChartProcess">
+            <a:avLst/>
+          </a:prstGeom>
+          <a:solidFill>
+            <a:schemeClr val="bg1">
+              <a:lumMod val="85000"/>
+            </a:schemeClr>
+          </a:solidFill>
+        </p:spPr>
+        <p:style>
+          <a:lnRef idx="2">
+            <a:schemeClr val="accent1">
+              <a:shade val="15000"/>
+            </a:schemeClr>
+          </a:lnRef>
+          <a:fillRef idx="1">
+            <a:schemeClr val="accent1"/>
+          </a:fillRef>
+          <a:effectRef idx="0">
+            <a:schemeClr val="accent1"/>
+          </a:effectRef>
+          <a:fontRef idx="minor">
+            <a:schemeClr val="lt1"/>
+          </a:fontRef>
+        </p:style>
+        <p:txBody>
+          <a:bodyPr rtlCol="0" anchor="ctr"/>
+          <a:lstStyle/>
+          <a:p>
+            <a:r>
+              <a:rPr lang="en-GB" sz="1400" dirty="0">
+                <a:solidFill>
+                  <a:schemeClr val="tx1"/>
+                </a:solidFill>
+                <a:latin typeface="Avenir Next LT Pro" panose="020B0504020202020204" pitchFamily="34" charset="0"/>
+              </a:rPr>
+              <a:t>Based on all these atoms of information, we can use AI to create reports/presentations etc in a variety of ways. This would be generic Software/UI development using traditional Python with AI Agents providing the flow </a:t>
+            </a:r>
+            <a:r>
+              <a:rPr lang="en-GB" sz="1400">
+                <a:solidFill>
+                  <a:schemeClr val="tx1"/>
+                </a:solidFill>
+                <a:latin typeface="Avenir Next LT Pro" panose="020B0504020202020204" pitchFamily="34" charset="0"/>
+              </a:rPr>
+              <a:t>and content </a:t>
+            </a:r>
+            <a:endParaRPr lang="en-GB" sz="1400" dirty="0">
+              <a:solidFill>
+                <a:schemeClr val="tx1"/>
+              </a:solidFill>
+              <a:latin typeface="Avenir Next LT Pro" panose="020B0504020202020204" pitchFamily="34" charset="0"/>
+            </a:endParaRPr>
+          </a:p>
+        </p:txBody>
+      </p:sp>
+    </p:spTree>
+    <p:extLst>
+      <p:ext uri="{BB962C8B-B14F-4D97-AF65-F5344CB8AC3E}">
+        <p14:creationId xmlns:p14="http://schemas.microsoft.com/office/powerpoint/2010/main" val="89422379"/>
       </p:ext>
     </p:extLst>
   </p:cSld>

--- a/docs/images/rag.pptx
+++ b/docs/images/rag.pptx
@@ -263,7 +263,7 @@
           <a:p>
             <a:fld id="{08D827C3-7CC9-4DFF-841F-1C6E70298E42}" type="datetimeFigureOut">
               <a:rPr lang="en-GB" smtClean="0"/>
-              <a:t>22/12/2024</a:t>
+              <a:t>28/12/2024</a:t>
             </a:fld>
             <a:endParaRPr lang="en-GB"/>
           </a:p>
@@ -463,7 +463,7 @@
           <a:p>
             <a:fld id="{08D827C3-7CC9-4DFF-841F-1C6E70298E42}" type="datetimeFigureOut">
               <a:rPr lang="en-GB" smtClean="0"/>
-              <a:t>22/12/2024</a:t>
+              <a:t>28/12/2024</a:t>
             </a:fld>
             <a:endParaRPr lang="en-GB"/>
           </a:p>
@@ -673,7 +673,7 @@
           <a:p>
             <a:fld id="{08D827C3-7CC9-4DFF-841F-1C6E70298E42}" type="datetimeFigureOut">
               <a:rPr lang="en-GB" smtClean="0"/>
-              <a:t>22/12/2024</a:t>
+              <a:t>28/12/2024</a:t>
             </a:fld>
             <a:endParaRPr lang="en-GB"/>
           </a:p>
@@ -873,7 +873,7 @@
           <a:p>
             <a:fld id="{08D827C3-7CC9-4DFF-841F-1C6E70298E42}" type="datetimeFigureOut">
               <a:rPr lang="en-GB" smtClean="0"/>
-              <a:t>22/12/2024</a:t>
+              <a:t>28/12/2024</a:t>
             </a:fld>
             <a:endParaRPr lang="en-GB"/>
           </a:p>
@@ -1149,7 +1149,7 @@
           <a:p>
             <a:fld id="{08D827C3-7CC9-4DFF-841F-1C6E70298E42}" type="datetimeFigureOut">
               <a:rPr lang="en-GB" smtClean="0"/>
-              <a:t>22/12/2024</a:t>
+              <a:t>28/12/2024</a:t>
             </a:fld>
             <a:endParaRPr lang="en-GB"/>
           </a:p>
@@ -1417,7 +1417,7 @@
           <a:p>
             <a:fld id="{08D827C3-7CC9-4DFF-841F-1C6E70298E42}" type="datetimeFigureOut">
               <a:rPr lang="en-GB" smtClean="0"/>
-              <a:t>22/12/2024</a:t>
+              <a:t>28/12/2024</a:t>
             </a:fld>
             <a:endParaRPr lang="en-GB"/>
           </a:p>
@@ -1832,7 +1832,7 @@
           <a:p>
             <a:fld id="{08D827C3-7CC9-4DFF-841F-1C6E70298E42}" type="datetimeFigureOut">
               <a:rPr lang="en-GB" smtClean="0"/>
-              <a:t>22/12/2024</a:t>
+              <a:t>28/12/2024</a:t>
             </a:fld>
             <a:endParaRPr lang="en-GB"/>
           </a:p>
@@ -1974,7 +1974,7 @@
           <a:p>
             <a:fld id="{08D827C3-7CC9-4DFF-841F-1C6E70298E42}" type="datetimeFigureOut">
               <a:rPr lang="en-GB" smtClean="0"/>
-              <a:t>22/12/2024</a:t>
+              <a:t>28/12/2024</a:t>
             </a:fld>
             <a:endParaRPr lang="en-GB"/>
           </a:p>
@@ -2087,7 +2087,7 @@
           <a:p>
             <a:fld id="{08D827C3-7CC9-4DFF-841F-1C6E70298E42}" type="datetimeFigureOut">
               <a:rPr lang="en-GB" smtClean="0"/>
-              <a:t>22/12/2024</a:t>
+              <a:t>28/12/2024</a:t>
             </a:fld>
             <a:endParaRPr lang="en-GB"/>
           </a:p>
@@ -2400,7 +2400,7 @@
           <a:p>
             <a:fld id="{08D827C3-7CC9-4DFF-841F-1C6E70298E42}" type="datetimeFigureOut">
               <a:rPr lang="en-GB" smtClean="0"/>
-              <a:t>22/12/2024</a:t>
+              <a:t>28/12/2024</a:t>
             </a:fld>
             <a:endParaRPr lang="en-GB"/>
           </a:p>
@@ -2689,7 +2689,7 @@
           <a:p>
             <a:fld id="{08D827C3-7CC9-4DFF-841F-1C6E70298E42}" type="datetimeFigureOut">
               <a:rPr lang="en-GB" smtClean="0"/>
-              <a:t>22/12/2024</a:t>
+              <a:t>28/12/2024</a:t>
             </a:fld>
             <a:endParaRPr lang="en-GB"/>
           </a:p>
@@ -2932,7 +2932,7 @@
           <a:p>
             <a:fld id="{08D827C3-7CC9-4DFF-841F-1C6E70298E42}" type="datetimeFigureOut">
               <a:rPr lang="en-GB" smtClean="0"/>
-              <a:t>22/12/2024</a:t>
+              <a:t>28/12/2024</a:t>
             </a:fld>
             <a:endParaRPr lang="en-GB"/>
           </a:p>
@@ -5448,8 +5448,8 @@
         </p:nvSpPr>
         <p:spPr>
           <a:xfrm>
-            <a:off x="9129975" y="3032594"/>
-            <a:ext cx="2895600" cy="1156428"/>
+            <a:off x="9394333" y="3026187"/>
+            <a:ext cx="2359517" cy="1625394"/>
           </a:xfrm>
           <a:prstGeom prst="roundRect">
             <a:avLst/>
@@ -5494,10 +5494,10 @@
       </p:sp>
       <p:sp>
         <p:nvSpPr>
-          <p:cNvPr id="20" name="Arrow: Right 19">
-            <a:extLst>
-              <a:ext uri="{FF2B5EF4-FFF2-40B4-BE49-F238E27FC236}">
-                <a16:creationId xmlns:a16="http://schemas.microsoft.com/office/drawing/2014/main" id="{69D0E256-D729-AE39-2567-C58070B7A5A9}"/>
+          <p:cNvPr id="24" name="Flowchart: Process 23">
+            <a:extLst>
+              <a:ext uri="{FF2B5EF4-FFF2-40B4-BE49-F238E27FC236}">
+                <a16:creationId xmlns:a16="http://schemas.microsoft.com/office/drawing/2014/main" id="{667EE7C8-D3D2-4D9C-9520-72BC106D6BCB}"/>
               </a:ext>
             </a:extLst>
           </p:cNvPr>
@@ -5506,8 +5506,67 @@
         </p:nvSpPr>
         <p:spPr>
           <a:xfrm>
-            <a:off x="4675044" y="1289108"/>
-            <a:ext cx="1291623" cy="265176"/>
+            <a:off x="6096000" y="2473635"/>
+            <a:ext cx="2745835" cy="951746"/>
+          </a:xfrm>
+          <a:prstGeom prst="flowChartProcess">
+            <a:avLst/>
+          </a:prstGeom>
+          <a:solidFill>
+            <a:schemeClr val="bg1">
+              <a:lumMod val="85000"/>
+            </a:schemeClr>
+          </a:solidFill>
+        </p:spPr>
+        <p:style>
+          <a:lnRef idx="2">
+            <a:schemeClr val="accent1">
+              <a:shade val="15000"/>
+            </a:schemeClr>
+          </a:lnRef>
+          <a:fillRef idx="1">
+            <a:schemeClr val="accent1"/>
+          </a:fillRef>
+          <a:effectRef idx="0">
+            <a:schemeClr val="accent1"/>
+          </a:effectRef>
+          <a:fontRef idx="minor">
+            <a:schemeClr val="lt1"/>
+          </a:fontRef>
+        </p:style>
+        <p:txBody>
+          <a:bodyPr rtlCol="0" anchor="ctr"/>
+          <a:lstStyle/>
+          <a:p>
+            <a:pPr algn="ctr"/>
+            <a:r>
+              <a:rPr lang="en-GB" sz="1200" dirty="0">
+                <a:solidFill>
+                  <a:schemeClr val="tx1"/>
+                </a:solidFill>
+                <a:latin typeface="Avenir Next LT Pro" panose="020B0504020202020204" pitchFamily="34" charset="0"/>
+              </a:rPr>
+              <a:t>Run through another specialist LLM to generate final text summarising tables and images. Further operations also possible</a:t>
+            </a:r>
+          </a:p>
+        </p:txBody>
+      </p:sp>
+      <p:sp>
+        <p:nvSpPr>
+          <p:cNvPr id="35" name="Arrow: Right 34">
+            <a:extLst>
+              <a:ext uri="{FF2B5EF4-FFF2-40B4-BE49-F238E27FC236}">
+                <a16:creationId xmlns:a16="http://schemas.microsoft.com/office/drawing/2014/main" id="{C758E2E0-4A48-9742-39D4-36122E4A7838}"/>
+              </a:ext>
+            </a:extLst>
+          </p:cNvPr>
+          <p:cNvSpPr/>
+          <p:nvPr/>
+        </p:nvSpPr>
+        <p:spPr>
+          <a:xfrm>
+            <a:off x="4666877" y="516930"/>
+            <a:ext cx="4629523" cy="392474"/>
           </a:xfrm>
           <a:prstGeom prst="rightArrow">
             <a:avLst/>
@@ -5546,10 +5605,10 @@
       </p:sp>
       <p:sp>
         <p:nvSpPr>
-          <p:cNvPr id="24" name="Flowchart: Process 23">
-            <a:extLst>
-              <a:ext uri="{FF2B5EF4-FFF2-40B4-BE49-F238E27FC236}">
-                <a16:creationId xmlns:a16="http://schemas.microsoft.com/office/drawing/2014/main" id="{667EE7C8-D3D2-4D9C-9520-72BC106D6BCB}"/>
+          <p:cNvPr id="36" name="Arrow: Right 35">
+            <a:extLst>
+              <a:ext uri="{FF2B5EF4-FFF2-40B4-BE49-F238E27FC236}">
+                <a16:creationId xmlns:a16="http://schemas.microsoft.com/office/drawing/2014/main" id="{01DAFCD4-ACFF-F451-BCA3-2ADB3F79ABE4}"/>
               </a:ext>
             </a:extLst>
           </p:cNvPr>
@@ -5558,67 +5617,8 @@
         </p:nvSpPr>
         <p:spPr>
           <a:xfrm>
-            <a:off x="5955409" y="1031143"/>
-            <a:ext cx="2665797" cy="2280734"/>
-          </a:xfrm>
-          <a:prstGeom prst="flowChartProcess">
-            <a:avLst/>
-          </a:prstGeom>
-          <a:solidFill>
-            <a:schemeClr val="bg1">
-              <a:lumMod val="85000"/>
-            </a:schemeClr>
-          </a:solidFill>
-        </p:spPr>
-        <p:style>
-          <a:lnRef idx="2">
-            <a:schemeClr val="accent1">
-              <a:shade val="15000"/>
-            </a:schemeClr>
-          </a:lnRef>
-          <a:fillRef idx="1">
-            <a:schemeClr val="accent1"/>
-          </a:fillRef>
-          <a:effectRef idx="0">
-            <a:schemeClr val="accent1"/>
-          </a:effectRef>
-          <a:fontRef idx="minor">
-            <a:schemeClr val="lt1"/>
-          </a:fontRef>
-        </p:style>
-        <p:txBody>
-          <a:bodyPr rtlCol="0" anchor="ctr"/>
-          <a:lstStyle/>
-          <a:p>
-            <a:pPr algn="ctr"/>
-            <a:r>
-              <a:rPr lang="en-GB" dirty="0">
-                <a:solidFill>
-                  <a:schemeClr val="tx1"/>
-                </a:solidFill>
-                <a:latin typeface="Avenir Next LT Pro" panose="020B0504020202020204" pitchFamily="34" charset="0"/>
-              </a:rPr>
-              <a:t>Run through another specialist LLM to generate final text summarising tables and images. Further operations also possible</a:t>
-            </a:r>
-          </a:p>
-        </p:txBody>
-      </p:sp>
-      <p:sp>
-        <p:nvSpPr>
-          <p:cNvPr id="35" name="Arrow: Right 34">
-            <a:extLst>
-              <a:ext uri="{FF2B5EF4-FFF2-40B4-BE49-F238E27FC236}">
-                <a16:creationId xmlns:a16="http://schemas.microsoft.com/office/drawing/2014/main" id="{C758E2E0-4A48-9742-39D4-36122E4A7838}"/>
-              </a:ext>
-            </a:extLst>
-          </p:cNvPr>
-          <p:cNvSpPr/>
-          <p:nvPr/>
-        </p:nvSpPr>
-        <p:spPr>
-          <a:xfrm>
-            <a:off x="4666877" y="516930"/>
-            <a:ext cx="4629523" cy="392474"/>
+            <a:off x="4703251" y="2862394"/>
+            <a:ext cx="1360773" cy="265176"/>
           </a:xfrm>
           <a:prstGeom prst="rightArrow">
             <a:avLst/>
@@ -5657,10 +5657,10 @@
       </p:sp>
       <p:sp>
         <p:nvSpPr>
-          <p:cNvPr id="36" name="Arrow: Right 35">
-            <a:extLst>
-              <a:ext uri="{FF2B5EF4-FFF2-40B4-BE49-F238E27FC236}">
-                <a16:creationId xmlns:a16="http://schemas.microsoft.com/office/drawing/2014/main" id="{01DAFCD4-ACFF-F451-BCA3-2ADB3F79ABE4}"/>
+          <p:cNvPr id="39" name="Rectangle: Rounded Corners 38">
+            <a:extLst>
+              <a:ext uri="{FF2B5EF4-FFF2-40B4-BE49-F238E27FC236}">
+                <a16:creationId xmlns:a16="http://schemas.microsoft.com/office/drawing/2014/main" id="{4681A776-AC61-6B70-0DD7-92EE7744BCE0}"/>
               </a:ext>
             </a:extLst>
           </p:cNvPr>
@@ -5668,61 +5668,9 @@
           <p:nvPr/>
         </p:nvSpPr>
         <p:spPr>
-          <a:xfrm rot="19756657">
-            <a:off x="4618619" y="2709351"/>
-            <a:ext cx="1360773" cy="265176"/>
-          </a:xfrm>
-          <a:prstGeom prst="rightArrow">
-            <a:avLst/>
-          </a:prstGeom>
-          <a:solidFill>
-            <a:schemeClr val="accent3">
-              <a:lumMod val="20000"/>
-              <a:lumOff val="80000"/>
-            </a:schemeClr>
-          </a:solidFill>
-        </p:spPr>
-        <p:style>
-          <a:lnRef idx="2">
-            <a:schemeClr val="accent1">
-              <a:shade val="15000"/>
-            </a:schemeClr>
-          </a:lnRef>
-          <a:fillRef idx="1">
-            <a:schemeClr val="accent1"/>
-          </a:fillRef>
-          <a:effectRef idx="0">
-            <a:schemeClr val="accent1"/>
-          </a:effectRef>
-          <a:fontRef idx="minor">
-            <a:schemeClr val="lt1"/>
-          </a:fontRef>
-        </p:style>
-        <p:txBody>
-          <a:bodyPr rtlCol="0" anchor="ctr"/>
-          <a:lstStyle/>
-          <a:p>
-            <a:pPr algn="ctr"/>
-            <a:endParaRPr lang="en-GB"/>
-          </a:p>
-        </p:txBody>
-      </p:sp>
-      <p:sp>
-        <p:nvSpPr>
-          <p:cNvPr id="39" name="Rectangle: Rounded Corners 38">
-            <a:extLst>
-              <a:ext uri="{FF2B5EF4-FFF2-40B4-BE49-F238E27FC236}">
-                <a16:creationId xmlns:a16="http://schemas.microsoft.com/office/drawing/2014/main" id="{4681A776-AC61-6B70-0DD7-92EE7744BCE0}"/>
-              </a:ext>
-            </a:extLst>
-          </p:cNvPr>
-          <p:cNvSpPr/>
-          <p:nvPr/>
-        </p:nvSpPr>
-        <p:spPr>
           <a:xfrm>
-            <a:off x="770465" y="3865282"/>
-            <a:ext cx="5649385" cy="2351518"/>
+            <a:off x="356616" y="3989552"/>
+            <a:ext cx="8773359" cy="2351518"/>
           </a:xfrm>
           <a:prstGeom prst="roundRect">
             <a:avLst/>
@@ -5753,6 +5701,14 @@
           <a:bodyPr rtlCol="0" anchor="ctr"/>
           <a:lstStyle/>
           <a:p>
+            <a:endParaRPr lang="en-GB" sz="2000" dirty="0">
+              <a:solidFill>
+                <a:schemeClr val="tx1"/>
+              </a:solidFill>
+              <a:latin typeface="Avenir Next LT Pro" panose="020B0504020202020204" pitchFamily="34" charset="0"/>
+            </a:endParaRPr>
+          </a:p>
+          <a:p>
             <a:r>
               <a:rPr lang="en-GB" sz="2000" dirty="0">
                 <a:solidFill>
@@ -5760,7 +5716,26 @@
                 </a:solidFill>
                 <a:latin typeface="Avenir Next LT Pro" panose="020B0504020202020204" pitchFamily="34" charset="0"/>
               </a:rPr>
-              <a:t>When a user runs a query, the user can rate and provide feedback. These are CACHED results that can be used as responses to future queries or part of the retrieved content for cached and newly generated responses.</a:t>
+              <a:t>Unstructured produces HTML, TEXT and IMAGE (base64) version of any tabular data.</a:t>
+            </a:r>
+          </a:p>
+          <a:p>
+            <a:endParaRPr lang="en-GB" sz="2000" dirty="0">
+              <a:solidFill>
+                <a:schemeClr val="tx1"/>
+              </a:solidFill>
+              <a:latin typeface="Avenir Next LT Pro" panose="020B0504020202020204" pitchFamily="34" charset="0"/>
+            </a:endParaRPr>
+          </a:p>
+          <a:p>
+            <a:r>
+              <a:rPr lang="en-GB" sz="2000" dirty="0">
+                <a:solidFill>
+                  <a:schemeClr val="tx1"/>
+                </a:solidFill>
+                <a:latin typeface="Avenir Next LT Pro" panose="020B0504020202020204" pitchFamily="34" charset="0"/>
+              </a:rPr>
+              <a:t>The base64 value of any images are also produced so that we can store all these values to reproduce them or we can further analyse these using a range of specialist LLMs a</a:t>
             </a:r>
           </a:p>
           <a:p>
@@ -5830,10 +5805,10 @@
       </p:sp>
       <p:sp>
         <p:nvSpPr>
-          <p:cNvPr id="2" name="Arrow: Right 1">
-            <a:extLst>
-              <a:ext uri="{FF2B5EF4-FFF2-40B4-BE49-F238E27FC236}">
-                <a16:creationId xmlns:a16="http://schemas.microsoft.com/office/drawing/2014/main" id="{A98BC3F4-CA50-CBA3-813C-037C33198752}"/>
+          <p:cNvPr id="3" name="Flowchart: Process 2">
+            <a:extLst>
+              <a:ext uri="{FF2B5EF4-FFF2-40B4-BE49-F238E27FC236}">
+                <a16:creationId xmlns:a16="http://schemas.microsoft.com/office/drawing/2014/main" id="{CF879B09-109B-C059-F85F-964FFE4849A1}"/>
               </a:ext>
             </a:extLst>
           </p:cNvPr>
@@ -5842,8 +5817,67 @@
         </p:nvSpPr>
         <p:spPr>
           <a:xfrm>
-            <a:off x="4701953" y="2066133"/>
-            <a:ext cx="1136782" cy="265176"/>
+            <a:off x="2414420" y="2805779"/>
+            <a:ext cx="2256854" cy="571500"/>
+          </a:xfrm>
+          <a:prstGeom prst="flowChartProcess">
+            <a:avLst/>
+          </a:prstGeom>
+          <a:solidFill>
+            <a:schemeClr val="bg1">
+              <a:lumMod val="85000"/>
+            </a:schemeClr>
+          </a:solidFill>
+        </p:spPr>
+        <p:style>
+          <a:lnRef idx="2">
+            <a:schemeClr val="accent1">
+              <a:shade val="15000"/>
+            </a:schemeClr>
+          </a:lnRef>
+          <a:fillRef idx="1">
+            <a:schemeClr val="accent1"/>
+          </a:fillRef>
+          <a:effectRef idx="0">
+            <a:schemeClr val="accent1"/>
+          </a:effectRef>
+          <a:fontRef idx="minor">
+            <a:schemeClr val="lt1"/>
+          </a:fontRef>
+        </p:style>
+        <p:txBody>
+          <a:bodyPr rtlCol="0" anchor="ctr"/>
+          <a:lstStyle/>
+          <a:p>
+            <a:pPr algn="ctr"/>
+            <a:r>
+              <a:rPr lang="en-GB" dirty="0">
+                <a:solidFill>
+                  <a:schemeClr val="tx1"/>
+                </a:solidFill>
+                <a:latin typeface="Avenir Next LT Pro" panose="020B0504020202020204" pitchFamily="34" charset="0"/>
+              </a:rPr>
+              <a:t>Audio and Video</a:t>
+            </a:r>
+          </a:p>
+        </p:txBody>
+      </p:sp>
+      <p:sp>
+        <p:nvSpPr>
+          <p:cNvPr id="4" name="Arrow: Right 3">
+            <a:extLst>
+              <a:ext uri="{FF2B5EF4-FFF2-40B4-BE49-F238E27FC236}">
+                <a16:creationId xmlns:a16="http://schemas.microsoft.com/office/drawing/2014/main" id="{9C7BC4FC-A6AB-8ADD-72BE-9A63978EF717}"/>
+              </a:ext>
+            </a:extLst>
+          </p:cNvPr>
+          <p:cNvSpPr/>
+          <p:nvPr/>
+        </p:nvSpPr>
+        <p:spPr>
+          <a:xfrm rot="19023248">
+            <a:off x="8751047" y="2011221"/>
+            <a:ext cx="885508" cy="265176"/>
           </a:xfrm>
           <a:prstGeom prst="rightArrow">
             <a:avLst/>
@@ -5882,10 +5916,10 @@
       </p:sp>
       <p:sp>
         <p:nvSpPr>
-          <p:cNvPr id="3" name="Flowchart: Process 2">
-            <a:extLst>
-              <a:ext uri="{FF2B5EF4-FFF2-40B4-BE49-F238E27FC236}">
-                <a16:creationId xmlns:a16="http://schemas.microsoft.com/office/drawing/2014/main" id="{CF879B09-109B-C059-F85F-964FFE4849A1}"/>
+          <p:cNvPr id="8" name="Arrow: Right 7">
+            <a:extLst>
+              <a:ext uri="{FF2B5EF4-FFF2-40B4-BE49-F238E27FC236}">
+                <a16:creationId xmlns:a16="http://schemas.microsoft.com/office/drawing/2014/main" id="{45451A35-73BA-A205-58D3-2D950D440FA7}"/>
               </a:ext>
             </a:extLst>
           </p:cNvPr>
@@ -5893,16 +5927,17 @@
           <p:nvPr/>
         </p:nvSpPr>
         <p:spPr>
-          <a:xfrm>
-            <a:off x="2414420" y="2805779"/>
-            <a:ext cx="2256854" cy="571500"/>
-          </a:xfrm>
-          <a:prstGeom prst="flowChartProcess">
+          <a:xfrm rot="21141818">
+            <a:off x="4676822" y="1877961"/>
+            <a:ext cx="4629523" cy="392474"/>
+          </a:xfrm>
+          <a:prstGeom prst="rightArrow">
             <a:avLst/>
           </a:prstGeom>
           <a:solidFill>
-            <a:schemeClr val="bg1">
-              <a:lumMod val="85000"/>
+            <a:schemeClr val="accent3">
+              <a:lumMod val="20000"/>
+              <a:lumOff val="80000"/>
             </a:schemeClr>
           </a:solidFill>
         </p:spPr>
@@ -5927,24 +5962,16 @@
           <a:lstStyle/>
           <a:p>
             <a:pPr algn="ctr"/>
-            <a:r>
-              <a:rPr lang="en-GB" dirty="0">
-                <a:solidFill>
-                  <a:schemeClr val="tx1"/>
-                </a:solidFill>
-                <a:latin typeface="Avenir Next LT Pro" panose="020B0504020202020204" pitchFamily="34" charset="0"/>
-              </a:rPr>
-              <a:t>Audio and Video</a:t>
-            </a:r>
-          </a:p>
-        </p:txBody>
-      </p:sp>
-      <p:sp>
-        <p:nvSpPr>
-          <p:cNvPr id="4" name="Arrow: Right 3">
-            <a:extLst>
-              <a:ext uri="{FF2B5EF4-FFF2-40B4-BE49-F238E27FC236}">
-                <a16:creationId xmlns:a16="http://schemas.microsoft.com/office/drawing/2014/main" id="{9C7BC4FC-A6AB-8ADD-72BE-9A63978EF717}"/>
+            <a:endParaRPr lang="en-GB"/>
+          </a:p>
+        </p:txBody>
+      </p:sp>
+      <p:sp>
+        <p:nvSpPr>
+          <p:cNvPr id="9" name="Arrow: Right 8">
+            <a:extLst>
+              <a:ext uri="{FF2B5EF4-FFF2-40B4-BE49-F238E27FC236}">
+                <a16:creationId xmlns:a16="http://schemas.microsoft.com/office/drawing/2014/main" id="{1132C193-DC02-05FD-4D89-4DD2A9D8C64E}"/>
               </a:ext>
             </a:extLst>
           </p:cNvPr>
@@ -5952,9 +5979,9 @@
           <p:nvPr/>
         </p:nvSpPr>
         <p:spPr>
-          <a:xfrm rot="19023248">
-            <a:off x="8626657" y="1152213"/>
-            <a:ext cx="885508" cy="265176"/>
+          <a:xfrm>
+            <a:off x="4699280" y="1168794"/>
+            <a:ext cx="4629523" cy="392474"/>
           </a:xfrm>
           <a:prstGeom prst="rightArrow">
             <a:avLst/>
